--- a/doc/ppt/husize.pptx
+++ b/doc/ppt/husize.pptx
@@ -253,7 +253,7 @@
           <a:p>
             <a:fld id="{0FC2DD46-FF29-41C8-B8DF-9F7D17BF283B}" type="datetimeFigureOut">
               <a:rPr lang="zh-CN" altLang="en-US" smtClean="0"/>
-              <a:t>2016/3/11</a:t>
+              <a:t>16/3/13</a:t>
             </a:fld>
             <a:endParaRPr lang="zh-CN" altLang="en-US"/>
           </a:p>
@@ -423,7 +423,7 @@
           <a:p>
             <a:fld id="{0FC2DD46-FF29-41C8-B8DF-9F7D17BF283B}" type="datetimeFigureOut">
               <a:rPr lang="zh-CN" altLang="en-US" smtClean="0"/>
-              <a:t>2016/3/11</a:t>
+              <a:t>16/3/13</a:t>
             </a:fld>
             <a:endParaRPr lang="zh-CN" altLang="en-US"/>
           </a:p>
@@ -603,7 +603,7 @@
           <a:p>
             <a:fld id="{0FC2DD46-FF29-41C8-B8DF-9F7D17BF283B}" type="datetimeFigureOut">
               <a:rPr lang="zh-CN" altLang="en-US" smtClean="0"/>
-              <a:t>2016/3/11</a:t>
+              <a:t>16/3/13</a:t>
             </a:fld>
             <a:endParaRPr lang="zh-CN" altLang="en-US"/>
           </a:p>
@@ -773,7 +773,7 @@
           <a:p>
             <a:fld id="{0FC2DD46-FF29-41C8-B8DF-9F7D17BF283B}" type="datetimeFigureOut">
               <a:rPr lang="zh-CN" altLang="en-US" smtClean="0"/>
-              <a:t>2016/3/11</a:t>
+              <a:t>16/3/13</a:t>
             </a:fld>
             <a:endParaRPr lang="zh-CN" altLang="en-US"/>
           </a:p>
@@ -1019,7 +1019,7 @@
           <a:p>
             <a:fld id="{0FC2DD46-FF29-41C8-B8DF-9F7D17BF283B}" type="datetimeFigureOut">
               <a:rPr lang="zh-CN" altLang="en-US" smtClean="0"/>
-              <a:t>2016/3/11</a:t>
+              <a:t>16/3/13</a:t>
             </a:fld>
             <a:endParaRPr lang="zh-CN" altLang="en-US"/>
           </a:p>
@@ -1251,7 +1251,7 @@
           <a:p>
             <a:fld id="{0FC2DD46-FF29-41C8-B8DF-9F7D17BF283B}" type="datetimeFigureOut">
               <a:rPr lang="zh-CN" altLang="en-US" smtClean="0"/>
-              <a:t>2016/3/11</a:t>
+              <a:t>16/3/13</a:t>
             </a:fld>
             <a:endParaRPr lang="zh-CN" altLang="en-US"/>
           </a:p>
@@ -1618,7 +1618,7 @@
           <a:p>
             <a:fld id="{0FC2DD46-FF29-41C8-B8DF-9F7D17BF283B}" type="datetimeFigureOut">
               <a:rPr lang="zh-CN" altLang="en-US" smtClean="0"/>
-              <a:t>2016/3/11</a:t>
+              <a:t>16/3/13</a:t>
             </a:fld>
             <a:endParaRPr lang="zh-CN" altLang="en-US"/>
           </a:p>
@@ -1736,7 +1736,7 @@
           <a:p>
             <a:fld id="{0FC2DD46-FF29-41C8-B8DF-9F7D17BF283B}" type="datetimeFigureOut">
               <a:rPr lang="zh-CN" altLang="en-US" smtClean="0"/>
-              <a:t>2016/3/11</a:t>
+              <a:t>16/3/13</a:t>
             </a:fld>
             <a:endParaRPr lang="zh-CN" altLang="en-US"/>
           </a:p>
@@ -1831,7 +1831,7 @@
           <a:p>
             <a:fld id="{0FC2DD46-FF29-41C8-B8DF-9F7D17BF283B}" type="datetimeFigureOut">
               <a:rPr lang="zh-CN" altLang="en-US" smtClean="0"/>
-              <a:t>2016/3/11</a:t>
+              <a:t>16/3/13</a:t>
             </a:fld>
             <a:endParaRPr lang="zh-CN" altLang="en-US"/>
           </a:p>
@@ -2108,7 +2108,7 @@
           <a:p>
             <a:fld id="{0FC2DD46-FF29-41C8-B8DF-9F7D17BF283B}" type="datetimeFigureOut">
               <a:rPr lang="zh-CN" altLang="en-US" smtClean="0"/>
-              <a:t>2016/3/11</a:t>
+              <a:t>16/3/13</a:t>
             </a:fld>
             <a:endParaRPr lang="zh-CN" altLang="en-US"/>
           </a:p>
@@ -2361,7 +2361,7 @@
           <a:p>
             <a:fld id="{0FC2DD46-FF29-41C8-B8DF-9F7D17BF283B}" type="datetimeFigureOut">
               <a:rPr lang="zh-CN" altLang="en-US" smtClean="0"/>
-              <a:t>2016/3/11</a:t>
+              <a:t>16/3/13</a:t>
             </a:fld>
             <a:endParaRPr lang="zh-CN" altLang="en-US"/>
           </a:p>
@@ -2574,7 +2574,7 @@
           <a:p>
             <a:fld id="{0FC2DD46-FF29-41C8-B8DF-9F7D17BF283B}" type="datetimeFigureOut">
               <a:rPr lang="zh-CN" altLang="en-US" smtClean="0"/>
-              <a:t>2016/3/11</a:t>
+              <a:t>16/3/13</a:t>
             </a:fld>
             <a:endParaRPr lang="zh-CN" altLang="en-US"/>
           </a:p>
@@ -3025,7 +3025,7 @@
           <a:p>
             <a:fld id="{D8309854-A92A-1749-9722-C3A7F69F0164}" type="datetime3">
               <a:rPr kumimoji="1" lang="en-US" altLang="zh-CN"/>
-              <a:t>11 March 2016</a:t>
+              <a:t>13 March 2016</a:t>
             </a:fld>
             <a:endParaRPr kumimoji="1" lang="zh-CN" altLang="en-US" dirty="0"/>
           </a:p>
@@ -3135,7 +3135,7 @@
         <p:spPr>
           <a:xfrm>
             <a:off x="948813" y="1150374"/>
-            <a:ext cx="10294374" cy="5921542"/>
+            <a:ext cx="9719187" cy="5590682"/>
           </a:xfrm>
           <a:prstGeom prst="rect">
             <a:avLst/>
@@ -3179,44 +3179,6 @@
           <a:chExt cx="0" cy="0"/>
         </a:xfrm>
       </p:grpSpPr>
-      <p:sp>
-        <p:nvSpPr>
-          <p:cNvPr id="2" name="标题 1"/>
-          <p:cNvSpPr>
-            <a:spLocks noGrp="1"/>
-          </p:cNvSpPr>
-          <p:nvPr>
-            <p:ph type="title"/>
-          </p:nvPr>
-        </p:nvSpPr>
-        <p:spPr/>
-        <p:txBody>
-          <a:bodyPr/>
-          <a:lstStyle/>
-          <a:p>
-            <a:endParaRPr lang="zh-CN" altLang="en-US"/>
-          </a:p>
-        </p:txBody>
-      </p:sp>
-      <p:sp>
-        <p:nvSpPr>
-          <p:cNvPr id="3" name="内容占位符 2"/>
-          <p:cNvSpPr>
-            <a:spLocks noGrp="1"/>
-          </p:cNvSpPr>
-          <p:nvPr>
-            <p:ph idx="1"/>
-          </p:nvPr>
-        </p:nvSpPr>
-        <p:spPr/>
-        <p:txBody>
-          <a:bodyPr/>
-          <a:lstStyle/>
-          <a:p>
-            <a:endParaRPr lang="zh-CN" altLang="en-US"/>
-          </a:p>
-        </p:txBody>
-      </p:sp>
       <p:pic>
         <p:nvPicPr>
           <p:cNvPr id="4" name="图片 3"/>
@@ -3233,7 +3195,7 @@
         </p:blipFill>
         <p:spPr>
           <a:xfrm>
-            <a:off x="838200" y="1027906"/>
+            <a:off x="939800" y="1129506"/>
             <a:ext cx="10400910" cy="4679632"/>
           </a:xfrm>
           <a:prstGeom prst="rect">
@@ -3891,7 +3853,7 @@
         </p:blipFill>
         <p:spPr>
           <a:xfrm>
-            <a:off x="619760" y="365125"/>
+            <a:off x="619760" y="0"/>
             <a:ext cx="10952479" cy="6867946"/>
           </a:xfrm>
           <a:prstGeom prst="rect">
@@ -3936,44 +3898,6 @@
           <a:chExt cx="0" cy="0"/>
         </a:xfrm>
       </p:grpSpPr>
-      <p:sp>
-        <p:nvSpPr>
-          <p:cNvPr id="2" name="标题 1"/>
-          <p:cNvSpPr>
-            <a:spLocks noGrp="1"/>
-          </p:cNvSpPr>
-          <p:nvPr>
-            <p:ph type="title"/>
-          </p:nvPr>
-        </p:nvSpPr>
-        <p:spPr/>
-        <p:txBody>
-          <a:bodyPr/>
-          <a:lstStyle/>
-          <a:p>
-            <a:endParaRPr lang="zh-CN" altLang="en-US"/>
-          </a:p>
-        </p:txBody>
-      </p:sp>
-      <p:sp>
-        <p:nvSpPr>
-          <p:cNvPr id="3" name="内容占位符 2"/>
-          <p:cNvSpPr>
-            <a:spLocks noGrp="1"/>
-          </p:cNvSpPr>
-          <p:nvPr>
-            <p:ph idx="1"/>
-          </p:nvPr>
-        </p:nvSpPr>
-        <p:spPr/>
-        <p:txBody>
-          <a:bodyPr/>
-          <a:lstStyle/>
-          <a:p>
-            <a:endParaRPr lang="zh-CN" altLang="en-US"/>
-          </a:p>
-        </p:txBody>
-      </p:sp>
       <p:pic>
         <p:nvPicPr>
           <p:cNvPr id="4" name="图片 3"/>
@@ -3990,7 +3914,7 @@
         </p:blipFill>
         <p:spPr>
           <a:xfrm>
-            <a:off x="991914" y="710565"/>
+            <a:off x="890314" y="1041400"/>
             <a:ext cx="10208172" cy="4445000"/>
           </a:xfrm>
           <a:prstGeom prst="rect">

--- a/doc/ppt/husize.pptx
+++ b/doc/ppt/husize.pptx
@@ -4,6 +4,9 @@
   <p:sldMasterIdLst>
     <p:sldMasterId id="2147483648" r:id="rId1"/>
   </p:sldMasterIdLst>
+  <p:notesMasterIdLst>
+    <p:notesMasterId r:id="rId16"/>
+  </p:notesMasterIdLst>
   <p:sldIdLst>
     <p:sldId id="256" r:id="rId2"/>
     <p:sldId id="257" r:id="rId3"/>
@@ -16,6 +19,9 @@
     <p:sldId id="264" r:id="rId10"/>
     <p:sldId id="265" r:id="rId11"/>
     <p:sldId id="266" r:id="rId12"/>
+    <p:sldId id="267" r:id="rId13"/>
+    <p:sldId id="269" r:id="rId14"/>
+    <p:sldId id="268" r:id="rId15"/>
   </p:sldIdLst>
   <p:sldSz cx="12192000" cy="6858000"/>
   <p:notesSz cx="6858000" cy="9144000"/>
@@ -122,6 +128,1364 @@
 </p:presentation>
 </file>
 
+<file path=ppt/notesMasters/notesMaster1.xml><?xml version="1.0" encoding="utf-8"?>
+<p:notesMaster xmlns:a="http://schemas.openxmlformats.org/drawingml/2006/main" xmlns:r="http://schemas.openxmlformats.org/officeDocument/2006/relationships" xmlns:p="http://schemas.openxmlformats.org/presentationml/2006/main">
+  <p:cSld>
+    <p:bg>
+      <p:bgRef idx="1001">
+        <a:schemeClr val="bg1"/>
+      </p:bgRef>
+    </p:bg>
+    <p:spTree>
+      <p:nvGrpSpPr>
+        <p:cNvPr id="1" name=""/>
+        <p:cNvGrpSpPr/>
+        <p:nvPr/>
+      </p:nvGrpSpPr>
+      <p:grpSpPr>
+        <a:xfrm>
+          <a:off x="0" y="0"/>
+          <a:ext cx="0" cy="0"/>
+          <a:chOff x="0" y="0"/>
+          <a:chExt cx="0" cy="0"/>
+        </a:xfrm>
+      </p:grpSpPr>
+      <p:sp>
+        <p:nvSpPr>
+          <p:cNvPr id="2" name="页眉占位符 1"/>
+          <p:cNvSpPr>
+            <a:spLocks noGrp="1"/>
+          </p:cNvSpPr>
+          <p:nvPr>
+            <p:ph type="hdr" sz="quarter"/>
+          </p:nvPr>
+        </p:nvSpPr>
+        <p:spPr>
+          <a:xfrm>
+            <a:off x="0" y="0"/>
+            <a:ext cx="2971800" cy="458788"/>
+          </a:xfrm>
+          <a:prstGeom prst="rect">
+            <a:avLst/>
+          </a:prstGeom>
+        </p:spPr>
+        <p:txBody>
+          <a:bodyPr vert="horz" lIns="91440" tIns="45720" rIns="91440" bIns="45720" rtlCol="0"/>
+          <a:lstStyle>
+            <a:lvl1pPr algn="l">
+              <a:defRPr sz="1200"/>
+            </a:lvl1pPr>
+          </a:lstStyle>
+          <a:p>
+            <a:endParaRPr lang="zh-CN" altLang="en-US"/>
+          </a:p>
+        </p:txBody>
+      </p:sp>
+      <p:sp>
+        <p:nvSpPr>
+          <p:cNvPr id="3" name="日期占位符 2"/>
+          <p:cNvSpPr>
+            <a:spLocks noGrp="1"/>
+          </p:cNvSpPr>
+          <p:nvPr>
+            <p:ph type="dt" idx="1"/>
+          </p:nvPr>
+        </p:nvSpPr>
+        <p:spPr>
+          <a:xfrm>
+            <a:off x="3884613" y="0"/>
+            <a:ext cx="2971800" cy="458788"/>
+          </a:xfrm>
+          <a:prstGeom prst="rect">
+            <a:avLst/>
+          </a:prstGeom>
+        </p:spPr>
+        <p:txBody>
+          <a:bodyPr vert="horz" lIns="91440" tIns="45720" rIns="91440" bIns="45720" rtlCol="0"/>
+          <a:lstStyle>
+            <a:lvl1pPr algn="r">
+              <a:defRPr sz="1200"/>
+            </a:lvl1pPr>
+          </a:lstStyle>
+          <a:p>
+            <a:fld id="{276E1BA2-08ED-4922-B812-1F98394CA2D1}" type="datetimeFigureOut">
+              <a:rPr lang="zh-CN" altLang="en-US" smtClean="0"/>
+              <a:t>2016/3/13</a:t>
+            </a:fld>
+            <a:endParaRPr lang="zh-CN" altLang="en-US"/>
+          </a:p>
+        </p:txBody>
+      </p:sp>
+      <p:sp>
+        <p:nvSpPr>
+          <p:cNvPr id="4" name="幻灯片图像占位符 3"/>
+          <p:cNvSpPr>
+            <a:spLocks noGrp="1" noRot="1" noChangeAspect="1"/>
+          </p:cNvSpPr>
+          <p:nvPr>
+            <p:ph type="sldImg" idx="2"/>
+          </p:nvPr>
+        </p:nvSpPr>
+        <p:spPr>
+          <a:xfrm>
+            <a:off x="685800" y="1143000"/>
+            <a:ext cx="5486400" cy="3086100"/>
+          </a:xfrm>
+          <a:prstGeom prst="rect">
+            <a:avLst/>
+          </a:prstGeom>
+          <a:noFill/>
+          <a:ln w="12700">
+            <a:solidFill>
+              <a:prstClr val="black"/>
+            </a:solidFill>
+          </a:ln>
+        </p:spPr>
+        <p:txBody>
+          <a:bodyPr vert="horz" lIns="91440" tIns="45720" rIns="91440" bIns="45720" rtlCol="0" anchor="ctr"/>
+          <a:lstStyle/>
+          <a:p>
+            <a:endParaRPr lang="zh-CN" altLang="en-US"/>
+          </a:p>
+        </p:txBody>
+      </p:sp>
+      <p:sp>
+        <p:nvSpPr>
+          <p:cNvPr id="5" name="备注占位符 4"/>
+          <p:cNvSpPr>
+            <a:spLocks noGrp="1"/>
+          </p:cNvSpPr>
+          <p:nvPr>
+            <p:ph type="body" sz="quarter" idx="3"/>
+          </p:nvPr>
+        </p:nvSpPr>
+        <p:spPr>
+          <a:xfrm>
+            <a:off x="685800" y="4400550"/>
+            <a:ext cx="5486400" cy="3600450"/>
+          </a:xfrm>
+          <a:prstGeom prst="rect">
+            <a:avLst/>
+          </a:prstGeom>
+        </p:spPr>
+        <p:txBody>
+          <a:bodyPr vert="horz" lIns="91440" tIns="45720" rIns="91440" bIns="45720" rtlCol="0"/>
+          <a:lstStyle/>
+          <a:p>
+            <a:pPr lvl="0"/>
+            <a:r>
+              <a:rPr lang="zh-CN" altLang="en-US" smtClean="0"/>
+              <a:t>单击此处编辑母版文本样式</a:t>
+            </a:r>
+          </a:p>
+          <a:p>
+            <a:pPr lvl="1"/>
+            <a:r>
+              <a:rPr lang="zh-CN" altLang="en-US" smtClean="0"/>
+              <a:t>第二级</a:t>
+            </a:r>
+          </a:p>
+          <a:p>
+            <a:pPr lvl="2"/>
+            <a:r>
+              <a:rPr lang="zh-CN" altLang="en-US" smtClean="0"/>
+              <a:t>第三级</a:t>
+            </a:r>
+          </a:p>
+          <a:p>
+            <a:pPr lvl="3"/>
+            <a:r>
+              <a:rPr lang="zh-CN" altLang="en-US" smtClean="0"/>
+              <a:t>第四级</a:t>
+            </a:r>
+          </a:p>
+          <a:p>
+            <a:pPr lvl="4"/>
+            <a:r>
+              <a:rPr lang="zh-CN" altLang="en-US" smtClean="0"/>
+              <a:t>第五级</a:t>
+            </a:r>
+            <a:endParaRPr lang="zh-CN" altLang="en-US"/>
+          </a:p>
+        </p:txBody>
+      </p:sp>
+      <p:sp>
+        <p:nvSpPr>
+          <p:cNvPr id="6" name="页脚占位符 5"/>
+          <p:cNvSpPr>
+            <a:spLocks noGrp="1"/>
+          </p:cNvSpPr>
+          <p:nvPr>
+            <p:ph type="ftr" sz="quarter" idx="4"/>
+          </p:nvPr>
+        </p:nvSpPr>
+        <p:spPr>
+          <a:xfrm>
+            <a:off x="0" y="8685213"/>
+            <a:ext cx="2971800" cy="458787"/>
+          </a:xfrm>
+          <a:prstGeom prst="rect">
+            <a:avLst/>
+          </a:prstGeom>
+        </p:spPr>
+        <p:txBody>
+          <a:bodyPr vert="horz" lIns="91440" tIns="45720" rIns="91440" bIns="45720" rtlCol="0" anchor="b"/>
+          <a:lstStyle>
+            <a:lvl1pPr algn="l">
+              <a:defRPr sz="1200"/>
+            </a:lvl1pPr>
+          </a:lstStyle>
+          <a:p>
+            <a:endParaRPr lang="zh-CN" altLang="en-US"/>
+          </a:p>
+        </p:txBody>
+      </p:sp>
+      <p:sp>
+        <p:nvSpPr>
+          <p:cNvPr id="7" name="灯片编号占位符 6"/>
+          <p:cNvSpPr>
+            <a:spLocks noGrp="1"/>
+          </p:cNvSpPr>
+          <p:nvPr>
+            <p:ph type="sldNum" sz="quarter" idx="5"/>
+          </p:nvPr>
+        </p:nvSpPr>
+        <p:spPr>
+          <a:xfrm>
+            <a:off x="3884613" y="8685213"/>
+            <a:ext cx="2971800" cy="458787"/>
+          </a:xfrm>
+          <a:prstGeom prst="rect">
+            <a:avLst/>
+          </a:prstGeom>
+        </p:spPr>
+        <p:txBody>
+          <a:bodyPr vert="horz" lIns="91440" tIns="45720" rIns="91440" bIns="45720" rtlCol="0" anchor="b"/>
+          <a:lstStyle>
+            <a:lvl1pPr algn="r">
+              <a:defRPr sz="1200"/>
+            </a:lvl1pPr>
+          </a:lstStyle>
+          <a:p>
+            <a:fld id="{4BD9360E-7B8D-47A7-839A-46B466BFEC9F}" type="slidenum">
+              <a:rPr lang="zh-CN" altLang="en-US" smtClean="0"/>
+              <a:t>‹#›</a:t>
+            </a:fld>
+            <a:endParaRPr lang="zh-CN" altLang="en-US"/>
+          </a:p>
+        </p:txBody>
+      </p:sp>
+    </p:spTree>
+    <p:extLst>
+      <p:ext uri="{BB962C8B-B14F-4D97-AF65-F5344CB8AC3E}">
+        <p14:creationId xmlns:p14="http://schemas.microsoft.com/office/powerpoint/2010/main" val="392643013"/>
+      </p:ext>
+    </p:extLst>
+  </p:cSld>
+  <p:clrMap bg1="lt1" tx1="dk1" bg2="lt2" tx2="dk2" accent1="accent1" accent2="accent2" accent3="accent3" accent4="accent4" accent5="accent5" accent6="accent6" hlink="hlink" folHlink="folHlink"/>
+  <p:notesStyle>
+    <a:lvl1pPr marL="0" algn="l" defTabSz="914400" rtl="0" eaLnBrk="1" latinLnBrk="0" hangingPunct="1">
+      <a:defRPr sz="1200" kern="1200">
+        <a:solidFill>
+          <a:schemeClr val="tx1"/>
+        </a:solidFill>
+        <a:latin typeface="+mn-lt"/>
+        <a:ea typeface="+mn-ea"/>
+        <a:cs typeface="+mn-cs"/>
+      </a:defRPr>
+    </a:lvl1pPr>
+    <a:lvl2pPr marL="457200" algn="l" defTabSz="914400" rtl="0" eaLnBrk="1" latinLnBrk="0" hangingPunct="1">
+      <a:defRPr sz="1200" kern="1200">
+        <a:solidFill>
+          <a:schemeClr val="tx1"/>
+        </a:solidFill>
+        <a:latin typeface="+mn-lt"/>
+        <a:ea typeface="+mn-ea"/>
+        <a:cs typeface="+mn-cs"/>
+      </a:defRPr>
+    </a:lvl2pPr>
+    <a:lvl3pPr marL="914400" algn="l" defTabSz="914400" rtl="0" eaLnBrk="1" latinLnBrk="0" hangingPunct="1">
+      <a:defRPr sz="1200" kern="1200">
+        <a:solidFill>
+          <a:schemeClr val="tx1"/>
+        </a:solidFill>
+        <a:latin typeface="+mn-lt"/>
+        <a:ea typeface="+mn-ea"/>
+        <a:cs typeface="+mn-cs"/>
+      </a:defRPr>
+    </a:lvl3pPr>
+    <a:lvl4pPr marL="1371600" algn="l" defTabSz="914400" rtl="0" eaLnBrk="1" latinLnBrk="0" hangingPunct="1">
+      <a:defRPr sz="1200" kern="1200">
+        <a:solidFill>
+          <a:schemeClr val="tx1"/>
+        </a:solidFill>
+        <a:latin typeface="+mn-lt"/>
+        <a:ea typeface="+mn-ea"/>
+        <a:cs typeface="+mn-cs"/>
+      </a:defRPr>
+    </a:lvl4pPr>
+    <a:lvl5pPr marL="1828800" algn="l" defTabSz="914400" rtl="0" eaLnBrk="1" latinLnBrk="0" hangingPunct="1">
+      <a:defRPr sz="1200" kern="1200">
+        <a:solidFill>
+          <a:schemeClr val="tx1"/>
+        </a:solidFill>
+        <a:latin typeface="+mn-lt"/>
+        <a:ea typeface="+mn-ea"/>
+        <a:cs typeface="+mn-cs"/>
+      </a:defRPr>
+    </a:lvl5pPr>
+    <a:lvl6pPr marL="2286000" algn="l" defTabSz="914400" rtl="0" eaLnBrk="1" latinLnBrk="0" hangingPunct="1">
+      <a:defRPr sz="1200" kern="1200">
+        <a:solidFill>
+          <a:schemeClr val="tx1"/>
+        </a:solidFill>
+        <a:latin typeface="+mn-lt"/>
+        <a:ea typeface="+mn-ea"/>
+        <a:cs typeface="+mn-cs"/>
+      </a:defRPr>
+    </a:lvl6pPr>
+    <a:lvl7pPr marL="2743200" algn="l" defTabSz="914400" rtl="0" eaLnBrk="1" latinLnBrk="0" hangingPunct="1">
+      <a:defRPr sz="1200" kern="1200">
+        <a:solidFill>
+          <a:schemeClr val="tx1"/>
+        </a:solidFill>
+        <a:latin typeface="+mn-lt"/>
+        <a:ea typeface="+mn-ea"/>
+        <a:cs typeface="+mn-cs"/>
+      </a:defRPr>
+    </a:lvl7pPr>
+    <a:lvl8pPr marL="3200400" algn="l" defTabSz="914400" rtl="0" eaLnBrk="1" latinLnBrk="0" hangingPunct="1">
+      <a:defRPr sz="1200" kern="1200">
+        <a:solidFill>
+          <a:schemeClr val="tx1"/>
+        </a:solidFill>
+        <a:latin typeface="+mn-lt"/>
+        <a:ea typeface="+mn-ea"/>
+        <a:cs typeface="+mn-cs"/>
+      </a:defRPr>
+    </a:lvl8pPr>
+    <a:lvl9pPr marL="3657600" algn="l" defTabSz="914400" rtl="0" eaLnBrk="1" latinLnBrk="0" hangingPunct="1">
+      <a:defRPr sz="1200" kern="1200">
+        <a:solidFill>
+          <a:schemeClr val="tx1"/>
+        </a:solidFill>
+        <a:latin typeface="+mn-lt"/>
+        <a:ea typeface="+mn-ea"/>
+        <a:cs typeface="+mn-cs"/>
+      </a:defRPr>
+    </a:lvl9pPr>
+  </p:notesStyle>
+</p:notesMaster>
+</file>
+
+<file path=ppt/notesSlides/notesSlide1.xml><?xml version="1.0" encoding="utf-8"?>
+<p:notes xmlns:a="http://schemas.openxmlformats.org/drawingml/2006/main" xmlns:r="http://schemas.openxmlformats.org/officeDocument/2006/relationships" xmlns:p="http://schemas.openxmlformats.org/presentationml/2006/main">
+  <p:cSld>
+    <p:spTree>
+      <p:nvGrpSpPr>
+        <p:cNvPr id="1" name=""/>
+        <p:cNvGrpSpPr/>
+        <p:nvPr/>
+      </p:nvGrpSpPr>
+      <p:grpSpPr>
+        <a:xfrm>
+          <a:off x="0" y="0"/>
+          <a:ext cx="0" cy="0"/>
+          <a:chOff x="0" y="0"/>
+          <a:chExt cx="0" cy="0"/>
+        </a:xfrm>
+      </p:grpSpPr>
+      <p:sp>
+        <p:nvSpPr>
+          <p:cNvPr id="2" name="幻灯片图像占位符 1"/>
+          <p:cNvSpPr>
+            <a:spLocks noGrp="1" noRot="1" noChangeAspect="1"/>
+          </p:cNvSpPr>
+          <p:nvPr>
+            <p:ph type="sldImg"/>
+          </p:nvPr>
+        </p:nvSpPr>
+        <p:spPr/>
+      </p:sp>
+      <p:sp>
+        <p:nvSpPr>
+          <p:cNvPr id="3" name="备注占位符 2"/>
+          <p:cNvSpPr>
+            <a:spLocks noGrp="1"/>
+          </p:cNvSpPr>
+          <p:nvPr>
+            <p:ph type="body" idx="1"/>
+          </p:nvPr>
+        </p:nvSpPr>
+        <p:spPr/>
+        <p:txBody>
+          <a:bodyPr/>
+          <a:lstStyle/>
+          <a:p>
+            <a:endParaRPr lang="zh-CN" altLang="en-US"/>
+          </a:p>
+        </p:txBody>
+      </p:sp>
+      <p:sp>
+        <p:nvSpPr>
+          <p:cNvPr id="4" name="灯片编号占位符 3"/>
+          <p:cNvSpPr>
+            <a:spLocks noGrp="1"/>
+          </p:cNvSpPr>
+          <p:nvPr>
+            <p:ph type="sldNum" sz="quarter" idx="10"/>
+          </p:nvPr>
+        </p:nvSpPr>
+        <p:spPr/>
+        <p:txBody>
+          <a:bodyPr/>
+          <a:lstStyle/>
+          <a:p>
+            <a:fld id="{4BD9360E-7B8D-47A7-839A-46B466BFEC9F}" type="slidenum">
+              <a:rPr lang="zh-CN" altLang="en-US" smtClean="0"/>
+              <a:t>3</a:t>
+            </a:fld>
+            <a:endParaRPr lang="zh-CN" altLang="en-US"/>
+          </a:p>
+        </p:txBody>
+      </p:sp>
+    </p:spTree>
+    <p:extLst>
+      <p:ext uri="{BB962C8B-B14F-4D97-AF65-F5344CB8AC3E}">
+        <p14:creationId xmlns:p14="http://schemas.microsoft.com/office/powerpoint/2010/main" val="747113879"/>
+      </p:ext>
+    </p:extLst>
+  </p:cSld>
+  <p:clrMapOvr>
+    <a:masterClrMapping/>
+  </p:clrMapOvr>
+</p:notes>
+</file>
+
+<file path=ppt/notesSlides/notesSlide10.xml><?xml version="1.0" encoding="utf-8"?>
+<p:notes xmlns:a="http://schemas.openxmlformats.org/drawingml/2006/main" xmlns:r="http://schemas.openxmlformats.org/officeDocument/2006/relationships" xmlns:p="http://schemas.openxmlformats.org/presentationml/2006/main">
+  <p:cSld>
+    <p:spTree>
+      <p:nvGrpSpPr>
+        <p:cNvPr id="1" name=""/>
+        <p:cNvGrpSpPr/>
+        <p:nvPr/>
+      </p:nvGrpSpPr>
+      <p:grpSpPr>
+        <a:xfrm>
+          <a:off x="0" y="0"/>
+          <a:ext cx="0" cy="0"/>
+          <a:chOff x="0" y="0"/>
+          <a:chExt cx="0" cy="0"/>
+        </a:xfrm>
+      </p:grpSpPr>
+      <p:sp>
+        <p:nvSpPr>
+          <p:cNvPr id="2" name="幻灯片图像占位符 1"/>
+          <p:cNvSpPr>
+            <a:spLocks noGrp="1" noRot="1" noChangeAspect="1"/>
+          </p:cNvSpPr>
+          <p:nvPr>
+            <p:ph type="sldImg"/>
+          </p:nvPr>
+        </p:nvSpPr>
+        <p:spPr/>
+      </p:sp>
+      <p:sp>
+        <p:nvSpPr>
+          <p:cNvPr id="3" name="备注占位符 2"/>
+          <p:cNvSpPr>
+            <a:spLocks noGrp="1"/>
+          </p:cNvSpPr>
+          <p:nvPr>
+            <p:ph type="body" idx="1"/>
+          </p:nvPr>
+        </p:nvSpPr>
+        <p:spPr/>
+        <p:txBody>
+          <a:bodyPr/>
+          <a:lstStyle/>
+          <a:p>
+            <a:endParaRPr lang="zh-CN" altLang="en-US"/>
+          </a:p>
+        </p:txBody>
+      </p:sp>
+      <p:sp>
+        <p:nvSpPr>
+          <p:cNvPr id="4" name="灯片编号占位符 3"/>
+          <p:cNvSpPr>
+            <a:spLocks noGrp="1"/>
+          </p:cNvSpPr>
+          <p:nvPr>
+            <p:ph type="sldNum" sz="quarter" idx="10"/>
+          </p:nvPr>
+        </p:nvSpPr>
+        <p:spPr/>
+        <p:txBody>
+          <a:bodyPr/>
+          <a:lstStyle/>
+          <a:p>
+            <a:fld id="{4BD9360E-7B8D-47A7-839A-46B466BFEC9F}" type="slidenum">
+              <a:rPr lang="zh-CN" altLang="en-US" smtClean="0"/>
+              <a:t>12</a:t>
+            </a:fld>
+            <a:endParaRPr lang="zh-CN" altLang="en-US"/>
+          </a:p>
+        </p:txBody>
+      </p:sp>
+    </p:spTree>
+    <p:extLst>
+      <p:ext uri="{BB962C8B-B14F-4D97-AF65-F5344CB8AC3E}">
+        <p14:creationId xmlns:p14="http://schemas.microsoft.com/office/powerpoint/2010/main" val="1975294619"/>
+      </p:ext>
+    </p:extLst>
+  </p:cSld>
+  <p:clrMapOvr>
+    <a:masterClrMapping/>
+  </p:clrMapOvr>
+</p:notes>
+</file>
+
+<file path=ppt/notesSlides/notesSlide11.xml><?xml version="1.0" encoding="utf-8"?>
+<p:notes xmlns:a="http://schemas.openxmlformats.org/drawingml/2006/main" xmlns:r="http://schemas.openxmlformats.org/officeDocument/2006/relationships" xmlns:p="http://schemas.openxmlformats.org/presentationml/2006/main">
+  <p:cSld>
+    <p:spTree>
+      <p:nvGrpSpPr>
+        <p:cNvPr id="1" name=""/>
+        <p:cNvGrpSpPr/>
+        <p:nvPr/>
+      </p:nvGrpSpPr>
+      <p:grpSpPr>
+        <a:xfrm>
+          <a:off x="0" y="0"/>
+          <a:ext cx="0" cy="0"/>
+          <a:chOff x="0" y="0"/>
+          <a:chExt cx="0" cy="0"/>
+        </a:xfrm>
+      </p:grpSpPr>
+      <p:sp>
+        <p:nvSpPr>
+          <p:cNvPr id="2" name="幻灯片图像占位符 1"/>
+          <p:cNvSpPr>
+            <a:spLocks noGrp="1" noRot="1" noChangeAspect="1"/>
+          </p:cNvSpPr>
+          <p:nvPr>
+            <p:ph type="sldImg"/>
+          </p:nvPr>
+        </p:nvSpPr>
+        <p:spPr/>
+      </p:sp>
+      <p:sp>
+        <p:nvSpPr>
+          <p:cNvPr id="3" name="备注占位符 2"/>
+          <p:cNvSpPr>
+            <a:spLocks noGrp="1"/>
+          </p:cNvSpPr>
+          <p:nvPr>
+            <p:ph type="body" idx="1"/>
+          </p:nvPr>
+        </p:nvSpPr>
+        <p:spPr/>
+        <p:txBody>
+          <a:bodyPr/>
+          <a:lstStyle/>
+          <a:p>
+            <a:endParaRPr lang="zh-CN" altLang="en-US"/>
+          </a:p>
+        </p:txBody>
+      </p:sp>
+      <p:sp>
+        <p:nvSpPr>
+          <p:cNvPr id="4" name="灯片编号占位符 3"/>
+          <p:cNvSpPr>
+            <a:spLocks noGrp="1"/>
+          </p:cNvSpPr>
+          <p:nvPr>
+            <p:ph type="sldNum" sz="quarter" idx="10"/>
+          </p:nvPr>
+        </p:nvSpPr>
+        <p:spPr/>
+        <p:txBody>
+          <a:bodyPr/>
+          <a:lstStyle/>
+          <a:p>
+            <a:fld id="{4BD9360E-7B8D-47A7-839A-46B466BFEC9F}" type="slidenum">
+              <a:rPr lang="zh-CN" altLang="en-US" smtClean="0"/>
+              <a:t>13</a:t>
+            </a:fld>
+            <a:endParaRPr lang="zh-CN" altLang="en-US"/>
+          </a:p>
+        </p:txBody>
+      </p:sp>
+    </p:spTree>
+    <p:extLst>
+      <p:ext uri="{BB962C8B-B14F-4D97-AF65-F5344CB8AC3E}">
+        <p14:creationId xmlns:p14="http://schemas.microsoft.com/office/powerpoint/2010/main" val="1150027052"/>
+      </p:ext>
+    </p:extLst>
+  </p:cSld>
+  <p:clrMapOvr>
+    <a:masterClrMapping/>
+  </p:clrMapOvr>
+</p:notes>
+</file>
+
+<file path=ppt/notesSlides/notesSlide12.xml><?xml version="1.0" encoding="utf-8"?>
+<p:notes xmlns:a="http://schemas.openxmlformats.org/drawingml/2006/main" xmlns:r="http://schemas.openxmlformats.org/officeDocument/2006/relationships" xmlns:p="http://schemas.openxmlformats.org/presentationml/2006/main">
+  <p:cSld>
+    <p:spTree>
+      <p:nvGrpSpPr>
+        <p:cNvPr id="1" name=""/>
+        <p:cNvGrpSpPr/>
+        <p:nvPr/>
+      </p:nvGrpSpPr>
+      <p:grpSpPr>
+        <a:xfrm>
+          <a:off x="0" y="0"/>
+          <a:ext cx="0" cy="0"/>
+          <a:chOff x="0" y="0"/>
+          <a:chExt cx="0" cy="0"/>
+        </a:xfrm>
+      </p:grpSpPr>
+      <p:sp>
+        <p:nvSpPr>
+          <p:cNvPr id="2" name="幻灯片图像占位符 1"/>
+          <p:cNvSpPr>
+            <a:spLocks noGrp="1" noRot="1" noChangeAspect="1"/>
+          </p:cNvSpPr>
+          <p:nvPr>
+            <p:ph type="sldImg"/>
+          </p:nvPr>
+        </p:nvSpPr>
+        <p:spPr/>
+      </p:sp>
+      <p:sp>
+        <p:nvSpPr>
+          <p:cNvPr id="3" name="备注占位符 2"/>
+          <p:cNvSpPr>
+            <a:spLocks noGrp="1"/>
+          </p:cNvSpPr>
+          <p:nvPr>
+            <p:ph type="body" idx="1"/>
+          </p:nvPr>
+        </p:nvSpPr>
+        <p:spPr/>
+        <p:txBody>
+          <a:bodyPr/>
+          <a:lstStyle/>
+          <a:p>
+            <a:endParaRPr lang="zh-CN" altLang="en-US"/>
+          </a:p>
+        </p:txBody>
+      </p:sp>
+      <p:sp>
+        <p:nvSpPr>
+          <p:cNvPr id="4" name="灯片编号占位符 3"/>
+          <p:cNvSpPr>
+            <a:spLocks noGrp="1"/>
+          </p:cNvSpPr>
+          <p:nvPr>
+            <p:ph type="sldNum" sz="quarter" idx="10"/>
+          </p:nvPr>
+        </p:nvSpPr>
+        <p:spPr/>
+        <p:txBody>
+          <a:bodyPr/>
+          <a:lstStyle/>
+          <a:p>
+            <a:fld id="{4BD9360E-7B8D-47A7-839A-46B466BFEC9F}" type="slidenum">
+              <a:rPr lang="zh-CN" altLang="en-US" smtClean="0"/>
+              <a:t>14</a:t>
+            </a:fld>
+            <a:endParaRPr lang="zh-CN" altLang="en-US"/>
+          </a:p>
+        </p:txBody>
+      </p:sp>
+    </p:spTree>
+    <p:extLst>
+      <p:ext uri="{BB962C8B-B14F-4D97-AF65-F5344CB8AC3E}">
+        <p14:creationId xmlns:p14="http://schemas.microsoft.com/office/powerpoint/2010/main" val="3423861758"/>
+      </p:ext>
+    </p:extLst>
+  </p:cSld>
+  <p:clrMapOvr>
+    <a:masterClrMapping/>
+  </p:clrMapOvr>
+</p:notes>
+</file>
+
+<file path=ppt/notesSlides/notesSlide2.xml><?xml version="1.0" encoding="utf-8"?>
+<p:notes xmlns:a="http://schemas.openxmlformats.org/drawingml/2006/main" xmlns:r="http://schemas.openxmlformats.org/officeDocument/2006/relationships" xmlns:p="http://schemas.openxmlformats.org/presentationml/2006/main">
+  <p:cSld>
+    <p:spTree>
+      <p:nvGrpSpPr>
+        <p:cNvPr id="1" name=""/>
+        <p:cNvGrpSpPr/>
+        <p:nvPr/>
+      </p:nvGrpSpPr>
+      <p:grpSpPr>
+        <a:xfrm>
+          <a:off x="0" y="0"/>
+          <a:ext cx="0" cy="0"/>
+          <a:chOff x="0" y="0"/>
+          <a:chExt cx="0" cy="0"/>
+        </a:xfrm>
+      </p:grpSpPr>
+      <p:sp>
+        <p:nvSpPr>
+          <p:cNvPr id="2" name="幻灯片图像占位符 1"/>
+          <p:cNvSpPr>
+            <a:spLocks noGrp="1" noRot="1" noChangeAspect="1"/>
+          </p:cNvSpPr>
+          <p:nvPr>
+            <p:ph type="sldImg"/>
+          </p:nvPr>
+        </p:nvSpPr>
+        <p:spPr/>
+      </p:sp>
+      <p:sp>
+        <p:nvSpPr>
+          <p:cNvPr id="3" name="备注占位符 2"/>
+          <p:cNvSpPr>
+            <a:spLocks noGrp="1"/>
+          </p:cNvSpPr>
+          <p:nvPr>
+            <p:ph type="body" idx="1"/>
+          </p:nvPr>
+        </p:nvSpPr>
+        <p:spPr/>
+        <p:txBody>
+          <a:bodyPr/>
+          <a:lstStyle/>
+          <a:p>
+            <a:endParaRPr lang="zh-CN" altLang="en-US"/>
+          </a:p>
+        </p:txBody>
+      </p:sp>
+      <p:sp>
+        <p:nvSpPr>
+          <p:cNvPr id="4" name="灯片编号占位符 3"/>
+          <p:cNvSpPr>
+            <a:spLocks noGrp="1"/>
+          </p:cNvSpPr>
+          <p:nvPr>
+            <p:ph type="sldNum" sz="quarter" idx="10"/>
+          </p:nvPr>
+        </p:nvSpPr>
+        <p:spPr/>
+        <p:txBody>
+          <a:bodyPr/>
+          <a:lstStyle/>
+          <a:p>
+            <a:fld id="{4BD9360E-7B8D-47A7-839A-46B466BFEC9F}" type="slidenum">
+              <a:rPr lang="zh-CN" altLang="en-US" smtClean="0"/>
+              <a:t>4</a:t>
+            </a:fld>
+            <a:endParaRPr lang="zh-CN" altLang="en-US"/>
+          </a:p>
+        </p:txBody>
+      </p:sp>
+    </p:spTree>
+    <p:extLst>
+      <p:ext uri="{BB962C8B-B14F-4D97-AF65-F5344CB8AC3E}">
+        <p14:creationId xmlns:p14="http://schemas.microsoft.com/office/powerpoint/2010/main" val="534181861"/>
+      </p:ext>
+    </p:extLst>
+  </p:cSld>
+  <p:clrMapOvr>
+    <a:masterClrMapping/>
+  </p:clrMapOvr>
+</p:notes>
+</file>
+
+<file path=ppt/notesSlides/notesSlide3.xml><?xml version="1.0" encoding="utf-8"?>
+<p:notes xmlns:a="http://schemas.openxmlformats.org/drawingml/2006/main" xmlns:r="http://schemas.openxmlformats.org/officeDocument/2006/relationships" xmlns:p="http://schemas.openxmlformats.org/presentationml/2006/main">
+  <p:cSld>
+    <p:spTree>
+      <p:nvGrpSpPr>
+        <p:cNvPr id="1" name=""/>
+        <p:cNvGrpSpPr/>
+        <p:nvPr/>
+      </p:nvGrpSpPr>
+      <p:grpSpPr>
+        <a:xfrm>
+          <a:off x="0" y="0"/>
+          <a:ext cx="0" cy="0"/>
+          <a:chOff x="0" y="0"/>
+          <a:chExt cx="0" cy="0"/>
+        </a:xfrm>
+      </p:grpSpPr>
+      <p:sp>
+        <p:nvSpPr>
+          <p:cNvPr id="2" name="幻灯片图像占位符 1"/>
+          <p:cNvSpPr>
+            <a:spLocks noGrp="1" noRot="1" noChangeAspect="1"/>
+          </p:cNvSpPr>
+          <p:nvPr>
+            <p:ph type="sldImg"/>
+          </p:nvPr>
+        </p:nvSpPr>
+        <p:spPr/>
+      </p:sp>
+      <p:sp>
+        <p:nvSpPr>
+          <p:cNvPr id="3" name="备注占位符 2"/>
+          <p:cNvSpPr>
+            <a:spLocks noGrp="1"/>
+          </p:cNvSpPr>
+          <p:nvPr>
+            <p:ph type="body" idx="1"/>
+          </p:nvPr>
+        </p:nvSpPr>
+        <p:spPr/>
+        <p:txBody>
+          <a:bodyPr/>
+          <a:lstStyle/>
+          <a:p>
+            <a:endParaRPr lang="zh-CN" altLang="en-US"/>
+          </a:p>
+        </p:txBody>
+      </p:sp>
+      <p:sp>
+        <p:nvSpPr>
+          <p:cNvPr id="4" name="灯片编号占位符 3"/>
+          <p:cNvSpPr>
+            <a:spLocks noGrp="1"/>
+          </p:cNvSpPr>
+          <p:nvPr>
+            <p:ph type="sldNum" sz="quarter" idx="10"/>
+          </p:nvPr>
+        </p:nvSpPr>
+        <p:spPr/>
+        <p:txBody>
+          <a:bodyPr/>
+          <a:lstStyle/>
+          <a:p>
+            <a:fld id="{4BD9360E-7B8D-47A7-839A-46B466BFEC9F}" type="slidenum">
+              <a:rPr lang="zh-CN" altLang="en-US" smtClean="0"/>
+              <a:t>5</a:t>
+            </a:fld>
+            <a:endParaRPr lang="zh-CN" altLang="en-US"/>
+          </a:p>
+        </p:txBody>
+      </p:sp>
+    </p:spTree>
+    <p:extLst>
+      <p:ext uri="{BB962C8B-B14F-4D97-AF65-F5344CB8AC3E}">
+        <p14:creationId xmlns:p14="http://schemas.microsoft.com/office/powerpoint/2010/main" val="767170261"/>
+      </p:ext>
+    </p:extLst>
+  </p:cSld>
+  <p:clrMapOvr>
+    <a:masterClrMapping/>
+  </p:clrMapOvr>
+</p:notes>
+</file>
+
+<file path=ppt/notesSlides/notesSlide4.xml><?xml version="1.0" encoding="utf-8"?>
+<p:notes xmlns:a="http://schemas.openxmlformats.org/drawingml/2006/main" xmlns:r="http://schemas.openxmlformats.org/officeDocument/2006/relationships" xmlns:p="http://schemas.openxmlformats.org/presentationml/2006/main">
+  <p:cSld>
+    <p:spTree>
+      <p:nvGrpSpPr>
+        <p:cNvPr id="1" name=""/>
+        <p:cNvGrpSpPr/>
+        <p:nvPr/>
+      </p:nvGrpSpPr>
+      <p:grpSpPr>
+        <a:xfrm>
+          <a:off x="0" y="0"/>
+          <a:ext cx="0" cy="0"/>
+          <a:chOff x="0" y="0"/>
+          <a:chExt cx="0" cy="0"/>
+        </a:xfrm>
+      </p:grpSpPr>
+      <p:sp>
+        <p:nvSpPr>
+          <p:cNvPr id="2" name="幻灯片图像占位符 1"/>
+          <p:cNvSpPr>
+            <a:spLocks noGrp="1" noRot="1" noChangeAspect="1"/>
+          </p:cNvSpPr>
+          <p:nvPr>
+            <p:ph type="sldImg"/>
+          </p:nvPr>
+        </p:nvSpPr>
+        <p:spPr/>
+      </p:sp>
+      <p:sp>
+        <p:nvSpPr>
+          <p:cNvPr id="3" name="备注占位符 2"/>
+          <p:cNvSpPr>
+            <a:spLocks noGrp="1"/>
+          </p:cNvSpPr>
+          <p:nvPr>
+            <p:ph type="body" idx="1"/>
+          </p:nvPr>
+        </p:nvSpPr>
+        <p:spPr/>
+        <p:txBody>
+          <a:bodyPr/>
+          <a:lstStyle/>
+          <a:p>
+            <a:endParaRPr lang="zh-CN" altLang="en-US"/>
+          </a:p>
+        </p:txBody>
+      </p:sp>
+      <p:sp>
+        <p:nvSpPr>
+          <p:cNvPr id="4" name="灯片编号占位符 3"/>
+          <p:cNvSpPr>
+            <a:spLocks noGrp="1"/>
+          </p:cNvSpPr>
+          <p:nvPr>
+            <p:ph type="sldNum" sz="quarter" idx="10"/>
+          </p:nvPr>
+        </p:nvSpPr>
+        <p:spPr/>
+        <p:txBody>
+          <a:bodyPr/>
+          <a:lstStyle/>
+          <a:p>
+            <a:fld id="{4BD9360E-7B8D-47A7-839A-46B466BFEC9F}" type="slidenum">
+              <a:rPr lang="zh-CN" altLang="en-US" smtClean="0"/>
+              <a:t>6</a:t>
+            </a:fld>
+            <a:endParaRPr lang="zh-CN" altLang="en-US"/>
+          </a:p>
+        </p:txBody>
+      </p:sp>
+    </p:spTree>
+    <p:extLst>
+      <p:ext uri="{BB962C8B-B14F-4D97-AF65-F5344CB8AC3E}">
+        <p14:creationId xmlns:p14="http://schemas.microsoft.com/office/powerpoint/2010/main" val="2383236083"/>
+      </p:ext>
+    </p:extLst>
+  </p:cSld>
+  <p:clrMapOvr>
+    <a:masterClrMapping/>
+  </p:clrMapOvr>
+</p:notes>
+</file>
+
+<file path=ppt/notesSlides/notesSlide5.xml><?xml version="1.0" encoding="utf-8"?>
+<p:notes xmlns:a="http://schemas.openxmlformats.org/drawingml/2006/main" xmlns:r="http://schemas.openxmlformats.org/officeDocument/2006/relationships" xmlns:p="http://schemas.openxmlformats.org/presentationml/2006/main">
+  <p:cSld>
+    <p:spTree>
+      <p:nvGrpSpPr>
+        <p:cNvPr id="1" name=""/>
+        <p:cNvGrpSpPr/>
+        <p:nvPr/>
+      </p:nvGrpSpPr>
+      <p:grpSpPr>
+        <a:xfrm>
+          <a:off x="0" y="0"/>
+          <a:ext cx="0" cy="0"/>
+          <a:chOff x="0" y="0"/>
+          <a:chExt cx="0" cy="0"/>
+        </a:xfrm>
+      </p:grpSpPr>
+      <p:sp>
+        <p:nvSpPr>
+          <p:cNvPr id="2" name="幻灯片图像占位符 1"/>
+          <p:cNvSpPr>
+            <a:spLocks noGrp="1" noRot="1" noChangeAspect="1"/>
+          </p:cNvSpPr>
+          <p:nvPr>
+            <p:ph type="sldImg"/>
+          </p:nvPr>
+        </p:nvSpPr>
+        <p:spPr/>
+      </p:sp>
+      <p:sp>
+        <p:nvSpPr>
+          <p:cNvPr id="3" name="备注占位符 2"/>
+          <p:cNvSpPr>
+            <a:spLocks noGrp="1"/>
+          </p:cNvSpPr>
+          <p:nvPr>
+            <p:ph type="body" idx="1"/>
+          </p:nvPr>
+        </p:nvSpPr>
+        <p:spPr/>
+        <p:txBody>
+          <a:bodyPr/>
+          <a:lstStyle/>
+          <a:p>
+            <a:endParaRPr lang="zh-CN" altLang="en-US"/>
+          </a:p>
+        </p:txBody>
+      </p:sp>
+      <p:sp>
+        <p:nvSpPr>
+          <p:cNvPr id="4" name="灯片编号占位符 3"/>
+          <p:cNvSpPr>
+            <a:spLocks noGrp="1"/>
+          </p:cNvSpPr>
+          <p:nvPr>
+            <p:ph type="sldNum" sz="quarter" idx="10"/>
+          </p:nvPr>
+        </p:nvSpPr>
+        <p:spPr/>
+        <p:txBody>
+          <a:bodyPr/>
+          <a:lstStyle/>
+          <a:p>
+            <a:fld id="{4BD9360E-7B8D-47A7-839A-46B466BFEC9F}" type="slidenum">
+              <a:rPr lang="zh-CN" altLang="en-US" smtClean="0"/>
+              <a:t>7</a:t>
+            </a:fld>
+            <a:endParaRPr lang="zh-CN" altLang="en-US"/>
+          </a:p>
+        </p:txBody>
+      </p:sp>
+    </p:spTree>
+    <p:extLst>
+      <p:ext uri="{BB962C8B-B14F-4D97-AF65-F5344CB8AC3E}">
+        <p14:creationId xmlns:p14="http://schemas.microsoft.com/office/powerpoint/2010/main" val="3121820481"/>
+      </p:ext>
+    </p:extLst>
+  </p:cSld>
+  <p:clrMapOvr>
+    <a:masterClrMapping/>
+  </p:clrMapOvr>
+</p:notes>
+</file>
+
+<file path=ppt/notesSlides/notesSlide6.xml><?xml version="1.0" encoding="utf-8"?>
+<p:notes xmlns:a="http://schemas.openxmlformats.org/drawingml/2006/main" xmlns:r="http://schemas.openxmlformats.org/officeDocument/2006/relationships" xmlns:p="http://schemas.openxmlformats.org/presentationml/2006/main">
+  <p:cSld>
+    <p:spTree>
+      <p:nvGrpSpPr>
+        <p:cNvPr id="1" name=""/>
+        <p:cNvGrpSpPr/>
+        <p:nvPr/>
+      </p:nvGrpSpPr>
+      <p:grpSpPr>
+        <a:xfrm>
+          <a:off x="0" y="0"/>
+          <a:ext cx="0" cy="0"/>
+          <a:chOff x="0" y="0"/>
+          <a:chExt cx="0" cy="0"/>
+        </a:xfrm>
+      </p:grpSpPr>
+      <p:sp>
+        <p:nvSpPr>
+          <p:cNvPr id="2" name="幻灯片图像占位符 1"/>
+          <p:cNvSpPr>
+            <a:spLocks noGrp="1" noRot="1" noChangeAspect="1"/>
+          </p:cNvSpPr>
+          <p:nvPr>
+            <p:ph type="sldImg"/>
+          </p:nvPr>
+        </p:nvSpPr>
+        <p:spPr/>
+      </p:sp>
+      <p:sp>
+        <p:nvSpPr>
+          <p:cNvPr id="3" name="备注占位符 2"/>
+          <p:cNvSpPr>
+            <a:spLocks noGrp="1"/>
+          </p:cNvSpPr>
+          <p:nvPr>
+            <p:ph type="body" idx="1"/>
+          </p:nvPr>
+        </p:nvSpPr>
+        <p:spPr/>
+        <p:txBody>
+          <a:bodyPr/>
+          <a:lstStyle/>
+          <a:p>
+            <a:endParaRPr lang="zh-CN" altLang="en-US"/>
+          </a:p>
+        </p:txBody>
+      </p:sp>
+      <p:sp>
+        <p:nvSpPr>
+          <p:cNvPr id="4" name="灯片编号占位符 3"/>
+          <p:cNvSpPr>
+            <a:spLocks noGrp="1"/>
+          </p:cNvSpPr>
+          <p:nvPr>
+            <p:ph type="sldNum" sz="quarter" idx="10"/>
+          </p:nvPr>
+        </p:nvSpPr>
+        <p:spPr/>
+        <p:txBody>
+          <a:bodyPr/>
+          <a:lstStyle/>
+          <a:p>
+            <a:fld id="{4BD9360E-7B8D-47A7-839A-46B466BFEC9F}" type="slidenum">
+              <a:rPr lang="zh-CN" altLang="en-US" smtClean="0"/>
+              <a:t>8</a:t>
+            </a:fld>
+            <a:endParaRPr lang="zh-CN" altLang="en-US"/>
+          </a:p>
+        </p:txBody>
+      </p:sp>
+    </p:spTree>
+    <p:extLst>
+      <p:ext uri="{BB962C8B-B14F-4D97-AF65-F5344CB8AC3E}">
+        <p14:creationId xmlns:p14="http://schemas.microsoft.com/office/powerpoint/2010/main" val="783157810"/>
+      </p:ext>
+    </p:extLst>
+  </p:cSld>
+  <p:clrMapOvr>
+    <a:masterClrMapping/>
+  </p:clrMapOvr>
+</p:notes>
+</file>
+
+<file path=ppt/notesSlides/notesSlide7.xml><?xml version="1.0" encoding="utf-8"?>
+<p:notes xmlns:a="http://schemas.openxmlformats.org/drawingml/2006/main" xmlns:r="http://schemas.openxmlformats.org/officeDocument/2006/relationships" xmlns:p="http://schemas.openxmlformats.org/presentationml/2006/main">
+  <p:cSld>
+    <p:spTree>
+      <p:nvGrpSpPr>
+        <p:cNvPr id="1" name=""/>
+        <p:cNvGrpSpPr/>
+        <p:nvPr/>
+      </p:nvGrpSpPr>
+      <p:grpSpPr>
+        <a:xfrm>
+          <a:off x="0" y="0"/>
+          <a:ext cx="0" cy="0"/>
+          <a:chOff x="0" y="0"/>
+          <a:chExt cx="0" cy="0"/>
+        </a:xfrm>
+      </p:grpSpPr>
+      <p:sp>
+        <p:nvSpPr>
+          <p:cNvPr id="2" name="幻灯片图像占位符 1"/>
+          <p:cNvSpPr>
+            <a:spLocks noGrp="1" noRot="1" noChangeAspect="1"/>
+          </p:cNvSpPr>
+          <p:nvPr>
+            <p:ph type="sldImg"/>
+          </p:nvPr>
+        </p:nvSpPr>
+        <p:spPr/>
+      </p:sp>
+      <p:sp>
+        <p:nvSpPr>
+          <p:cNvPr id="3" name="备注占位符 2"/>
+          <p:cNvSpPr>
+            <a:spLocks noGrp="1"/>
+          </p:cNvSpPr>
+          <p:nvPr>
+            <p:ph type="body" idx="1"/>
+          </p:nvPr>
+        </p:nvSpPr>
+        <p:spPr/>
+        <p:txBody>
+          <a:bodyPr/>
+          <a:lstStyle/>
+          <a:p>
+            <a:endParaRPr lang="zh-CN" altLang="en-US"/>
+          </a:p>
+        </p:txBody>
+      </p:sp>
+      <p:sp>
+        <p:nvSpPr>
+          <p:cNvPr id="4" name="灯片编号占位符 3"/>
+          <p:cNvSpPr>
+            <a:spLocks noGrp="1"/>
+          </p:cNvSpPr>
+          <p:nvPr>
+            <p:ph type="sldNum" sz="quarter" idx="10"/>
+          </p:nvPr>
+        </p:nvSpPr>
+        <p:spPr/>
+        <p:txBody>
+          <a:bodyPr/>
+          <a:lstStyle/>
+          <a:p>
+            <a:fld id="{4BD9360E-7B8D-47A7-839A-46B466BFEC9F}" type="slidenum">
+              <a:rPr lang="zh-CN" altLang="en-US" smtClean="0"/>
+              <a:t>9</a:t>
+            </a:fld>
+            <a:endParaRPr lang="zh-CN" altLang="en-US"/>
+          </a:p>
+        </p:txBody>
+      </p:sp>
+    </p:spTree>
+    <p:extLst>
+      <p:ext uri="{BB962C8B-B14F-4D97-AF65-F5344CB8AC3E}">
+        <p14:creationId xmlns:p14="http://schemas.microsoft.com/office/powerpoint/2010/main" val="1709831547"/>
+      </p:ext>
+    </p:extLst>
+  </p:cSld>
+  <p:clrMapOvr>
+    <a:masterClrMapping/>
+  </p:clrMapOvr>
+</p:notes>
+</file>
+
+<file path=ppt/notesSlides/notesSlide8.xml><?xml version="1.0" encoding="utf-8"?>
+<p:notes xmlns:a="http://schemas.openxmlformats.org/drawingml/2006/main" xmlns:r="http://schemas.openxmlformats.org/officeDocument/2006/relationships" xmlns:p="http://schemas.openxmlformats.org/presentationml/2006/main">
+  <p:cSld>
+    <p:spTree>
+      <p:nvGrpSpPr>
+        <p:cNvPr id="1" name=""/>
+        <p:cNvGrpSpPr/>
+        <p:nvPr/>
+      </p:nvGrpSpPr>
+      <p:grpSpPr>
+        <a:xfrm>
+          <a:off x="0" y="0"/>
+          <a:ext cx="0" cy="0"/>
+          <a:chOff x="0" y="0"/>
+          <a:chExt cx="0" cy="0"/>
+        </a:xfrm>
+      </p:grpSpPr>
+      <p:sp>
+        <p:nvSpPr>
+          <p:cNvPr id="2" name="幻灯片图像占位符 1"/>
+          <p:cNvSpPr>
+            <a:spLocks noGrp="1" noRot="1" noChangeAspect="1"/>
+          </p:cNvSpPr>
+          <p:nvPr>
+            <p:ph type="sldImg"/>
+          </p:nvPr>
+        </p:nvSpPr>
+        <p:spPr/>
+      </p:sp>
+      <p:sp>
+        <p:nvSpPr>
+          <p:cNvPr id="3" name="备注占位符 2"/>
+          <p:cNvSpPr>
+            <a:spLocks noGrp="1"/>
+          </p:cNvSpPr>
+          <p:nvPr>
+            <p:ph type="body" idx="1"/>
+          </p:nvPr>
+        </p:nvSpPr>
+        <p:spPr/>
+        <p:txBody>
+          <a:bodyPr/>
+          <a:lstStyle/>
+          <a:p>
+            <a:endParaRPr lang="zh-CN" altLang="en-US"/>
+          </a:p>
+        </p:txBody>
+      </p:sp>
+      <p:sp>
+        <p:nvSpPr>
+          <p:cNvPr id="4" name="灯片编号占位符 3"/>
+          <p:cNvSpPr>
+            <a:spLocks noGrp="1"/>
+          </p:cNvSpPr>
+          <p:nvPr>
+            <p:ph type="sldNum" sz="quarter" idx="10"/>
+          </p:nvPr>
+        </p:nvSpPr>
+        <p:spPr/>
+        <p:txBody>
+          <a:bodyPr/>
+          <a:lstStyle/>
+          <a:p>
+            <a:fld id="{4BD9360E-7B8D-47A7-839A-46B466BFEC9F}" type="slidenum">
+              <a:rPr lang="zh-CN" altLang="en-US" smtClean="0"/>
+              <a:t>10</a:t>
+            </a:fld>
+            <a:endParaRPr lang="zh-CN" altLang="en-US"/>
+          </a:p>
+        </p:txBody>
+      </p:sp>
+    </p:spTree>
+    <p:extLst>
+      <p:ext uri="{BB962C8B-B14F-4D97-AF65-F5344CB8AC3E}">
+        <p14:creationId xmlns:p14="http://schemas.microsoft.com/office/powerpoint/2010/main" val="1795867361"/>
+      </p:ext>
+    </p:extLst>
+  </p:cSld>
+  <p:clrMapOvr>
+    <a:masterClrMapping/>
+  </p:clrMapOvr>
+</p:notes>
+</file>
+
+<file path=ppt/notesSlides/notesSlide9.xml><?xml version="1.0" encoding="utf-8"?>
+<p:notes xmlns:a="http://schemas.openxmlformats.org/drawingml/2006/main" xmlns:r="http://schemas.openxmlformats.org/officeDocument/2006/relationships" xmlns:p="http://schemas.openxmlformats.org/presentationml/2006/main">
+  <p:cSld>
+    <p:spTree>
+      <p:nvGrpSpPr>
+        <p:cNvPr id="1" name=""/>
+        <p:cNvGrpSpPr/>
+        <p:nvPr/>
+      </p:nvGrpSpPr>
+      <p:grpSpPr>
+        <a:xfrm>
+          <a:off x="0" y="0"/>
+          <a:ext cx="0" cy="0"/>
+          <a:chOff x="0" y="0"/>
+          <a:chExt cx="0" cy="0"/>
+        </a:xfrm>
+      </p:grpSpPr>
+      <p:sp>
+        <p:nvSpPr>
+          <p:cNvPr id="2" name="幻灯片图像占位符 1"/>
+          <p:cNvSpPr>
+            <a:spLocks noGrp="1" noRot="1" noChangeAspect="1"/>
+          </p:cNvSpPr>
+          <p:nvPr>
+            <p:ph type="sldImg"/>
+          </p:nvPr>
+        </p:nvSpPr>
+        <p:spPr/>
+      </p:sp>
+      <p:sp>
+        <p:nvSpPr>
+          <p:cNvPr id="3" name="备注占位符 2"/>
+          <p:cNvSpPr>
+            <a:spLocks noGrp="1"/>
+          </p:cNvSpPr>
+          <p:nvPr>
+            <p:ph type="body" idx="1"/>
+          </p:nvPr>
+        </p:nvSpPr>
+        <p:spPr/>
+        <p:txBody>
+          <a:bodyPr/>
+          <a:lstStyle/>
+          <a:p>
+            <a:endParaRPr lang="zh-CN" altLang="en-US"/>
+          </a:p>
+        </p:txBody>
+      </p:sp>
+      <p:sp>
+        <p:nvSpPr>
+          <p:cNvPr id="4" name="灯片编号占位符 3"/>
+          <p:cNvSpPr>
+            <a:spLocks noGrp="1"/>
+          </p:cNvSpPr>
+          <p:nvPr>
+            <p:ph type="sldNum" sz="quarter" idx="10"/>
+          </p:nvPr>
+        </p:nvSpPr>
+        <p:spPr/>
+        <p:txBody>
+          <a:bodyPr/>
+          <a:lstStyle/>
+          <a:p>
+            <a:fld id="{4BD9360E-7B8D-47A7-839A-46B466BFEC9F}" type="slidenum">
+              <a:rPr lang="zh-CN" altLang="en-US" smtClean="0"/>
+              <a:t>11</a:t>
+            </a:fld>
+            <a:endParaRPr lang="zh-CN" altLang="en-US"/>
+          </a:p>
+        </p:txBody>
+      </p:sp>
+    </p:spTree>
+    <p:extLst>
+      <p:ext uri="{BB962C8B-B14F-4D97-AF65-F5344CB8AC3E}">
+        <p14:creationId xmlns:p14="http://schemas.microsoft.com/office/powerpoint/2010/main" val="1091633464"/>
+      </p:ext>
+    </p:extLst>
+  </p:cSld>
+  <p:clrMapOvr>
+    <a:masterClrMapping/>
+  </p:clrMapOvr>
+</p:notes>
+</file>
+
 <file path=ppt/slideLayouts/slideLayout1.xml><?xml version="1.0" encoding="utf-8"?>
 <p:sldLayout xmlns:a="http://schemas.openxmlformats.org/drawingml/2006/main" xmlns:r="http://schemas.openxmlformats.org/officeDocument/2006/relationships" xmlns:p="http://schemas.openxmlformats.org/presentationml/2006/main" type="title" preserve="1">
   <p:cSld name="标题幻灯片">
@@ -253,7 +1617,7 @@
           <a:p>
             <a:fld id="{0FC2DD46-FF29-41C8-B8DF-9F7D17BF283B}" type="datetimeFigureOut">
               <a:rPr lang="zh-CN" altLang="en-US" smtClean="0"/>
-              <a:t>16/3/13</a:t>
+              <a:t>2016/3/13</a:t>
             </a:fld>
             <a:endParaRPr lang="zh-CN" altLang="en-US"/>
           </a:p>
@@ -423,7 +1787,7 @@
           <a:p>
             <a:fld id="{0FC2DD46-FF29-41C8-B8DF-9F7D17BF283B}" type="datetimeFigureOut">
               <a:rPr lang="zh-CN" altLang="en-US" smtClean="0"/>
-              <a:t>16/3/13</a:t>
+              <a:t>2016/3/13</a:t>
             </a:fld>
             <a:endParaRPr lang="zh-CN" altLang="en-US"/>
           </a:p>
@@ -603,7 +1967,7 @@
           <a:p>
             <a:fld id="{0FC2DD46-FF29-41C8-B8DF-9F7D17BF283B}" type="datetimeFigureOut">
               <a:rPr lang="zh-CN" altLang="en-US" smtClean="0"/>
-              <a:t>16/3/13</a:t>
+              <a:t>2016/3/13</a:t>
             </a:fld>
             <a:endParaRPr lang="zh-CN" altLang="en-US"/>
           </a:p>
@@ -773,7 +2137,7 @@
           <a:p>
             <a:fld id="{0FC2DD46-FF29-41C8-B8DF-9F7D17BF283B}" type="datetimeFigureOut">
               <a:rPr lang="zh-CN" altLang="en-US" smtClean="0"/>
-              <a:t>16/3/13</a:t>
+              <a:t>2016/3/13</a:t>
             </a:fld>
             <a:endParaRPr lang="zh-CN" altLang="en-US"/>
           </a:p>
@@ -1019,7 +2383,7 @@
           <a:p>
             <a:fld id="{0FC2DD46-FF29-41C8-B8DF-9F7D17BF283B}" type="datetimeFigureOut">
               <a:rPr lang="zh-CN" altLang="en-US" smtClean="0"/>
-              <a:t>16/3/13</a:t>
+              <a:t>2016/3/13</a:t>
             </a:fld>
             <a:endParaRPr lang="zh-CN" altLang="en-US"/>
           </a:p>
@@ -1251,7 +2615,7 @@
           <a:p>
             <a:fld id="{0FC2DD46-FF29-41C8-B8DF-9F7D17BF283B}" type="datetimeFigureOut">
               <a:rPr lang="zh-CN" altLang="en-US" smtClean="0"/>
-              <a:t>16/3/13</a:t>
+              <a:t>2016/3/13</a:t>
             </a:fld>
             <a:endParaRPr lang="zh-CN" altLang="en-US"/>
           </a:p>
@@ -1618,7 +2982,7 @@
           <a:p>
             <a:fld id="{0FC2DD46-FF29-41C8-B8DF-9F7D17BF283B}" type="datetimeFigureOut">
               <a:rPr lang="zh-CN" altLang="en-US" smtClean="0"/>
-              <a:t>16/3/13</a:t>
+              <a:t>2016/3/13</a:t>
             </a:fld>
             <a:endParaRPr lang="zh-CN" altLang="en-US"/>
           </a:p>
@@ -1736,7 +3100,7 @@
           <a:p>
             <a:fld id="{0FC2DD46-FF29-41C8-B8DF-9F7D17BF283B}" type="datetimeFigureOut">
               <a:rPr lang="zh-CN" altLang="en-US" smtClean="0"/>
-              <a:t>16/3/13</a:t>
+              <a:t>2016/3/13</a:t>
             </a:fld>
             <a:endParaRPr lang="zh-CN" altLang="en-US"/>
           </a:p>
@@ -1831,7 +3195,7 @@
           <a:p>
             <a:fld id="{0FC2DD46-FF29-41C8-B8DF-9F7D17BF283B}" type="datetimeFigureOut">
               <a:rPr lang="zh-CN" altLang="en-US" smtClean="0"/>
-              <a:t>16/3/13</a:t>
+              <a:t>2016/3/13</a:t>
             </a:fld>
             <a:endParaRPr lang="zh-CN" altLang="en-US"/>
           </a:p>
@@ -2108,7 +3472,7 @@
           <a:p>
             <a:fld id="{0FC2DD46-FF29-41C8-B8DF-9F7D17BF283B}" type="datetimeFigureOut">
               <a:rPr lang="zh-CN" altLang="en-US" smtClean="0"/>
-              <a:t>16/3/13</a:t>
+              <a:t>2016/3/13</a:t>
             </a:fld>
             <a:endParaRPr lang="zh-CN" altLang="en-US"/>
           </a:p>
@@ -2361,7 +3725,7 @@
           <a:p>
             <a:fld id="{0FC2DD46-FF29-41C8-B8DF-9F7D17BF283B}" type="datetimeFigureOut">
               <a:rPr lang="zh-CN" altLang="en-US" smtClean="0"/>
-              <a:t>16/3/13</a:t>
+              <a:t>2016/3/13</a:t>
             </a:fld>
             <a:endParaRPr lang="zh-CN" altLang="en-US"/>
           </a:p>
@@ -2574,7 +3938,7 @@
           <a:p>
             <a:fld id="{0FC2DD46-FF29-41C8-B8DF-9F7D17BF283B}" type="datetimeFigureOut">
               <a:rPr lang="zh-CN" altLang="en-US" smtClean="0"/>
-              <a:t>16/3/13</a:t>
+              <a:t>2016/3/13</a:t>
             </a:fld>
             <a:endParaRPr lang="zh-CN" altLang="en-US"/>
           </a:p>
@@ -3092,50 +4456,302 @@
           <a:p>
             <a:pPr algn="l"/>
             <a:r>
-              <a:rPr lang="zh-CN" altLang="en-US" sz="5400" dirty="0" smtClean="0"/>
-              <a:t>配置文件</a:t>
-            </a:r>
-            <a:endParaRPr lang="zh-CN" altLang="en-US" sz="5400" dirty="0"/>
-          </a:p>
-        </p:txBody>
-      </p:sp>
-      <p:sp>
-        <p:nvSpPr>
-          <p:cNvPr id="5" name="副标题 4"/>
-          <p:cNvSpPr>
-            <a:spLocks noGrp="1"/>
+              <a:rPr lang="zh-CN" altLang="en-US" sz="5400" dirty="0"/>
+              <a:t>配置别名</a:t>
+            </a:r>
+          </a:p>
+        </p:txBody>
+      </p:sp>
+      <p:sp>
+        <p:nvSpPr>
+          <p:cNvPr id="3" name="Rectangle 1"/>
+          <p:cNvSpPr>
+            <a:spLocks noGrp="1" noChangeArrowheads="1"/>
           </p:cNvSpPr>
           <p:nvPr>
             <p:ph type="subTitle" idx="1"/>
           </p:nvPr>
         </p:nvSpPr>
-        <p:spPr/>
-        <p:txBody>
-          <a:bodyPr/>
-          <a:lstStyle/>
-          <a:p>
-            <a:endParaRPr lang="zh-CN" altLang="en-US"/>
+        <p:spPr bwMode="white">
+          <a:xfrm>
+            <a:off x="632013" y="1325011"/>
+            <a:ext cx="10313894" cy="546219"/>
+          </a:xfrm>
+          <a:prstGeom prst="rect">
+            <a:avLst/>
+          </a:prstGeom>
+          <a:solidFill>
+            <a:srgbClr val="FAFAFA"/>
+          </a:solidFill>
+          <a:ln>
+            <a:noFill/>
+          </a:ln>
+          <a:effectLst/>
+          <a:extLst>
+            <a:ext uri="{91240B29-F687-4F45-9708-019B960494DF}">
+              <a14:hiddenLine xmlns:a14="http://schemas.microsoft.com/office/drawing/2010/main" w="9525">
+                <a:solidFill>
+                  <a:schemeClr val="tx1"/>
+                </a:solidFill>
+                <a:miter lim="800000"/>
+                <a:headEnd/>
+                <a:tailEnd/>
+              </a14:hiddenLine>
+            </a:ext>
+            <a:ext uri="{AF507438-7753-43E0-B8FC-AC1667EBCBE1}">
+              <a14:hiddenEffects xmlns:a14="http://schemas.microsoft.com/office/drawing/2010/main">
+                <a:effectLst>
+                  <a:outerShdw dist="35921" dir="2700000" algn="ctr" rotWithShape="0">
+                    <a:schemeClr val="bg2"/>
+                  </a:outerShdw>
+                </a:effectLst>
+              </a14:hiddenEffects>
+            </a:ext>
+          </a:extLst>
+        </p:spPr>
+        <p:txBody>
+          <a:bodyPr vert="horz" wrap="square" lIns="0" tIns="133308" rIns="0" bIns="133308" numCol="1" anchor="ctr" anchorCtr="0" compatLnSpc="1">
+            <a:prstTxWarp prst="textNoShape">
+              <a:avLst/>
+            </a:prstTxWarp>
+            <a:spAutoFit/>
+          </a:bodyPr>
+          <a:lstStyle>
+            <a:lvl1pPr eaLnBrk="0" fontAlgn="base" hangingPunct="0">
+              <a:spcBef>
+                <a:spcPct val="0"/>
+              </a:spcBef>
+              <a:spcAft>
+                <a:spcPct val="0"/>
+              </a:spcAft>
+              <a:defRPr>
+                <a:solidFill>
+                  <a:schemeClr val="tx1"/>
+                </a:solidFill>
+                <a:latin typeface="Arial" panose="020B0604020202020204" pitchFamily="34" charset="0"/>
+              </a:defRPr>
+            </a:lvl1pPr>
+            <a:lvl2pPr eaLnBrk="0" fontAlgn="base" hangingPunct="0">
+              <a:spcBef>
+                <a:spcPct val="0"/>
+              </a:spcBef>
+              <a:spcAft>
+                <a:spcPct val="0"/>
+              </a:spcAft>
+              <a:defRPr>
+                <a:solidFill>
+                  <a:schemeClr val="tx1"/>
+                </a:solidFill>
+                <a:latin typeface="Arial" panose="020B0604020202020204" pitchFamily="34" charset="0"/>
+              </a:defRPr>
+            </a:lvl2pPr>
+            <a:lvl3pPr eaLnBrk="0" fontAlgn="base" hangingPunct="0">
+              <a:spcBef>
+                <a:spcPct val="0"/>
+              </a:spcBef>
+              <a:spcAft>
+                <a:spcPct val="0"/>
+              </a:spcAft>
+              <a:defRPr>
+                <a:solidFill>
+                  <a:schemeClr val="tx1"/>
+                </a:solidFill>
+                <a:latin typeface="Arial" panose="020B0604020202020204" pitchFamily="34" charset="0"/>
+              </a:defRPr>
+            </a:lvl3pPr>
+            <a:lvl4pPr eaLnBrk="0" fontAlgn="base" hangingPunct="0">
+              <a:spcBef>
+                <a:spcPct val="0"/>
+              </a:spcBef>
+              <a:spcAft>
+                <a:spcPct val="0"/>
+              </a:spcAft>
+              <a:defRPr>
+                <a:solidFill>
+                  <a:schemeClr val="tx1"/>
+                </a:solidFill>
+                <a:latin typeface="Arial" panose="020B0604020202020204" pitchFamily="34" charset="0"/>
+              </a:defRPr>
+            </a:lvl4pPr>
+            <a:lvl5pPr eaLnBrk="0" fontAlgn="base" hangingPunct="0">
+              <a:spcBef>
+                <a:spcPct val="0"/>
+              </a:spcBef>
+              <a:spcAft>
+                <a:spcPct val="0"/>
+              </a:spcAft>
+              <a:defRPr>
+                <a:solidFill>
+                  <a:schemeClr val="tx1"/>
+                </a:solidFill>
+                <a:latin typeface="Arial" panose="020B0604020202020204" pitchFamily="34" charset="0"/>
+              </a:defRPr>
+            </a:lvl5pPr>
+            <a:lvl6pPr eaLnBrk="0" fontAlgn="base" hangingPunct="0">
+              <a:spcBef>
+                <a:spcPct val="0"/>
+              </a:spcBef>
+              <a:spcAft>
+                <a:spcPct val="0"/>
+              </a:spcAft>
+              <a:defRPr>
+                <a:solidFill>
+                  <a:schemeClr val="tx1"/>
+                </a:solidFill>
+                <a:latin typeface="Arial" panose="020B0604020202020204" pitchFamily="34" charset="0"/>
+              </a:defRPr>
+            </a:lvl6pPr>
+            <a:lvl7pPr eaLnBrk="0" fontAlgn="base" hangingPunct="0">
+              <a:spcBef>
+                <a:spcPct val="0"/>
+              </a:spcBef>
+              <a:spcAft>
+                <a:spcPct val="0"/>
+              </a:spcAft>
+              <a:defRPr>
+                <a:solidFill>
+                  <a:schemeClr val="tx1"/>
+                </a:solidFill>
+                <a:latin typeface="Arial" panose="020B0604020202020204" pitchFamily="34" charset="0"/>
+              </a:defRPr>
+            </a:lvl7pPr>
+            <a:lvl8pPr eaLnBrk="0" fontAlgn="base" hangingPunct="0">
+              <a:spcBef>
+                <a:spcPct val="0"/>
+              </a:spcBef>
+              <a:spcAft>
+                <a:spcPct val="0"/>
+              </a:spcAft>
+              <a:defRPr>
+                <a:solidFill>
+                  <a:schemeClr val="tx1"/>
+                </a:solidFill>
+                <a:latin typeface="Arial" panose="020B0604020202020204" pitchFamily="34" charset="0"/>
+              </a:defRPr>
+            </a:lvl8pPr>
+            <a:lvl9pPr eaLnBrk="0" fontAlgn="base" hangingPunct="0">
+              <a:spcBef>
+                <a:spcPct val="0"/>
+              </a:spcBef>
+              <a:spcAft>
+                <a:spcPct val="0"/>
+              </a:spcAft>
+              <a:defRPr>
+                <a:solidFill>
+                  <a:schemeClr val="tx1"/>
+                </a:solidFill>
+                <a:latin typeface="Arial" panose="020B0604020202020204" pitchFamily="34" charset="0"/>
+              </a:defRPr>
+            </a:lvl9pPr>
+          </a:lstStyle>
+          <a:p>
+            <a:pPr lvl="0" algn="l">
+              <a:lnSpc>
+                <a:spcPct val="100000"/>
+              </a:lnSpc>
+            </a:pPr>
+            <a:r>
+              <a:rPr lang="zh-CN" altLang="en-US" sz="1800" dirty="0"/>
+              <a:t>配置一个</a:t>
+            </a:r>
+            <a:r>
+              <a:rPr lang="en-US" altLang="zh-CN" sz="1800" dirty="0" err="1"/>
+              <a:t>git</a:t>
+            </a:r>
+            <a:r>
+              <a:rPr lang="en-US" altLang="zh-CN" sz="1800" dirty="0"/>
+              <a:t> last</a:t>
+            </a:r>
+            <a:r>
+              <a:rPr lang="zh-CN" altLang="en-US" sz="1800" dirty="0"/>
+              <a:t>，让其显示最后一次提交信息：</a:t>
+            </a:r>
+          </a:p>
+        </p:txBody>
+      </p:sp>
+      <p:sp>
+        <p:nvSpPr>
+          <p:cNvPr id="6" name="文本框 5"/>
+          <p:cNvSpPr txBox="1"/>
+          <p:nvPr/>
+        </p:nvSpPr>
+        <p:spPr>
+          <a:xfrm>
+            <a:off x="632013" y="2877671"/>
+            <a:ext cx="4497385" cy="369332"/>
+          </a:xfrm>
+          <a:prstGeom prst="rect">
+            <a:avLst/>
+          </a:prstGeom>
+          <a:noFill/>
+        </p:spPr>
+        <p:txBody>
+          <a:bodyPr wrap="none" rtlCol="0">
+            <a:spAutoFit/>
+          </a:bodyPr>
+          <a:lstStyle/>
+          <a:p>
+            <a:r>
+              <a:rPr lang="zh-CN" altLang="en-US" dirty="0"/>
+              <a:t>这样，用</a:t>
+            </a:r>
+            <a:r>
+              <a:rPr lang="en-US" altLang="zh-CN" dirty="0" err="1"/>
+              <a:t>git</a:t>
+            </a:r>
+            <a:r>
+              <a:rPr lang="en-US" altLang="zh-CN" dirty="0"/>
+              <a:t> last</a:t>
+            </a:r>
+            <a:r>
+              <a:rPr lang="zh-CN" altLang="en-US" dirty="0"/>
+              <a:t>就能显示最近一次的提交：</a:t>
+            </a:r>
           </a:p>
         </p:txBody>
       </p:sp>
       <p:pic>
         <p:nvPicPr>
-          <p:cNvPr id="3" name="图片 2"/>
+          <p:cNvPr id="5" name="图片 4"/>
           <p:cNvPicPr>
             <a:picLocks noChangeAspect="1"/>
           </p:cNvPicPr>
           <p:nvPr/>
         </p:nvPicPr>
         <p:blipFill>
-          <a:blip r:embed="rId2"/>
+          <a:blip r:embed="rId3"/>
           <a:stretch>
             <a:fillRect/>
           </a:stretch>
         </p:blipFill>
         <p:spPr>
           <a:xfrm>
-            <a:off x="948813" y="1150374"/>
-            <a:ext cx="9719187" cy="5590682"/>
+            <a:off x="1056994" y="2174425"/>
+            <a:ext cx="8575626" cy="259493"/>
+          </a:xfrm>
+          <a:prstGeom prst="rect">
+            <a:avLst/>
+          </a:prstGeom>
+        </p:spPr>
+      </p:pic>
+      <p:pic>
+        <p:nvPicPr>
+          <p:cNvPr id="8" name="图片 7"/>
+          <p:cNvPicPr>
+            <a:picLocks noChangeAspect="1"/>
+          </p:cNvPicPr>
+          <p:nvPr/>
+        </p:nvPicPr>
+        <p:blipFill>
+          <a:blip r:embed="rId4"/>
+          <a:stretch>
+            <a:fillRect/>
+          </a:stretch>
+        </p:blipFill>
+        <p:spPr>
+          <a:xfrm>
+            <a:off x="2271432" y="3690756"/>
+            <a:ext cx="6170784" cy="1797453"/>
           </a:xfrm>
           <a:prstGeom prst="rect">
             <a:avLst/>
@@ -3145,7 +4761,7 @@
     </p:spTree>
     <p:extLst>
       <p:ext uri="{BB962C8B-B14F-4D97-AF65-F5344CB8AC3E}">
-        <p14:creationId xmlns:p14="http://schemas.microsoft.com/office/powerpoint/2010/main" val="2078767613"/>
+        <p14:creationId xmlns:p14="http://schemas.microsoft.com/office/powerpoint/2010/main" val="1225454732"/>
       </p:ext>
     </p:extLst>
   </p:cSld>
@@ -3179,6 +4795,399 @@
           <a:chExt cx="0" cy="0"/>
         </a:xfrm>
       </p:grpSpPr>
+      <p:sp>
+        <p:nvSpPr>
+          <p:cNvPr id="2" name="标题 1"/>
+          <p:cNvSpPr>
+            <a:spLocks noGrp="1"/>
+          </p:cNvSpPr>
+          <p:nvPr>
+            <p:ph type="ctrTitle"/>
+          </p:nvPr>
+        </p:nvSpPr>
+        <p:spPr>
+          <a:xfrm>
+            <a:off x="373626" y="309716"/>
+            <a:ext cx="7590503" cy="840658"/>
+          </a:xfrm>
+        </p:spPr>
+        <p:txBody>
+          <a:bodyPr>
+            <a:normAutofit/>
+          </a:bodyPr>
+          <a:lstStyle/>
+          <a:p>
+            <a:pPr algn="l"/>
+            <a:r>
+              <a:rPr lang="zh-CN" altLang="en-US" sz="5400" dirty="0"/>
+              <a:t>配置别名</a:t>
+            </a:r>
+          </a:p>
+        </p:txBody>
+      </p:sp>
+      <p:sp>
+        <p:nvSpPr>
+          <p:cNvPr id="3" name="Rectangle 1"/>
+          <p:cNvSpPr>
+            <a:spLocks noGrp="1" noChangeArrowheads="1"/>
+          </p:cNvSpPr>
+          <p:nvPr>
+            <p:ph type="subTitle" idx="1"/>
+          </p:nvPr>
+        </p:nvSpPr>
+        <p:spPr bwMode="white">
+          <a:xfrm>
+            <a:off x="632013" y="1325011"/>
+            <a:ext cx="10313894" cy="546219"/>
+          </a:xfrm>
+          <a:prstGeom prst="rect">
+            <a:avLst/>
+          </a:prstGeom>
+          <a:solidFill>
+            <a:srgbClr val="FAFAFA"/>
+          </a:solidFill>
+          <a:ln>
+            <a:noFill/>
+          </a:ln>
+          <a:effectLst/>
+          <a:extLst>
+            <a:ext uri="{91240B29-F687-4F45-9708-019B960494DF}">
+              <a14:hiddenLine xmlns:a14="http://schemas.microsoft.com/office/drawing/2010/main" w="9525">
+                <a:solidFill>
+                  <a:schemeClr val="tx1"/>
+                </a:solidFill>
+                <a:miter lim="800000"/>
+                <a:headEnd/>
+                <a:tailEnd/>
+              </a14:hiddenLine>
+            </a:ext>
+            <a:ext uri="{AF507438-7753-43E0-B8FC-AC1667EBCBE1}">
+              <a14:hiddenEffects xmlns:a14="http://schemas.microsoft.com/office/drawing/2010/main">
+                <a:effectLst>
+                  <a:outerShdw dist="35921" dir="2700000" algn="ctr" rotWithShape="0">
+                    <a:schemeClr val="bg2"/>
+                  </a:outerShdw>
+                </a:effectLst>
+              </a14:hiddenEffects>
+            </a:ext>
+          </a:extLst>
+        </p:spPr>
+        <p:txBody>
+          <a:bodyPr vert="horz" wrap="square" lIns="0" tIns="133308" rIns="0" bIns="133308" numCol="1" anchor="ctr" anchorCtr="0" compatLnSpc="1">
+            <a:prstTxWarp prst="textNoShape">
+              <a:avLst/>
+            </a:prstTxWarp>
+            <a:spAutoFit/>
+          </a:bodyPr>
+          <a:lstStyle>
+            <a:lvl1pPr eaLnBrk="0" fontAlgn="base" hangingPunct="0">
+              <a:spcBef>
+                <a:spcPct val="0"/>
+              </a:spcBef>
+              <a:spcAft>
+                <a:spcPct val="0"/>
+              </a:spcAft>
+              <a:defRPr>
+                <a:solidFill>
+                  <a:schemeClr val="tx1"/>
+                </a:solidFill>
+                <a:latin typeface="Arial" panose="020B0604020202020204" pitchFamily="34" charset="0"/>
+              </a:defRPr>
+            </a:lvl1pPr>
+            <a:lvl2pPr eaLnBrk="0" fontAlgn="base" hangingPunct="0">
+              <a:spcBef>
+                <a:spcPct val="0"/>
+              </a:spcBef>
+              <a:spcAft>
+                <a:spcPct val="0"/>
+              </a:spcAft>
+              <a:defRPr>
+                <a:solidFill>
+                  <a:schemeClr val="tx1"/>
+                </a:solidFill>
+                <a:latin typeface="Arial" panose="020B0604020202020204" pitchFamily="34" charset="0"/>
+              </a:defRPr>
+            </a:lvl2pPr>
+            <a:lvl3pPr eaLnBrk="0" fontAlgn="base" hangingPunct="0">
+              <a:spcBef>
+                <a:spcPct val="0"/>
+              </a:spcBef>
+              <a:spcAft>
+                <a:spcPct val="0"/>
+              </a:spcAft>
+              <a:defRPr>
+                <a:solidFill>
+                  <a:schemeClr val="tx1"/>
+                </a:solidFill>
+                <a:latin typeface="Arial" panose="020B0604020202020204" pitchFamily="34" charset="0"/>
+              </a:defRPr>
+            </a:lvl3pPr>
+            <a:lvl4pPr eaLnBrk="0" fontAlgn="base" hangingPunct="0">
+              <a:spcBef>
+                <a:spcPct val="0"/>
+              </a:spcBef>
+              <a:spcAft>
+                <a:spcPct val="0"/>
+              </a:spcAft>
+              <a:defRPr>
+                <a:solidFill>
+                  <a:schemeClr val="tx1"/>
+                </a:solidFill>
+                <a:latin typeface="Arial" panose="020B0604020202020204" pitchFamily="34" charset="0"/>
+              </a:defRPr>
+            </a:lvl4pPr>
+            <a:lvl5pPr eaLnBrk="0" fontAlgn="base" hangingPunct="0">
+              <a:spcBef>
+                <a:spcPct val="0"/>
+              </a:spcBef>
+              <a:spcAft>
+                <a:spcPct val="0"/>
+              </a:spcAft>
+              <a:defRPr>
+                <a:solidFill>
+                  <a:schemeClr val="tx1"/>
+                </a:solidFill>
+                <a:latin typeface="Arial" panose="020B0604020202020204" pitchFamily="34" charset="0"/>
+              </a:defRPr>
+            </a:lvl5pPr>
+            <a:lvl6pPr eaLnBrk="0" fontAlgn="base" hangingPunct="0">
+              <a:spcBef>
+                <a:spcPct val="0"/>
+              </a:spcBef>
+              <a:spcAft>
+                <a:spcPct val="0"/>
+              </a:spcAft>
+              <a:defRPr>
+                <a:solidFill>
+                  <a:schemeClr val="tx1"/>
+                </a:solidFill>
+                <a:latin typeface="Arial" panose="020B0604020202020204" pitchFamily="34" charset="0"/>
+              </a:defRPr>
+            </a:lvl6pPr>
+            <a:lvl7pPr eaLnBrk="0" fontAlgn="base" hangingPunct="0">
+              <a:spcBef>
+                <a:spcPct val="0"/>
+              </a:spcBef>
+              <a:spcAft>
+                <a:spcPct val="0"/>
+              </a:spcAft>
+              <a:defRPr>
+                <a:solidFill>
+                  <a:schemeClr val="tx1"/>
+                </a:solidFill>
+                <a:latin typeface="Arial" panose="020B0604020202020204" pitchFamily="34" charset="0"/>
+              </a:defRPr>
+            </a:lvl7pPr>
+            <a:lvl8pPr eaLnBrk="0" fontAlgn="base" hangingPunct="0">
+              <a:spcBef>
+                <a:spcPct val="0"/>
+              </a:spcBef>
+              <a:spcAft>
+                <a:spcPct val="0"/>
+              </a:spcAft>
+              <a:defRPr>
+                <a:solidFill>
+                  <a:schemeClr val="tx1"/>
+                </a:solidFill>
+                <a:latin typeface="Arial" panose="020B0604020202020204" pitchFamily="34" charset="0"/>
+              </a:defRPr>
+            </a:lvl8pPr>
+            <a:lvl9pPr eaLnBrk="0" fontAlgn="base" hangingPunct="0">
+              <a:spcBef>
+                <a:spcPct val="0"/>
+              </a:spcBef>
+              <a:spcAft>
+                <a:spcPct val="0"/>
+              </a:spcAft>
+              <a:defRPr>
+                <a:solidFill>
+                  <a:schemeClr val="tx1"/>
+                </a:solidFill>
+                <a:latin typeface="Arial" panose="020B0604020202020204" pitchFamily="34" charset="0"/>
+              </a:defRPr>
+            </a:lvl9pPr>
+          </a:lstStyle>
+          <a:p>
+            <a:pPr lvl="0" algn="l">
+              <a:lnSpc>
+                <a:spcPct val="100000"/>
+              </a:lnSpc>
+            </a:pPr>
+            <a:r>
+              <a:rPr lang="zh-CN" altLang="en-US" sz="1800" dirty="0"/>
+              <a:t>甚至还有人丧心病狂地把</a:t>
+            </a:r>
+            <a:r>
+              <a:rPr lang="en-US" altLang="zh-CN" sz="1800" dirty="0" err="1"/>
+              <a:t>lg</a:t>
+            </a:r>
+            <a:r>
+              <a:rPr lang="zh-CN" altLang="en-US" sz="1800" dirty="0"/>
+              <a:t>配置成了：</a:t>
+            </a:r>
+          </a:p>
+        </p:txBody>
+      </p:sp>
+      <p:sp>
+        <p:nvSpPr>
+          <p:cNvPr id="6" name="文本框 5"/>
+          <p:cNvSpPr txBox="1"/>
+          <p:nvPr/>
+        </p:nvSpPr>
+        <p:spPr>
+          <a:xfrm>
+            <a:off x="632013" y="2864224"/>
+            <a:ext cx="2307042" cy="369332"/>
+          </a:xfrm>
+          <a:prstGeom prst="rect">
+            <a:avLst/>
+          </a:prstGeom>
+          <a:noFill/>
+        </p:spPr>
+        <p:txBody>
+          <a:bodyPr wrap="none" rtlCol="0">
+            <a:spAutoFit/>
+          </a:bodyPr>
+          <a:lstStyle/>
+          <a:p>
+            <a:r>
+              <a:rPr lang="zh-CN" altLang="en-US" dirty="0"/>
+              <a:t>来看看</a:t>
+            </a:r>
+            <a:r>
+              <a:rPr lang="en-US" altLang="zh-CN" dirty="0" err="1"/>
+              <a:t>git</a:t>
+            </a:r>
+            <a:r>
+              <a:rPr lang="en-US" altLang="zh-CN" dirty="0"/>
+              <a:t> </a:t>
+            </a:r>
+            <a:r>
+              <a:rPr lang="en-US" altLang="zh-CN" dirty="0" err="1"/>
+              <a:t>lg</a:t>
+            </a:r>
+            <a:r>
+              <a:rPr lang="zh-CN" altLang="en-US" dirty="0"/>
+              <a:t>的效果：</a:t>
+            </a:r>
+          </a:p>
+        </p:txBody>
+      </p:sp>
+      <p:pic>
+        <p:nvPicPr>
+          <p:cNvPr id="5" name="图片 4"/>
+          <p:cNvPicPr>
+            <a:picLocks noChangeAspect="1"/>
+          </p:cNvPicPr>
+          <p:nvPr/>
+        </p:nvPicPr>
+        <p:blipFill>
+          <a:blip r:embed="rId3"/>
+          <a:stretch>
+            <a:fillRect/>
+          </a:stretch>
+        </p:blipFill>
+        <p:spPr>
+          <a:xfrm>
+            <a:off x="1386446" y="1872159"/>
+            <a:ext cx="9043279" cy="670341"/>
+          </a:xfrm>
+          <a:prstGeom prst="rect">
+            <a:avLst/>
+          </a:prstGeom>
+        </p:spPr>
+      </p:pic>
+      <p:pic>
+        <p:nvPicPr>
+          <p:cNvPr id="8" name="图片 7"/>
+          <p:cNvPicPr>
+            <a:picLocks noChangeAspect="1"/>
+          </p:cNvPicPr>
+          <p:nvPr/>
+        </p:nvPicPr>
+        <p:blipFill>
+          <a:blip r:embed="rId4"/>
+          <a:stretch>
+            <a:fillRect/>
+          </a:stretch>
+        </p:blipFill>
+        <p:spPr>
+          <a:xfrm>
+            <a:off x="3240181" y="2562225"/>
+            <a:ext cx="7486650" cy="4295775"/>
+          </a:xfrm>
+          <a:prstGeom prst="rect">
+            <a:avLst/>
+          </a:prstGeom>
+        </p:spPr>
+      </p:pic>
+    </p:spTree>
+    <p:extLst>
+      <p:ext uri="{BB962C8B-B14F-4D97-AF65-F5344CB8AC3E}">
+        <p14:creationId xmlns:p14="http://schemas.microsoft.com/office/powerpoint/2010/main" val="2929206524"/>
+      </p:ext>
+    </p:extLst>
+  </p:cSld>
+  <p:clrMapOvr>
+    <a:masterClrMapping/>
+  </p:clrMapOvr>
+  <p:timing>
+    <p:tnLst>
+      <p:par>
+        <p:cTn id="1" dur="indefinite" restart="never" nodeType="tmRoot"/>
+      </p:par>
+    </p:tnLst>
+  </p:timing>
+</p:sld>
+</file>
+
+<file path=ppt/slides/slide12.xml><?xml version="1.0" encoding="utf-8"?>
+<p:sld xmlns:a="http://schemas.openxmlformats.org/drawingml/2006/main" xmlns:r="http://schemas.openxmlformats.org/officeDocument/2006/relationships" xmlns:p="http://schemas.openxmlformats.org/presentationml/2006/main">
+  <p:cSld>
+    <p:spTree>
+      <p:nvGrpSpPr>
+        <p:cNvPr id="1" name=""/>
+        <p:cNvGrpSpPr/>
+        <p:nvPr/>
+      </p:nvGrpSpPr>
+      <p:grpSpPr>
+        <a:xfrm>
+          <a:off x="0" y="0"/>
+          <a:ext cx="0" cy="0"/>
+          <a:chOff x="0" y="0"/>
+          <a:chExt cx="0" cy="0"/>
+        </a:xfrm>
+      </p:grpSpPr>
+      <p:sp>
+        <p:nvSpPr>
+          <p:cNvPr id="2" name="标题 1"/>
+          <p:cNvSpPr>
+            <a:spLocks noGrp="1"/>
+          </p:cNvSpPr>
+          <p:nvPr>
+            <p:ph type="ctrTitle"/>
+          </p:nvPr>
+        </p:nvSpPr>
+        <p:spPr>
+          <a:xfrm>
+            <a:off x="373626" y="309716"/>
+            <a:ext cx="7590503" cy="840658"/>
+          </a:xfrm>
+        </p:spPr>
+        <p:txBody>
+          <a:bodyPr>
+            <a:normAutofit/>
+          </a:bodyPr>
+          <a:lstStyle/>
+          <a:p>
+            <a:pPr algn="l"/>
+            <a:r>
+              <a:rPr lang="zh-CN" altLang="en-US" sz="5400" dirty="0"/>
+              <a:t>配置别名</a:t>
+            </a:r>
+          </a:p>
+        </p:txBody>
+      </p:sp>
       <p:pic>
         <p:nvPicPr>
           <p:cNvPr id="4" name="图片 3"/>
@@ -3188,15 +5197,447 @@
           <p:nvPr/>
         </p:nvPicPr>
         <p:blipFill>
-          <a:blip r:embed="rId2"/>
+          <a:blip r:embed="rId3"/>
           <a:stretch>
             <a:fillRect/>
           </a:stretch>
         </p:blipFill>
         <p:spPr>
           <a:xfrm>
-            <a:off x="939800" y="1129506"/>
-            <a:ext cx="10400910" cy="4679632"/>
+            <a:off x="3251853" y="1389224"/>
+            <a:ext cx="7534275" cy="4819650"/>
+          </a:xfrm>
+          <a:prstGeom prst="rect">
+            <a:avLst/>
+          </a:prstGeom>
+        </p:spPr>
+      </p:pic>
+      <p:sp>
+        <p:nvSpPr>
+          <p:cNvPr id="9" name="文本框 8"/>
+          <p:cNvSpPr txBox="1"/>
+          <p:nvPr/>
+        </p:nvSpPr>
+        <p:spPr>
+          <a:xfrm>
+            <a:off x="526026" y="1571840"/>
+            <a:ext cx="2307042" cy="369332"/>
+          </a:xfrm>
+          <a:prstGeom prst="rect">
+            <a:avLst/>
+          </a:prstGeom>
+          <a:noFill/>
+        </p:spPr>
+        <p:txBody>
+          <a:bodyPr wrap="none" rtlCol="0">
+            <a:spAutoFit/>
+          </a:bodyPr>
+          <a:lstStyle/>
+          <a:p>
+            <a:r>
+              <a:rPr lang="zh-CN" altLang="en-US" dirty="0"/>
+              <a:t>来看看</a:t>
+            </a:r>
+            <a:r>
+              <a:rPr lang="en-US" altLang="zh-CN" dirty="0" err="1"/>
+              <a:t>git</a:t>
+            </a:r>
+            <a:r>
+              <a:rPr lang="en-US" altLang="zh-CN" dirty="0"/>
+              <a:t> </a:t>
+            </a:r>
+            <a:r>
+              <a:rPr lang="en-US" altLang="zh-CN" dirty="0" err="1"/>
+              <a:t>lg</a:t>
+            </a:r>
+            <a:r>
+              <a:rPr lang="zh-CN" altLang="en-US" dirty="0"/>
+              <a:t>的效果：</a:t>
+            </a:r>
+          </a:p>
+        </p:txBody>
+      </p:sp>
+    </p:spTree>
+    <p:extLst>
+      <p:ext uri="{BB962C8B-B14F-4D97-AF65-F5344CB8AC3E}">
+        <p14:creationId xmlns:p14="http://schemas.microsoft.com/office/powerpoint/2010/main" val="2004331450"/>
+      </p:ext>
+    </p:extLst>
+  </p:cSld>
+  <p:clrMapOvr>
+    <a:masterClrMapping/>
+  </p:clrMapOvr>
+  <p:timing>
+    <p:tnLst>
+      <p:par>
+        <p:cTn id="1" dur="indefinite" restart="never" nodeType="tmRoot"/>
+      </p:par>
+    </p:tnLst>
+  </p:timing>
+</p:sld>
+</file>
+
+<file path=ppt/slides/slide13.xml><?xml version="1.0" encoding="utf-8"?>
+<p:sld xmlns:a="http://schemas.openxmlformats.org/drawingml/2006/main" xmlns:r="http://schemas.openxmlformats.org/officeDocument/2006/relationships" xmlns:p="http://schemas.openxmlformats.org/presentationml/2006/main">
+  <p:cSld>
+    <p:spTree>
+      <p:nvGrpSpPr>
+        <p:cNvPr id="1" name=""/>
+        <p:cNvGrpSpPr/>
+        <p:nvPr/>
+      </p:nvGrpSpPr>
+      <p:grpSpPr>
+        <a:xfrm>
+          <a:off x="0" y="0"/>
+          <a:ext cx="0" cy="0"/>
+          <a:chOff x="0" y="0"/>
+          <a:chExt cx="0" cy="0"/>
+        </a:xfrm>
+      </p:grpSpPr>
+      <p:sp>
+        <p:nvSpPr>
+          <p:cNvPr id="2" name="标题 1"/>
+          <p:cNvSpPr>
+            <a:spLocks noGrp="1"/>
+          </p:cNvSpPr>
+          <p:nvPr>
+            <p:ph type="ctrTitle"/>
+          </p:nvPr>
+        </p:nvSpPr>
+        <p:spPr>
+          <a:xfrm>
+            <a:off x="373626" y="309716"/>
+            <a:ext cx="7590503" cy="840658"/>
+          </a:xfrm>
+        </p:spPr>
+        <p:txBody>
+          <a:bodyPr>
+            <a:normAutofit/>
+          </a:bodyPr>
+          <a:lstStyle/>
+          <a:p>
+            <a:pPr algn="l"/>
+            <a:r>
+              <a:rPr lang="zh-CN" altLang="en-US" sz="5400" dirty="0"/>
+              <a:t>配置文件</a:t>
+            </a:r>
+            <a:endParaRPr lang="zh-CN" altLang="en-US" sz="5400" dirty="0"/>
+          </a:p>
+        </p:txBody>
+      </p:sp>
+      <p:sp>
+        <p:nvSpPr>
+          <p:cNvPr id="3" name="Rectangle 1"/>
+          <p:cNvSpPr>
+            <a:spLocks noGrp="1" noChangeArrowheads="1"/>
+          </p:cNvSpPr>
+          <p:nvPr>
+            <p:ph type="subTitle" idx="1"/>
+          </p:nvPr>
+        </p:nvSpPr>
+        <p:spPr bwMode="white">
+          <a:xfrm>
+            <a:off x="632013" y="1048013"/>
+            <a:ext cx="10313894" cy="1100216"/>
+          </a:xfrm>
+          <a:prstGeom prst="rect">
+            <a:avLst/>
+          </a:prstGeom>
+          <a:solidFill>
+            <a:srgbClr val="FAFAFA"/>
+          </a:solidFill>
+          <a:ln>
+            <a:noFill/>
+          </a:ln>
+          <a:effectLst/>
+          <a:extLst>
+            <a:ext uri="{91240B29-F687-4F45-9708-019B960494DF}">
+              <a14:hiddenLine xmlns:a14="http://schemas.microsoft.com/office/drawing/2010/main" w="9525">
+                <a:solidFill>
+                  <a:schemeClr val="tx1"/>
+                </a:solidFill>
+                <a:miter lim="800000"/>
+                <a:headEnd/>
+                <a:tailEnd/>
+              </a14:hiddenLine>
+            </a:ext>
+            <a:ext uri="{AF507438-7753-43E0-B8FC-AC1667EBCBE1}">
+              <a14:hiddenEffects xmlns:a14="http://schemas.microsoft.com/office/drawing/2010/main">
+                <a:effectLst>
+                  <a:outerShdw dist="35921" dir="2700000" algn="ctr" rotWithShape="0">
+                    <a:schemeClr val="bg2"/>
+                  </a:outerShdw>
+                </a:effectLst>
+              </a14:hiddenEffects>
+            </a:ext>
+          </a:extLst>
+        </p:spPr>
+        <p:txBody>
+          <a:bodyPr vert="horz" wrap="square" lIns="0" tIns="133308" rIns="0" bIns="133308" numCol="1" anchor="ctr" anchorCtr="0" compatLnSpc="1">
+            <a:prstTxWarp prst="textNoShape">
+              <a:avLst/>
+            </a:prstTxWarp>
+            <a:spAutoFit/>
+          </a:bodyPr>
+          <a:lstStyle>
+            <a:lvl1pPr eaLnBrk="0" fontAlgn="base" hangingPunct="0">
+              <a:spcBef>
+                <a:spcPct val="0"/>
+              </a:spcBef>
+              <a:spcAft>
+                <a:spcPct val="0"/>
+              </a:spcAft>
+              <a:defRPr>
+                <a:solidFill>
+                  <a:schemeClr val="tx1"/>
+                </a:solidFill>
+                <a:latin typeface="Arial" panose="020B0604020202020204" pitchFamily="34" charset="0"/>
+              </a:defRPr>
+            </a:lvl1pPr>
+            <a:lvl2pPr eaLnBrk="0" fontAlgn="base" hangingPunct="0">
+              <a:spcBef>
+                <a:spcPct val="0"/>
+              </a:spcBef>
+              <a:spcAft>
+                <a:spcPct val="0"/>
+              </a:spcAft>
+              <a:defRPr>
+                <a:solidFill>
+                  <a:schemeClr val="tx1"/>
+                </a:solidFill>
+                <a:latin typeface="Arial" panose="020B0604020202020204" pitchFamily="34" charset="0"/>
+              </a:defRPr>
+            </a:lvl2pPr>
+            <a:lvl3pPr eaLnBrk="0" fontAlgn="base" hangingPunct="0">
+              <a:spcBef>
+                <a:spcPct val="0"/>
+              </a:spcBef>
+              <a:spcAft>
+                <a:spcPct val="0"/>
+              </a:spcAft>
+              <a:defRPr>
+                <a:solidFill>
+                  <a:schemeClr val="tx1"/>
+                </a:solidFill>
+                <a:latin typeface="Arial" panose="020B0604020202020204" pitchFamily="34" charset="0"/>
+              </a:defRPr>
+            </a:lvl3pPr>
+            <a:lvl4pPr eaLnBrk="0" fontAlgn="base" hangingPunct="0">
+              <a:spcBef>
+                <a:spcPct val="0"/>
+              </a:spcBef>
+              <a:spcAft>
+                <a:spcPct val="0"/>
+              </a:spcAft>
+              <a:defRPr>
+                <a:solidFill>
+                  <a:schemeClr val="tx1"/>
+                </a:solidFill>
+                <a:latin typeface="Arial" panose="020B0604020202020204" pitchFamily="34" charset="0"/>
+              </a:defRPr>
+            </a:lvl4pPr>
+            <a:lvl5pPr eaLnBrk="0" fontAlgn="base" hangingPunct="0">
+              <a:spcBef>
+                <a:spcPct val="0"/>
+              </a:spcBef>
+              <a:spcAft>
+                <a:spcPct val="0"/>
+              </a:spcAft>
+              <a:defRPr>
+                <a:solidFill>
+                  <a:schemeClr val="tx1"/>
+                </a:solidFill>
+                <a:latin typeface="Arial" panose="020B0604020202020204" pitchFamily="34" charset="0"/>
+              </a:defRPr>
+            </a:lvl5pPr>
+            <a:lvl6pPr eaLnBrk="0" fontAlgn="base" hangingPunct="0">
+              <a:spcBef>
+                <a:spcPct val="0"/>
+              </a:spcBef>
+              <a:spcAft>
+                <a:spcPct val="0"/>
+              </a:spcAft>
+              <a:defRPr>
+                <a:solidFill>
+                  <a:schemeClr val="tx1"/>
+                </a:solidFill>
+                <a:latin typeface="Arial" panose="020B0604020202020204" pitchFamily="34" charset="0"/>
+              </a:defRPr>
+            </a:lvl6pPr>
+            <a:lvl7pPr eaLnBrk="0" fontAlgn="base" hangingPunct="0">
+              <a:spcBef>
+                <a:spcPct val="0"/>
+              </a:spcBef>
+              <a:spcAft>
+                <a:spcPct val="0"/>
+              </a:spcAft>
+              <a:defRPr>
+                <a:solidFill>
+                  <a:schemeClr val="tx1"/>
+                </a:solidFill>
+                <a:latin typeface="Arial" panose="020B0604020202020204" pitchFamily="34" charset="0"/>
+              </a:defRPr>
+            </a:lvl7pPr>
+            <a:lvl8pPr eaLnBrk="0" fontAlgn="base" hangingPunct="0">
+              <a:spcBef>
+                <a:spcPct val="0"/>
+              </a:spcBef>
+              <a:spcAft>
+                <a:spcPct val="0"/>
+              </a:spcAft>
+              <a:defRPr>
+                <a:solidFill>
+                  <a:schemeClr val="tx1"/>
+                </a:solidFill>
+                <a:latin typeface="Arial" panose="020B0604020202020204" pitchFamily="34" charset="0"/>
+              </a:defRPr>
+            </a:lvl8pPr>
+            <a:lvl9pPr eaLnBrk="0" fontAlgn="base" hangingPunct="0">
+              <a:spcBef>
+                <a:spcPct val="0"/>
+              </a:spcBef>
+              <a:spcAft>
+                <a:spcPct val="0"/>
+              </a:spcAft>
+              <a:defRPr>
+                <a:solidFill>
+                  <a:schemeClr val="tx1"/>
+                </a:solidFill>
+                <a:latin typeface="Arial" panose="020B0604020202020204" pitchFamily="34" charset="0"/>
+              </a:defRPr>
+            </a:lvl9pPr>
+          </a:lstStyle>
+          <a:p>
+            <a:pPr lvl="0" algn="l">
+              <a:lnSpc>
+                <a:spcPct val="100000"/>
+              </a:lnSpc>
+            </a:pPr>
+            <a:r>
+              <a:rPr lang="zh-CN" altLang="en-US" sz="1800" dirty="0"/>
+              <a:t>配置</a:t>
+            </a:r>
+            <a:r>
+              <a:rPr lang="en-US" altLang="zh-CN" sz="1800" dirty="0" err="1"/>
+              <a:t>Git</a:t>
+            </a:r>
+            <a:r>
+              <a:rPr lang="zh-CN" altLang="en-US" sz="1800" dirty="0"/>
+              <a:t>的时候，加上</a:t>
+            </a:r>
+            <a:r>
+              <a:rPr lang="en-US" altLang="zh-CN" sz="1800" dirty="0"/>
+              <a:t>--global</a:t>
+            </a:r>
+            <a:r>
+              <a:rPr lang="zh-CN" altLang="en-US" sz="1800" dirty="0"/>
+              <a:t>是针对当前用户起作用的，如果不加，那只针对当前的仓库起作用。</a:t>
+            </a:r>
+          </a:p>
+          <a:p>
+            <a:pPr lvl="0" algn="l">
+              <a:lnSpc>
+                <a:spcPct val="100000"/>
+              </a:lnSpc>
+            </a:pPr>
+            <a:endParaRPr lang="zh-CN" altLang="en-US" sz="1800" dirty="0"/>
+          </a:p>
+          <a:p>
+            <a:pPr lvl="0" algn="l">
+              <a:lnSpc>
+                <a:spcPct val="100000"/>
+              </a:lnSpc>
+            </a:pPr>
+            <a:r>
+              <a:rPr lang="zh-CN" altLang="en-US" sz="1800" dirty="0"/>
+              <a:t>配置文件放哪了？每个仓库的</a:t>
+            </a:r>
+            <a:r>
+              <a:rPr lang="en-US" altLang="zh-CN" sz="1800" dirty="0" err="1"/>
+              <a:t>Git</a:t>
+            </a:r>
+            <a:r>
+              <a:rPr lang="zh-CN" altLang="en-US" sz="1800" dirty="0"/>
+              <a:t>配置文件都放在</a:t>
+            </a:r>
+            <a:r>
+              <a:rPr lang="en-US" altLang="zh-CN" sz="1800" dirty="0"/>
+              <a:t>.</a:t>
+            </a:r>
+            <a:r>
+              <a:rPr lang="en-US" altLang="zh-CN" sz="1800" dirty="0" err="1"/>
+              <a:t>git</a:t>
+            </a:r>
+            <a:r>
+              <a:rPr lang="en-US" altLang="zh-CN" sz="1800" dirty="0"/>
+              <a:t>/</a:t>
+            </a:r>
+            <a:r>
+              <a:rPr lang="en-US" altLang="zh-CN" sz="1800" dirty="0" err="1"/>
+              <a:t>config</a:t>
+            </a:r>
+            <a:r>
+              <a:rPr lang="zh-CN" altLang="en-US" sz="1800" dirty="0"/>
+              <a:t>文件中：</a:t>
+            </a:r>
+          </a:p>
+        </p:txBody>
+      </p:sp>
+      <p:sp>
+        <p:nvSpPr>
+          <p:cNvPr id="7" name="文本框 6"/>
+          <p:cNvSpPr txBox="1"/>
+          <p:nvPr/>
+        </p:nvSpPr>
+        <p:spPr>
+          <a:xfrm>
+            <a:off x="632013" y="5809129"/>
+            <a:ext cx="6513322" cy="369332"/>
+          </a:xfrm>
+          <a:prstGeom prst="rect">
+            <a:avLst/>
+          </a:prstGeom>
+          <a:noFill/>
+        </p:spPr>
+        <p:txBody>
+          <a:bodyPr wrap="none" rtlCol="0">
+            <a:spAutoFit/>
+          </a:bodyPr>
+          <a:lstStyle/>
+          <a:p>
+            <a:r>
+              <a:rPr lang="zh-CN" altLang="en-US" dirty="0"/>
+              <a:t>别名就在</a:t>
+            </a:r>
+            <a:r>
+              <a:rPr lang="en-US" altLang="zh-CN" dirty="0"/>
+              <a:t>[alias]</a:t>
+            </a:r>
+            <a:r>
+              <a:rPr lang="zh-CN" altLang="en-US" dirty="0"/>
+              <a:t>后面，要删除别名，直接把对应的行删掉即可。</a:t>
+            </a:r>
+          </a:p>
+        </p:txBody>
+      </p:sp>
+      <p:pic>
+        <p:nvPicPr>
+          <p:cNvPr id="4" name="图片 3"/>
+          <p:cNvPicPr>
+            <a:picLocks noChangeAspect="1"/>
+          </p:cNvPicPr>
+          <p:nvPr/>
+        </p:nvPicPr>
+        <p:blipFill>
+          <a:blip r:embed="rId3"/>
+          <a:stretch>
+            <a:fillRect/>
+          </a:stretch>
+        </p:blipFill>
+        <p:spPr>
+          <a:xfrm>
+            <a:off x="2259385" y="2439800"/>
+            <a:ext cx="6158473" cy="2483804"/>
           </a:xfrm>
           <a:prstGeom prst="rect">
             <a:avLst/>
@@ -3206,7 +5647,343 @@
     </p:spTree>
     <p:extLst>
       <p:ext uri="{BB962C8B-B14F-4D97-AF65-F5344CB8AC3E}">
-        <p14:creationId xmlns:p14="http://schemas.microsoft.com/office/powerpoint/2010/main" val="1518963518"/>
+        <p14:creationId xmlns:p14="http://schemas.microsoft.com/office/powerpoint/2010/main" val="66170562"/>
+      </p:ext>
+    </p:extLst>
+  </p:cSld>
+  <p:clrMapOvr>
+    <a:masterClrMapping/>
+  </p:clrMapOvr>
+  <p:timing>
+    <p:tnLst>
+      <p:par>
+        <p:cTn id="1" dur="indefinite" restart="never" nodeType="tmRoot"/>
+      </p:par>
+    </p:tnLst>
+  </p:timing>
+</p:sld>
+</file>
+
+<file path=ppt/slides/slide14.xml><?xml version="1.0" encoding="utf-8"?>
+<p:sld xmlns:a="http://schemas.openxmlformats.org/drawingml/2006/main" xmlns:r="http://schemas.openxmlformats.org/officeDocument/2006/relationships" xmlns:p="http://schemas.openxmlformats.org/presentationml/2006/main">
+  <p:cSld>
+    <p:spTree>
+      <p:nvGrpSpPr>
+        <p:cNvPr id="1" name=""/>
+        <p:cNvGrpSpPr/>
+        <p:nvPr/>
+      </p:nvGrpSpPr>
+      <p:grpSpPr>
+        <a:xfrm>
+          <a:off x="0" y="0"/>
+          <a:ext cx="0" cy="0"/>
+          <a:chOff x="0" y="0"/>
+          <a:chExt cx="0" cy="0"/>
+        </a:xfrm>
+      </p:grpSpPr>
+      <p:sp>
+        <p:nvSpPr>
+          <p:cNvPr id="2" name="标题 1"/>
+          <p:cNvSpPr>
+            <a:spLocks noGrp="1"/>
+          </p:cNvSpPr>
+          <p:nvPr>
+            <p:ph type="ctrTitle"/>
+          </p:nvPr>
+        </p:nvSpPr>
+        <p:spPr>
+          <a:xfrm>
+            <a:off x="373626" y="309716"/>
+            <a:ext cx="7590503" cy="840658"/>
+          </a:xfrm>
+        </p:spPr>
+        <p:txBody>
+          <a:bodyPr>
+            <a:normAutofit/>
+          </a:bodyPr>
+          <a:lstStyle/>
+          <a:p>
+            <a:pPr algn="l"/>
+            <a:r>
+              <a:rPr lang="zh-CN" altLang="en-US" sz="5400" dirty="0"/>
+              <a:t>配置文件</a:t>
+            </a:r>
+            <a:endParaRPr lang="zh-CN" altLang="en-US" sz="5400" dirty="0"/>
+          </a:p>
+        </p:txBody>
+      </p:sp>
+      <p:sp>
+        <p:nvSpPr>
+          <p:cNvPr id="3" name="Rectangle 1"/>
+          <p:cNvSpPr>
+            <a:spLocks noGrp="1" noChangeArrowheads="1"/>
+          </p:cNvSpPr>
+          <p:nvPr>
+            <p:ph type="subTitle" idx="1"/>
+          </p:nvPr>
+        </p:nvSpPr>
+        <p:spPr bwMode="white">
+          <a:xfrm>
+            <a:off x="632013" y="1325011"/>
+            <a:ext cx="10313894" cy="546219"/>
+          </a:xfrm>
+          <a:prstGeom prst="rect">
+            <a:avLst/>
+          </a:prstGeom>
+          <a:solidFill>
+            <a:srgbClr val="FAFAFA"/>
+          </a:solidFill>
+          <a:ln>
+            <a:noFill/>
+          </a:ln>
+          <a:effectLst/>
+          <a:extLst>
+            <a:ext uri="{91240B29-F687-4F45-9708-019B960494DF}">
+              <a14:hiddenLine xmlns:a14="http://schemas.microsoft.com/office/drawing/2010/main" w="9525">
+                <a:solidFill>
+                  <a:schemeClr val="tx1"/>
+                </a:solidFill>
+                <a:miter lim="800000"/>
+                <a:headEnd/>
+                <a:tailEnd/>
+              </a14:hiddenLine>
+            </a:ext>
+            <a:ext uri="{AF507438-7753-43E0-B8FC-AC1667EBCBE1}">
+              <a14:hiddenEffects xmlns:a14="http://schemas.microsoft.com/office/drawing/2010/main">
+                <a:effectLst>
+                  <a:outerShdw dist="35921" dir="2700000" algn="ctr" rotWithShape="0">
+                    <a:schemeClr val="bg2"/>
+                  </a:outerShdw>
+                </a:effectLst>
+              </a14:hiddenEffects>
+            </a:ext>
+          </a:extLst>
+        </p:spPr>
+        <p:txBody>
+          <a:bodyPr vert="horz" wrap="square" lIns="0" tIns="133308" rIns="0" bIns="133308" numCol="1" anchor="ctr" anchorCtr="0" compatLnSpc="1">
+            <a:prstTxWarp prst="textNoShape">
+              <a:avLst/>
+            </a:prstTxWarp>
+            <a:spAutoFit/>
+          </a:bodyPr>
+          <a:lstStyle>
+            <a:lvl1pPr eaLnBrk="0" fontAlgn="base" hangingPunct="0">
+              <a:spcBef>
+                <a:spcPct val="0"/>
+              </a:spcBef>
+              <a:spcAft>
+                <a:spcPct val="0"/>
+              </a:spcAft>
+              <a:defRPr>
+                <a:solidFill>
+                  <a:schemeClr val="tx1"/>
+                </a:solidFill>
+                <a:latin typeface="Arial" panose="020B0604020202020204" pitchFamily="34" charset="0"/>
+              </a:defRPr>
+            </a:lvl1pPr>
+            <a:lvl2pPr eaLnBrk="0" fontAlgn="base" hangingPunct="0">
+              <a:spcBef>
+                <a:spcPct val="0"/>
+              </a:spcBef>
+              <a:spcAft>
+                <a:spcPct val="0"/>
+              </a:spcAft>
+              <a:defRPr>
+                <a:solidFill>
+                  <a:schemeClr val="tx1"/>
+                </a:solidFill>
+                <a:latin typeface="Arial" panose="020B0604020202020204" pitchFamily="34" charset="0"/>
+              </a:defRPr>
+            </a:lvl2pPr>
+            <a:lvl3pPr eaLnBrk="0" fontAlgn="base" hangingPunct="0">
+              <a:spcBef>
+                <a:spcPct val="0"/>
+              </a:spcBef>
+              <a:spcAft>
+                <a:spcPct val="0"/>
+              </a:spcAft>
+              <a:defRPr>
+                <a:solidFill>
+                  <a:schemeClr val="tx1"/>
+                </a:solidFill>
+                <a:latin typeface="Arial" panose="020B0604020202020204" pitchFamily="34" charset="0"/>
+              </a:defRPr>
+            </a:lvl3pPr>
+            <a:lvl4pPr eaLnBrk="0" fontAlgn="base" hangingPunct="0">
+              <a:spcBef>
+                <a:spcPct val="0"/>
+              </a:spcBef>
+              <a:spcAft>
+                <a:spcPct val="0"/>
+              </a:spcAft>
+              <a:defRPr>
+                <a:solidFill>
+                  <a:schemeClr val="tx1"/>
+                </a:solidFill>
+                <a:latin typeface="Arial" panose="020B0604020202020204" pitchFamily="34" charset="0"/>
+              </a:defRPr>
+            </a:lvl4pPr>
+            <a:lvl5pPr eaLnBrk="0" fontAlgn="base" hangingPunct="0">
+              <a:spcBef>
+                <a:spcPct val="0"/>
+              </a:spcBef>
+              <a:spcAft>
+                <a:spcPct val="0"/>
+              </a:spcAft>
+              <a:defRPr>
+                <a:solidFill>
+                  <a:schemeClr val="tx1"/>
+                </a:solidFill>
+                <a:latin typeface="Arial" panose="020B0604020202020204" pitchFamily="34" charset="0"/>
+              </a:defRPr>
+            </a:lvl5pPr>
+            <a:lvl6pPr eaLnBrk="0" fontAlgn="base" hangingPunct="0">
+              <a:spcBef>
+                <a:spcPct val="0"/>
+              </a:spcBef>
+              <a:spcAft>
+                <a:spcPct val="0"/>
+              </a:spcAft>
+              <a:defRPr>
+                <a:solidFill>
+                  <a:schemeClr val="tx1"/>
+                </a:solidFill>
+                <a:latin typeface="Arial" panose="020B0604020202020204" pitchFamily="34" charset="0"/>
+              </a:defRPr>
+            </a:lvl6pPr>
+            <a:lvl7pPr eaLnBrk="0" fontAlgn="base" hangingPunct="0">
+              <a:spcBef>
+                <a:spcPct val="0"/>
+              </a:spcBef>
+              <a:spcAft>
+                <a:spcPct val="0"/>
+              </a:spcAft>
+              <a:defRPr>
+                <a:solidFill>
+                  <a:schemeClr val="tx1"/>
+                </a:solidFill>
+                <a:latin typeface="Arial" panose="020B0604020202020204" pitchFamily="34" charset="0"/>
+              </a:defRPr>
+            </a:lvl7pPr>
+            <a:lvl8pPr eaLnBrk="0" fontAlgn="base" hangingPunct="0">
+              <a:spcBef>
+                <a:spcPct val="0"/>
+              </a:spcBef>
+              <a:spcAft>
+                <a:spcPct val="0"/>
+              </a:spcAft>
+              <a:defRPr>
+                <a:solidFill>
+                  <a:schemeClr val="tx1"/>
+                </a:solidFill>
+                <a:latin typeface="Arial" panose="020B0604020202020204" pitchFamily="34" charset="0"/>
+              </a:defRPr>
+            </a:lvl8pPr>
+            <a:lvl9pPr eaLnBrk="0" fontAlgn="base" hangingPunct="0">
+              <a:spcBef>
+                <a:spcPct val="0"/>
+              </a:spcBef>
+              <a:spcAft>
+                <a:spcPct val="0"/>
+              </a:spcAft>
+              <a:defRPr>
+                <a:solidFill>
+                  <a:schemeClr val="tx1"/>
+                </a:solidFill>
+                <a:latin typeface="Arial" panose="020B0604020202020204" pitchFamily="34" charset="0"/>
+              </a:defRPr>
+            </a:lvl9pPr>
+          </a:lstStyle>
+          <a:p>
+            <a:pPr lvl="0" algn="l">
+              <a:lnSpc>
+                <a:spcPct val="100000"/>
+              </a:lnSpc>
+            </a:pPr>
+            <a:r>
+              <a:rPr lang="zh-CN" altLang="en-US" sz="1800" dirty="0"/>
+              <a:t>而当前用户的</a:t>
+            </a:r>
+            <a:r>
+              <a:rPr lang="en-US" altLang="zh-CN" sz="1800" dirty="0" err="1"/>
+              <a:t>Git</a:t>
+            </a:r>
+            <a:r>
+              <a:rPr lang="zh-CN" altLang="en-US" sz="1800" dirty="0"/>
+              <a:t>配置文件放在用户主目录下的一个隐藏文件</a:t>
+            </a:r>
+            <a:r>
+              <a:rPr lang="en-US" altLang="zh-CN" sz="1800" dirty="0"/>
+              <a:t>.</a:t>
+            </a:r>
+            <a:r>
+              <a:rPr lang="en-US" altLang="zh-CN" sz="1800" dirty="0" err="1"/>
+              <a:t>gitconfig</a:t>
+            </a:r>
+            <a:r>
+              <a:rPr lang="zh-CN" altLang="en-US" sz="1800" dirty="0"/>
+              <a:t>中：</a:t>
+            </a:r>
+          </a:p>
+        </p:txBody>
+      </p:sp>
+      <p:sp>
+        <p:nvSpPr>
+          <p:cNvPr id="7" name="文本框 6"/>
+          <p:cNvSpPr txBox="1"/>
+          <p:nvPr/>
+        </p:nvSpPr>
+        <p:spPr>
+          <a:xfrm>
+            <a:off x="632013" y="5809129"/>
+            <a:ext cx="8725466" cy="369332"/>
+          </a:xfrm>
+          <a:prstGeom prst="rect">
+            <a:avLst/>
+          </a:prstGeom>
+          <a:noFill/>
+        </p:spPr>
+        <p:txBody>
+          <a:bodyPr wrap="none" rtlCol="0">
+            <a:spAutoFit/>
+          </a:bodyPr>
+          <a:lstStyle/>
+          <a:p>
+            <a:r>
+              <a:rPr lang="zh-CN" altLang="en-US" dirty="0"/>
+              <a:t>配置别名也可以直接修改这个文件，如果改错了，可以删掉文件重新通过命令配置。</a:t>
+            </a:r>
+          </a:p>
+        </p:txBody>
+      </p:sp>
+      <p:pic>
+        <p:nvPicPr>
+          <p:cNvPr id="9" name="图片 8"/>
+          <p:cNvPicPr>
+            <a:picLocks noChangeAspect="1"/>
+          </p:cNvPicPr>
+          <p:nvPr/>
+        </p:nvPicPr>
+        <p:blipFill>
+          <a:blip r:embed="rId3"/>
+          <a:stretch>
+            <a:fillRect/>
+          </a:stretch>
+        </p:blipFill>
+        <p:spPr>
+          <a:xfrm>
+            <a:off x="1172804" y="2184351"/>
+            <a:ext cx="7612119" cy="2903922"/>
+          </a:xfrm>
+          <a:prstGeom prst="rect">
+            <a:avLst/>
+          </a:prstGeom>
+        </p:spPr>
+      </p:pic>
+    </p:spTree>
+    <p:extLst>
+      <p:ext uri="{BB962C8B-B14F-4D97-AF65-F5344CB8AC3E}">
+        <p14:creationId xmlns:p14="http://schemas.microsoft.com/office/powerpoint/2010/main" val="3140883177"/>
       </p:ext>
     </p:extLst>
   </p:cSld>
@@ -3265,10 +6042,10 @@
               <a:buChar char="•"/>
             </a:pPr>
             <a:r>
-              <a:rPr kumimoji="1" lang="zh-CN" altLang="en-US" dirty="0" smtClean="0"/>
+              <a:rPr kumimoji="1" lang="zh-CN" altLang="en-US" sz="3600" b="1" dirty="0" smtClean="0"/>
               <a:t>忽略特殊文件</a:t>
             </a:r>
-            <a:endParaRPr kumimoji="1" lang="en-US" altLang="zh-CN" dirty="0" smtClean="0"/>
+            <a:endParaRPr kumimoji="1" lang="en-US" altLang="zh-CN" sz="3600" b="1" dirty="0" smtClean="0"/>
           </a:p>
           <a:p>
             <a:pPr marL="342900" indent="-342900" algn="l">
@@ -3276,10 +6053,10 @@
               <a:buChar char="•"/>
             </a:pPr>
             <a:r>
-              <a:rPr kumimoji="1" lang="zh-CN" altLang="en-US" dirty="0" smtClean="0"/>
+              <a:rPr kumimoji="1" lang="zh-CN" altLang="en-US" sz="3600" b="1" dirty="0" smtClean="0"/>
               <a:t>配置别名</a:t>
             </a:r>
-            <a:endParaRPr kumimoji="1" lang="en-US" altLang="zh-CN" dirty="0" smtClean="0"/>
+            <a:endParaRPr kumimoji="1" lang="en-US" altLang="zh-CN" sz="3600" b="1" dirty="0" smtClean="0"/>
           </a:p>
         </p:txBody>
       </p:sp>
@@ -3352,47 +6129,411 @@
       </p:sp>
       <p:sp>
         <p:nvSpPr>
-          <p:cNvPr id="5" name="副标题 4"/>
-          <p:cNvSpPr>
-            <a:spLocks noGrp="1"/>
+          <p:cNvPr id="3" name="Rectangle 1"/>
+          <p:cNvSpPr>
+            <a:spLocks noGrp="1" noChangeArrowheads="1"/>
           </p:cNvSpPr>
           <p:nvPr>
             <p:ph type="subTitle" idx="1"/>
           </p:nvPr>
         </p:nvSpPr>
-        <p:spPr/>
-        <p:txBody>
-          <a:bodyPr/>
-          <a:lstStyle/>
-          <a:p>
-            <a:endParaRPr lang="zh-CN" altLang="en-US"/>
-          </a:p>
-        </p:txBody>
-      </p:sp>
-      <p:pic>
-        <p:nvPicPr>
-          <p:cNvPr id="4" name="图片 3"/>
-          <p:cNvPicPr>
-            <a:picLocks noChangeAspect="1"/>
-          </p:cNvPicPr>
-          <p:nvPr/>
-        </p:nvPicPr>
-        <p:blipFill>
-          <a:blip r:embed="rId2"/>
-          <a:stretch>
-            <a:fillRect/>
-          </a:stretch>
-        </p:blipFill>
-        <p:spPr>
+        <p:spPr bwMode="white">
           <a:xfrm>
-            <a:off x="373626" y="1341120"/>
-            <a:ext cx="10526557" cy="4851094"/>
+            <a:off x="564777" y="1376184"/>
+            <a:ext cx="10313894" cy="4424203"/>
           </a:xfrm>
           <a:prstGeom prst="rect">
             <a:avLst/>
           </a:prstGeom>
+          <a:solidFill>
+            <a:srgbClr val="FAFAFA"/>
+          </a:solidFill>
+          <a:ln>
+            <a:noFill/>
+          </a:ln>
+          <a:effectLst/>
+          <a:extLst>
+            <a:ext uri="{91240B29-F687-4F45-9708-019B960494DF}">
+              <a14:hiddenLine xmlns:a14="http://schemas.microsoft.com/office/drawing/2010/main" w="9525">
+                <a:solidFill>
+                  <a:schemeClr val="tx1"/>
+                </a:solidFill>
+                <a:miter lim="800000"/>
+                <a:headEnd/>
+                <a:tailEnd/>
+              </a14:hiddenLine>
+            </a:ext>
+            <a:ext uri="{AF507438-7753-43E0-B8FC-AC1667EBCBE1}">
+              <a14:hiddenEffects xmlns:a14="http://schemas.microsoft.com/office/drawing/2010/main">
+                <a:effectLst>
+                  <a:outerShdw dist="35921" dir="2700000" algn="ctr" rotWithShape="0">
+                    <a:schemeClr val="bg2"/>
+                  </a:outerShdw>
+                </a:effectLst>
+              </a14:hiddenEffects>
+            </a:ext>
+          </a:extLst>
         </p:spPr>
-      </p:pic>
+        <p:txBody>
+          <a:bodyPr vert="horz" wrap="square" lIns="0" tIns="133308" rIns="0" bIns="133308" numCol="1" anchor="ctr" anchorCtr="0" compatLnSpc="1">
+            <a:prstTxWarp prst="textNoShape">
+              <a:avLst/>
+            </a:prstTxWarp>
+            <a:spAutoFit/>
+          </a:bodyPr>
+          <a:lstStyle>
+            <a:lvl1pPr eaLnBrk="0" fontAlgn="base" hangingPunct="0">
+              <a:spcBef>
+                <a:spcPct val="0"/>
+              </a:spcBef>
+              <a:spcAft>
+                <a:spcPct val="0"/>
+              </a:spcAft>
+              <a:defRPr>
+                <a:solidFill>
+                  <a:schemeClr val="tx1"/>
+                </a:solidFill>
+                <a:latin typeface="Arial" panose="020B0604020202020204" pitchFamily="34" charset="0"/>
+              </a:defRPr>
+            </a:lvl1pPr>
+            <a:lvl2pPr eaLnBrk="0" fontAlgn="base" hangingPunct="0">
+              <a:spcBef>
+                <a:spcPct val="0"/>
+              </a:spcBef>
+              <a:spcAft>
+                <a:spcPct val="0"/>
+              </a:spcAft>
+              <a:defRPr>
+                <a:solidFill>
+                  <a:schemeClr val="tx1"/>
+                </a:solidFill>
+                <a:latin typeface="Arial" panose="020B0604020202020204" pitchFamily="34" charset="0"/>
+              </a:defRPr>
+            </a:lvl2pPr>
+            <a:lvl3pPr eaLnBrk="0" fontAlgn="base" hangingPunct="0">
+              <a:spcBef>
+                <a:spcPct val="0"/>
+              </a:spcBef>
+              <a:spcAft>
+                <a:spcPct val="0"/>
+              </a:spcAft>
+              <a:defRPr>
+                <a:solidFill>
+                  <a:schemeClr val="tx1"/>
+                </a:solidFill>
+                <a:latin typeface="Arial" panose="020B0604020202020204" pitchFamily="34" charset="0"/>
+              </a:defRPr>
+            </a:lvl3pPr>
+            <a:lvl4pPr eaLnBrk="0" fontAlgn="base" hangingPunct="0">
+              <a:spcBef>
+                <a:spcPct val="0"/>
+              </a:spcBef>
+              <a:spcAft>
+                <a:spcPct val="0"/>
+              </a:spcAft>
+              <a:defRPr>
+                <a:solidFill>
+                  <a:schemeClr val="tx1"/>
+                </a:solidFill>
+                <a:latin typeface="Arial" panose="020B0604020202020204" pitchFamily="34" charset="0"/>
+              </a:defRPr>
+            </a:lvl4pPr>
+            <a:lvl5pPr eaLnBrk="0" fontAlgn="base" hangingPunct="0">
+              <a:spcBef>
+                <a:spcPct val="0"/>
+              </a:spcBef>
+              <a:spcAft>
+                <a:spcPct val="0"/>
+              </a:spcAft>
+              <a:defRPr>
+                <a:solidFill>
+                  <a:schemeClr val="tx1"/>
+                </a:solidFill>
+                <a:latin typeface="Arial" panose="020B0604020202020204" pitchFamily="34" charset="0"/>
+              </a:defRPr>
+            </a:lvl5pPr>
+            <a:lvl6pPr eaLnBrk="0" fontAlgn="base" hangingPunct="0">
+              <a:spcBef>
+                <a:spcPct val="0"/>
+              </a:spcBef>
+              <a:spcAft>
+                <a:spcPct val="0"/>
+              </a:spcAft>
+              <a:defRPr>
+                <a:solidFill>
+                  <a:schemeClr val="tx1"/>
+                </a:solidFill>
+                <a:latin typeface="Arial" panose="020B0604020202020204" pitchFamily="34" charset="0"/>
+              </a:defRPr>
+            </a:lvl6pPr>
+            <a:lvl7pPr eaLnBrk="0" fontAlgn="base" hangingPunct="0">
+              <a:spcBef>
+                <a:spcPct val="0"/>
+              </a:spcBef>
+              <a:spcAft>
+                <a:spcPct val="0"/>
+              </a:spcAft>
+              <a:defRPr>
+                <a:solidFill>
+                  <a:schemeClr val="tx1"/>
+                </a:solidFill>
+                <a:latin typeface="Arial" panose="020B0604020202020204" pitchFamily="34" charset="0"/>
+              </a:defRPr>
+            </a:lvl7pPr>
+            <a:lvl8pPr eaLnBrk="0" fontAlgn="base" hangingPunct="0">
+              <a:spcBef>
+                <a:spcPct val="0"/>
+              </a:spcBef>
+              <a:spcAft>
+                <a:spcPct val="0"/>
+              </a:spcAft>
+              <a:defRPr>
+                <a:solidFill>
+                  <a:schemeClr val="tx1"/>
+                </a:solidFill>
+                <a:latin typeface="Arial" panose="020B0604020202020204" pitchFamily="34" charset="0"/>
+              </a:defRPr>
+            </a:lvl8pPr>
+            <a:lvl9pPr eaLnBrk="0" fontAlgn="base" hangingPunct="0">
+              <a:spcBef>
+                <a:spcPct val="0"/>
+              </a:spcBef>
+              <a:spcAft>
+                <a:spcPct val="0"/>
+              </a:spcAft>
+              <a:defRPr>
+                <a:solidFill>
+                  <a:schemeClr val="tx1"/>
+                </a:solidFill>
+                <a:latin typeface="Arial" panose="020B0604020202020204" pitchFamily="34" charset="0"/>
+              </a:defRPr>
+            </a:lvl9pPr>
+          </a:lstStyle>
+          <a:p>
+            <a:pPr lvl="0" algn="l">
+              <a:lnSpc>
+                <a:spcPct val="100000"/>
+              </a:lnSpc>
+            </a:pPr>
+            <a:r>
+              <a:rPr lang="zh-CN" altLang="en-US" sz="1800" dirty="0"/>
+              <a:t>有些时候，你必须把某些文件放到</a:t>
+            </a:r>
+            <a:r>
+              <a:rPr lang="en-US" altLang="zh-CN" sz="1800" dirty="0" err="1"/>
+              <a:t>Git</a:t>
+            </a:r>
+            <a:r>
+              <a:rPr lang="zh-CN" altLang="en-US" sz="1800" dirty="0"/>
+              <a:t>工作目录中，但又不能提交它们，比如保存了数据库密码的配置文件啦，等等，每次</a:t>
+            </a:r>
+            <a:r>
+              <a:rPr lang="en-US" altLang="zh-CN" sz="1800" dirty="0" err="1"/>
+              <a:t>git</a:t>
+            </a:r>
+            <a:r>
+              <a:rPr lang="en-US" altLang="zh-CN" sz="1800" dirty="0"/>
+              <a:t> status</a:t>
+            </a:r>
+            <a:r>
+              <a:rPr lang="zh-CN" altLang="en-US" sz="1800" dirty="0"/>
+              <a:t>都会显示</a:t>
+            </a:r>
+            <a:r>
+              <a:rPr lang="en-US" altLang="zh-CN" sz="1800" dirty="0"/>
+              <a:t>Untracked files ...</a:t>
+            </a:r>
+            <a:r>
+              <a:rPr lang="zh-CN" altLang="en-US" sz="1800" dirty="0"/>
+              <a:t>，有强迫症的童鞋心里肯定不爽。</a:t>
+            </a:r>
+          </a:p>
+          <a:p>
+            <a:pPr lvl="0" algn="l">
+              <a:lnSpc>
+                <a:spcPct val="100000"/>
+              </a:lnSpc>
+            </a:pPr>
+            <a:endParaRPr lang="zh-CN" altLang="en-US" sz="1800" dirty="0"/>
+          </a:p>
+          <a:p>
+            <a:pPr lvl="0" algn="l">
+              <a:lnSpc>
+                <a:spcPct val="100000"/>
+              </a:lnSpc>
+            </a:pPr>
+            <a:r>
+              <a:rPr lang="zh-CN" altLang="en-US" sz="1800" dirty="0"/>
+              <a:t>好在</a:t>
+            </a:r>
+            <a:r>
+              <a:rPr lang="en-US" altLang="zh-CN" sz="1800" dirty="0" err="1"/>
+              <a:t>Git</a:t>
+            </a:r>
+            <a:r>
+              <a:rPr lang="zh-CN" altLang="en-US" sz="1800" dirty="0"/>
+              <a:t>考虑到了大家的感受，这个问题解决起来也很简单，在</a:t>
+            </a:r>
+            <a:r>
+              <a:rPr lang="en-US" altLang="zh-CN" sz="1800" dirty="0" err="1"/>
+              <a:t>Git</a:t>
+            </a:r>
+            <a:r>
+              <a:rPr lang="zh-CN" altLang="en-US" sz="1800" dirty="0"/>
+              <a:t>工作区的根目录下创建一个特殊的</a:t>
+            </a:r>
+            <a:r>
+              <a:rPr lang="en-US" altLang="zh-CN" sz="1800" dirty="0"/>
+              <a:t>.</a:t>
+            </a:r>
+            <a:r>
+              <a:rPr lang="en-US" altLang="zh-CN" sz="1800" dirty="0" err="1"/>
+              <a:t>gitignore</a:t>
+            </a:r>
+            <a:r>
+              <a:rPr lang="zh-CN" altLang="en-US" sz="1800" dirty="0"/>
+              <a:t>文件，然后把要忽略的文件名填进去，</a:t>
+            </a:r>
+            <a:r>
+              <a:rPr lang="en-US" altLang="zh-CN" sz="1800" dirty="0" err="1"/>
+              <a:t>Git</a:t>
+            </a:r>
+            <a:r>
+              <a:rPr lang="zh-CN" altLang="en-US" sz="1800" dirty="0"/>
+              <a:t>就会自动忽略这些文件。</a:t>
+            </a:r>
+          </a:p>
+          <a:p>
+            <a:pPr lvl="0" algn="l">
+              <a:lnSpc>
+                <a:spcPct val="100000"/>
+              </a:lnSpc>
+            </a:pPr>
+            <a:endParaRPr lang="zh-CN" altLang="en-US" sz="1800" dirty="0"/>
+          </a:p>
+          <a:p>
+            <a:pPr lvl="0" algn="l">
+              <a:lnSpc>
+                <a:spcPct val="100000"/>
+              </a:lnSpc>
+            </a:pPr>
+            <a:r>
+              <a:rPr lang="zh-CN" altLang="en-US" sz="1800" dirty="0"/>
+              <a:t>不需要从头写</a:t>
+            </a:r>
+            <a:r>
+              <a:rPr lang="en-US" altLang="zh-CN" sz="1800" dirty="0"/>
+              <a:t>.</a:t>
+            </a:r>
+            <a:r>
+              <a:rPr lang="en-US" altLang="zh-CN" sz="1800" dirty="0" err="1"/>
+              <a:t>gitignore</a:t>
+            </a:r>
+            <a:r>
+              <a:rPr lang="zh-CN" altLang="en-US" sz="1800" dirty="0"/>
+              <a:t>文件，</a:t>
+            </a:r>
+            <a:r>
+              <a:rPr lang="en-US" altLang="zh-CN" sz="1800" dirty="0"/>
+              <a:t>GitHub</a:t>
+            </a:r>
+            <a:r>
+              <a:rPr lang="zh-CN" altLang="en-US" sz="1800" dirty="0"/>
+              <a:t>已经为我们准备了各种配置文件，只需要组合一下就可以使用了。所有配置文件可以直接在线浏览：</a:t>
+            </a:r>
+            <a:r>
+              <a:rPr lang="en-US" altLang="zh-CN" sz="1800" dirty="0"/>
+              <a:t>https://github.com/github/gitignore</a:t>
+            </a:r>
+          </a:p>
+          <a:p>
+            <a:pPr lvl="0" algn="l">
+              <a:lnSpc>
+                <a:spcPct val="100000"/>
+              </a:lnSpc>
+            </a:pPr>
+            <a:endParaRPr lang="en-US" altLang="zh-CN" sz="1800" dirty="0"/>
+          </a:p>
+          <a:p>
+            <a:pPr lvl="0" algn="l">
+              <a:lnSpc>
+                <a:spcPct val="100000"/>
+              </a:lnSpc>
+            </a:pPr>
+            <a:r>
+              <a:rPr lang="zh-CN" altLang="en-US" sz="1800" dirty="0"/>
+              <a:t>忽略文件的原则是：</a:t>
+            </a:r>
+          </a:p>
+          <a:p>
+            <a:pPr lvl="0" algn="l">
+              <a:lnSpc>
+                <a:spcPct val="100000"/>
+              </a:lnSpc>
+            </a:pPr>
+            <a:endParaRPr lang="zh-CN" altLang="en-US" sz="1800" dirty="0"/>
+          </a:p>
+          <a:p>
+            <a:pPr lvl="0" algn="l">
+              <a:lnSpc>
+                <a:spcPct val="100000"/>
+              </a:lnSpc>
+            </a:pPr>
+            <a:r>
+              <a:rPr lang="zh-CN" altLang="en-US" sz="1800" dirty="0"/>
+              <a:t>忽略操作系统自动生成的文件，比如缩略图等；</a:t>
+            </a:r>
+          </a:p>
+          <a:p>
+            <a:pPr lvl="0" algn="l">
+              <a:lnSpc>
+                <a:spcPct val="100000"/>
+              </a:lnSpc>
+            </a:pPr>
+            <a:r>
+              <a:rPr lang="zh-CN" altLang="en-US" sz="1800" dirty="0"/>
+              <a:t>忽略编译生成的中间文件、可执行文件等，也就是如果一个文件是通过另一个文件自动生成的，那自动生成的文件就没必要放进版本库，比如</a:t>
+            </a:r>
+            <a:r>
+              <a:rPr lang="en-US" altLang="zh-CN" sz="1800" dirty="0"/>
+              <a:t>Java</a:t>
+            </a:r>
+            <a:r>
+              <a:rPr lang="zh-CN" altLang="en-US" sz="1800" dirty="0"/>
+              <a:t>编译产生的</a:t>
+            </a:r>
+            <a:r>
+              <a:rPr lang="en-US" altLang="zh-CN" sz="1800" dirty="0"/>
+              <a:t>.class</a:t>
+            </a:r>
+            <a:r>
+              <a:rPr lang="zh-CN" altLang="en-US" sz="1800" dirty="0"/>
+              <a:t>文件；</a:t>
+            </a:r>
+          </a:p>
+          <a:p>
+            <a:pPr lvl="0" algn="l">
+              <a:lnSpc>
+                <a:spcPct val="100000"/>
+              </a:lnSpc>
+            </a:pPr>
+            <a:r>
+              <a:rPr lang="zh-CN" altLang="en-US" sz="1800" dirty="0"/>
+              <a:t>忽略你自己的带有敏感信息的配置文件，比如存放口令的配置文件。</a:t>
+            </a:r>
+            <a:endParaRPr kumimoji="0" lang="zh-CN" altLang="zh-CN" sz="1800" b="0" i="0" u="none" strike="noStrike" cap="none" normalizeH="0" baseline="0" dirty="0" smtClean="0">
+              <a:ln>
+                <a:noFill/>
+              </a:ln>
+              <a:solidFill>
+                <a:schemeClr val="tx1"/>
+              </a:solidFill>
+              <a:effectLst/>
+              <a:latin typeface="Arial" panose="020B0604020202020204" pitchFamily="34" charset="0"/>
+            </a:endParaRPr>
+          </a:p>
+        </p:txBody>
+      </p:sp>
     </p:spTree>
     <p:extLst>
       <p:ext uri="{BB962C8B-B14F-4D97-AF65-F5344CB8AC3E}">
@@ -3437,65 +6578,512 @@
             <a:spLocks noGrp="1"/>
           </p:cNvSpPr>
           <p:nvPr>
-            <p:ph type="title"/>
-          </p:nvPr>
-        </p:nvSpPr>
-        <p:spPr/>
-        <p:txBody>
-          <a:bodyPr/>
-          <a:lstStyle/>
-          <a:p>
-            <a:endParaRPr lang="zh-CN" altLang="en-US"/>
-          </a:p>
-        </p:txBody>
-      </p:sp>
-      <p:sp>
-        <p:nvSpPr>
-          <p:cNvPr id="3" name="内容占位符 2"/>
-          <p:cNvSpPr>
-            <a:spLocks noGrp="1"/>
-          </p:cNvSpPr>
-          <p:nvPr>
-            <p:ph idx="1"/>
-          </p:nvPr>
-        </p:nvSpPr>
-        <p:spPr/>
-        <p:txBody>
-          <a:bodyPr/>
-          <a:lstStyle/>
-          <a:p>
-            <a:endParaRPr lang="zh-CN" altLang="en-US"/>
+            <p:ph type="ctrTitle"/>
+          </p:nvPr>
+        </p:nvSpPr>
+        <p:spPr>
+          <a:xfrm>
+            <a:off x="373626" y="309716"/>
+            <a:ext cx="7590503" cy="840658"/>
+          </a:xfrm>
+        </p:spPr>
+        <p:txBody>
+          <a:bodyPr>
+            <a:normAutofit/>
+          </a:bodyPr>
+          <a:lstStyle/>
+          <a:p>
+            <a:pPr algn="l"/>
+            <a:r>
+              <a:rPr lang="zh-CN" altLang="en-US" sz="5400" dirty="0"/>
+              <a:t>忽略特殊文件</a:t>
+            </a:r>
+          </a:p>
+        </p:txBody>
+      </p:sp>
+      <p:sp>
+        <p:nvSpPr>
+          <p:cNvPr id="3" name="Rectangle 1"/>
+          <p:cNvSpPr>
+            <a:spLocks noGrp="1" noChangeArrowheads="1"/>
+          </p:cNvSpPr>
+          <p:nvPr>
+            <p:ph type="subTitle" idx="1"/>
+          </p:nvPr>
+        </p:nvSpPr>
+        <p:spPr bwMode="white">
+          <a:xfrm>
+            <a:off x="373626" y="986167"/>
+            <a:ext cx="10313894" cy="1654214"/>
+          </a:xfrm>
+          <a:prstGeom prst="rect">
+            <a:avLst/>
+          </a:prstGeom>
+          <a:solidFill>
+            <a:srgbClr val="FAFAFA"/>
+          </a:solidFill>
+          <a:ln>
+            <a:noFill/>
+          </a:ln>
+          <a:effectLst/>
+          <a:extLst>
+            <a:ext uri="{91240B29-F687-4F45-9708-019B960494DF}">
+              <a14:hiddenLine xmlns:a14="http://schemas.microsoft.com/office/drawing/2010/main" w="9525">
+                <a:solidFill>
+                  <a:schemeClr val="tx1"/>
+                </a:solidFill>
+                <a:miter lim="800000"/>
+                <a:headEnd/>
+                <a:tailEnd/>
+              </a14:hiddenLine>
+            </a:ext>
+            <a:ext uri="{AF507438-7753-43E0-B8FC-AC1667EBCBE1}">
+              <a14:hiddenEffects xmlns:a14="http://schemas.microsoft.com/office/drawing/2010/main">
+                <a:effectLst>
+                  <a:outerShdw dist="35921" dir="2700000" algn="ctr" rotWithShape="0">
+                    <a:schemeClr val="bg2"/>
+                  </a:outerShdw>
+                </a:effectLst>
+              </a14:hiddenEffects>
+            </a:ext>
+          </a:extLst>
+        </p:spPr>
+        <p:txBody>
+          <a:bodyPr vert="horz" wrap="square" lIns="0" tIns="133308" rIns="0" bIns="133308" numCol="1" anchor="ctr" anchorCtr="0" compatLnSpc="1">
+            <a:prstTxWarp prst="textNoShape">
+              <a:avLst/>
+            </a:prstTxWarp>
+            <a:spAutoFit/>
+          </a:bodyPr>
+          <a:lstStyle>
+            <a:lvl1pPr eaLnBrk="0" fontAlgn="base" hangingPunct="0">
+              <a:spcBef>
+                <a:spcPct val="0"/>
+              </a:spcBef>
+              <a:spcAft>
+                <a:spcPct val="0"/>
+              </a:spcAft>
+              <a:defRPr>
+                <a:solidFill>
+                  <a:schemeClr val="tx1"/>
+                </a:solidFill>
+                <a:latin typeface="Arial" panose="020B0604020202020204" pitchFamily="34" charset="0"/>
+              </a:defRPr>
+            </a:lvl1pPr>
+            <a:lvl2pPr eaLnBrk="0" fontAlgn="base" hangingPunct="0">
+              <a:spcBef>
+                <a:spcPct val="0"/>
+              </a:spcBef>
+              <a:spcAft>
+                <a:spcPct val="0"/>
+              </a:spcAft>
+              <a:defRPr>
+                <a:solidFill>
+                  <a:schemeClr val="tx1"/>
+                </a:solidFill>
+                <a:latin typeface="Arial" panose="020B0604020202020204" pitchFamily="34" charset="0"/>
+              </a:defRPr>
+            </a:lvl2pPr>
+            <a:lvl3pPr eaLnBrk="0" fontAlgn="base" hangingPunct="0">
+              <a:spcBef>
+                <a:spcPct val="0"/>
+              </a:spcBef>
+              <a:spcAft>
+                <a:spcPct val="0"/>
+              </a:spcAft>
+              <a:defRPr>
+                <a:solidFill>
+                  <a:schemeClr val="tx1"/>
+                </a:solidFill>
+                <a:latin typeface="Arial" panose="020B0604020202020204" pitchFamily="34" charset="0"/>
+              </a:defRPr>
+            </a:lvl3pPr>
+            <a:lvl4pPr eaLnBrk="0" fontAlgn="base" hangingPunct="0">
+              <a:spcBef>
+                <a:spcPct val="0"/>
+              </a:spcBef>
+              <a:spcAft>
+                <a:spcPct val="0"/>
+              </a:spcAft>
+              <a:defRPr>
+                <a:solidFill>
+                  <a:schemeClr val="tx1"/>
+                </a:solidFill>
+                <a:latin typeface="Arial" panose="020B0604020202020204" pitchFamily="34" charset="0"/>
+              </a:defRPr>
+            </a:lvl4pPr>
+            <a:lvl5pPr eaLnBrk="0" fontAlgn="base" hangingPunct="0">
+              <a:spcBef>
+                <a:spcPct val="0"/>
+              </a:spcBef>
+              <a:spcAft>
+                <a:spcPct val="0"/>
+              </a:spcAft>
+              <a:defRPr>
+                <a:solidFill>
+                  <a:schemeClr val="tx1"/>
+                </a:solidFill>
+                <a:latin typeface="Arial" panose="020B0604020202020204" pitchFamily="34" charset="0"/>
+              </a:defRPr>
+            </a:lvl5pPr>
+            <a:lvl6pPr eaLnBrk="0" fontAlgn="base" hangingPunct="0">
+              <a:spcBef>
+                <a:spcPct val="0"/>
+              </a:spcBef>
+              <a:spcAft>
+                <a:spcPct val="0"/>
+              </a:spcAft>
+              <a:defRPr>
+                <a:solidFill>
+                  <a:schemeClr val="tx1"/>
+                </a:solidFill>
+                <a:latin typeface="Arial" panose="020B0604020202020204" pitchFamily="34" charset="0"/>
+              </a:defRPr>
+            </a:lvl6pPr>
+            <a:lvl7pPr eaLnBrk="0" fontAlgn="base" hangingPunct="0">
+              <a:spcBef>
+                <a:spcPct val="0"/>
+              </a:spcBef>
+              <a:spcAft>
+                <a:spcPct val="0"/>
+              </a:spcAft>
+              <a:defRPr>
+                <a:solidFill>
+                  <a:schemeClr val="tx1"/>
+                </a:solidFill>
+                <a:latin typeface="Arial" panose="020B0604020202020204" pitchFamily="34" charset="0"/>
+              </a:defRPr>
+            </a:lvl7pPr>
+            <a:lvl8pPr eaLnBrk="0" fontAlgn="base" hangingPunct="0">
+              <a:spcBef>
+                <a:spcPct val="0"/>
+              </a:spcBef>
+              <a:spcAft>
+                <a:spcPct val="0"/>
+              </a:spcAft>
+              <a:defRPr>
+                <a:solidFill>
+                  <a:schemeClr val="tx1"/>
+                </a:solidFill>
+                <a:latin typeface="Arial" panose="020B0604020202020204" pitchFamily="34" charset="0"/>
+              </a:defRPr>
+            </a:lvl8pPr>
+            <a:lvl9pPr eaLnBrk="0" fontAlgn="base" hangingPunct="0">
+              <a:spcBef>
+                <a:spcPct val="0"/>
+              </a:spcBef>
+              <a:spcAft>
+                <a:spcPct val="0"/>
+              </a:spcAft>
+              <a:defRPr>
+                <a:solidFill>
+                  <a:schemeClr val="tx1"/>
+                </a:solidFill>
+                <a:latin typeface="Arial" panose="020B0604020202020204" pitchFamily="34" charset="0"/>
+              </a:defRPr>
+            </a:lvl9pPr>
+          </a:lstStyle>
+          <a:p>
+            <a:pPr lvl="0" algn="l">
+              <a:lnSpc>
+                <a:spcPct val="100000"/>
+              </a:lnSpc>
+            </a:pPr>
+            <a:r>
+              <a:rPr lang="zh-CN" altLang="en-US" sz="1800" dirty="0"/>
+              <a:t>举个例子：</a:t>
+            </a:r>
+          </a:p>
+          <a:p>
+            <a:pPr lvl="0" algn="l">
+              <a:lnSpc>
+                <a:spcPct val="100000"/>
+              </a:lnSpc>
+            </a:pPr>
+            <a:endParaRPr lang="zh-CN" altLang="en-US" sz="1800" dirty="0"/>
+          </a:p>
+          <a:p>
+            <a:pPr lvl="0" algn="l">
+              <a:lnSpc>
+                <a:spcPct val="100000"/>
+              </a:lnSpc>
+            </a:pPr>
+            <a:r>
+              <a:rPr kumimoji="0" lang="zh-CN" altLang="en-US" sz="1800" b="0" i="0" u="none" strike="noStrike" cap="none" normalizeH="0" baseline="0" dirty="0" smtClean="0">
+                <a:ln>
+                  <a:noFill/>
+                </a:ln>
+                <a:solidFill>
+                  <a:schemeClr val="tx1"/>
+                </a:solidFill>
+                <a:effectLst/>
+                <a:latin typeface="Arial" panose="020B0604020202020204" pitchFamily="34" charset="0"/>
+              </a:rPr>
+              <a:t>我将自己的</a:t>
+            </a:r>
+            <a:r>
+              <a:rPr kumimoji="0" lang="en-US" altLang="zh-CN" sz="1800" b="0" i="0" u="none" strike="noStrike" cap="none" normalizeH="0" baseline="0" dirty="0" smtClean="0">
+                <a:ln>
+                  <a:noFill/>
+                </a:ln>
+                <a:solidFill>
+                  <a:schemeClr val="tx1"/>
+                </a:solidFill>
+                <a:effectLst/>
+                <a:latin typeface="Arial" panose="020B0604020202020204" pitchFamily="34" charset="0"/>
+              </a:rPr>
+              <a:t>id_rsa.pub</a:t>
+            </a:r>
+            <a:r>
+              <a:rPr kumimoji="0" lang="zh-CN" altLang="en-US" sz="1800" b="0" i="0" u="none" strike="noStrike" cap="none" normalizeH="0" baseline="0" dirty="0" smtClean="0">
+                <a:ln>
+                  <a:noFill/>
+                </a:ln>
+                <a:solidFill>
+                  <a:schemeClr val="tx1"/>
+                </a:solidFill>
+                <a:effectLst/>
+                <a:latin typeface="Arial" panose="020B0604020202020204" pitchFamily="34" charset="0"/>
+              </a:rPr>
+              <a:t>存放在了工作目录中，但我不想把它提交，因此我在工作区根目录下建立了一个</a:t>
+            </a:r>
+            <a:r>
+              <a:rPr kumimoji="0" lang="en-US" altLang="zh-CN" sz="1800" b="0" i="0" u="none" strike="noStrike" cap="none" normalizeH="0" baseline="0" dirty="0" smtClean="0">
+                <a:ln>
+                  <a:noFill/>
+                </a:ln>
+                <a:solidFill>
+                  <a:schemeClr val="tx1"/>
+                </a:solidFill>
+                <a:effectLst/>
+                <a:latin typeface="Arial" panose="020B0604020202020204" pitchFamily="34" charset="0"/>
+              </a:rPr>
+              <a:t>.</a:t>
+            </a:r>
+            <a:r>
+              <a:rPr kumimoji="0" lang="en-US" altLang="zh-CN" sz="1800" b="0" i="0" u="none" strike="noStrike" cap="none" normalizeH="0" baseline="0" dirty="0" err="1" smtClean="0">
+                <a:ln>
+                  <a:noFill/>
+                </a:ln>
+                <a:solidFill>
+                  <a:schemeClr val="tx1"/>
+                </a:solidFill>
+                <a:effectLst/>
+                <a:latin typeface="Arial" panose="020B0604020202020204" pitchFamily="34" charset="0"/>
+              </a:rPr>
+              <a:t>gitignore</a:t>
+            </a:r>
+            <a:r>
+              <a:rPr kumimoji="0" lang="en-US" altLang="zh-CN" sz="1800" b="0" i="0" u="none" strike="noStrike" cap="none" normalizeH="0" baseline="0" dirty="0" smtClean="0">
+                <a:ln>
+                  <a:noFill/>
+                </a:ln>
+                <a:solidFill>
+                  <a:schemeClr val="tx1"/>
+                </a:solidFill>
+                <a:effectLst/>
+                <a:latin typeface="Arial" panose="020B0604020202020204" pitchFamily="34" charset="0"/>
+              </a:rPr>
+              <a:t>,</a:t>
+            </a:r>
+            <a:r>
+              <a:rPr kumimoji="0" lang="zh-CN" altLang="en-US" sz="1800" b="0" i="0" u="none" strike="noStrike" cap="none" normalizeH="0" baseline="0" dirty="0" smtClean="0">
+                <a:ln>
+                  <a:noFill/>
+                </a:ln>
+                <a:solidFill>
+                  <a:schemeClr val="tx1"/>
+                </a:solidFill>
+                <a:effectLst/>
+                <a:latin typeface="Arial" panose="020B0604020202020204" pitchFamily="34" charset="0"/>
+              </a:rPr>
+              <a:t>用来忽略这个存放我口令的配置文件。</a:t>
+            </a:r>
+            <a:endParaRPr kumimoji="0" lang="en-US" altLang="zh-CN" sz="1800" b="0" i="0" u="none" strike="noStrike" cap="none" normalizeH="0" baseline="0" dirty="0" smtClean="0">
+              <a:ln>
+                <a:noFill/>
+              </a:ln>
+              <a:solidFill>
+                <a:schemeClr val="tx1"/>
+              </a:solidFill>
+              <a:effectLst/>
+              <a:latin typeface="Arial" panose="020B0604020202020204" pitchFamily="34" charset="0"/>
+            </a:endParaRPr>
+          </a:p>
+          <a:p>
+            <a:pPr lvl="0" algn="l">
+              <a:lnSpc>
+                <a:spcPct val="100000"/>
+              </a:lnSpc>
+            </a:pPr>
+            <a:r>
+              <a:rPr kumimoji="0" lang="zh-CN" altLang="en-US" sz="1800" b="0" i="0" u="none" strike="noStrike" cap="none" normalizeH="0" baseline="0" dirty="0" smtClean="0">
+                <a:ln>
+                  <a:noFill/>
+                </a:ln>
+                <a:solidFill>
+                  <a:schemeClr val="tx1"/>
+                </a:solidFill>
+                <a:effectLst/>
+                <a:latin typeface="Arial" panose="020B0604020202020204" pitchFamily="34" charset="0"/>
+              </a:rPr>
+              <a:t>内容如下：</a:t>
+            </a:r>
+            <a:endParaRPr kumimoji="0" lang="zh-CN" altLang="zh-CN" sz="1800" b="0" i="0" u="none" strike="noStrike" cap="none" normalizeH="0" baseline="0" dirty="0" smtClean="0">
+              <a:ln>
+                <a:noFill/>
+              </a:ln>
+              <a:solidFill>
+                <a:schemeClr val="tx1"/>
+              </a:solidFill>
+              <a:effectLst/>
+              <a:latin typeface="Arial" panose="020B0604020202020204" pitchFamily="34" charset="0"/>
+            </a:endParaRPr>
           </a:p>
         </p:txBody>
       </p:sp>
       <p:pic>
         <p:nvPicPr>
-          <p:cNvPr id="4" name="图片 3"/>
+          <p:cNvPr id="5" name="图片 4"/>
           <p:cNvPicPr>
             <a:picLocks noChangeAspect="1"/>
           </p:cNvPicPr>
           <p:nvPr/>
         </p:nvPicPr>
         <p:blipFill>
-          <a:blip r:embed="rId2"/>
+          <a:blip r:embed="rId3"/>
           <a:stretch>
             <a:fillRect/>
           </a:stretch>
         </p:blipFill>
         <p:spPr>
           <a:xfrm>
-            <a:off x="0" y="0"/>
-            <a:ext cx="11847420" cy="6970114"/>
+            <a:off x="4996531" y="3184991"/>
+            <a:ext cx="6715125" cy="3419475"/>
           </a:xfrm>
           <a:prstGeom prst="rect">
             <a:avLst/>
           </a:prstGeom>
         </p:spPr>
       </p:pic>
+      <p:pic>
+        <p:nvPicPr>
+          <p:cNvPr id="6" name="图片 5"/>
+          <p:cNvPicPr>
+            <a:picLocks noChangeAspect="1"/>
+          </p:cNvPicPr>
+          <p:nvPr/>
+        </p:nvPicPr>
+        <p:blipFill>
+          <a:blip r:embed="rId4"/>
+          <a:stretch>
+            <a:fillRect/>
+          </a:stretch>
+        </p:blipFill>
+        <p:spPr>
+          <a:xfrm>
+            <a:off x="739028" y="2737316"/>
+            <a:ext cx="2000250" cy="895350"/>
+          </a:xfrm>
+          <a:prstGeom prst="rect">
+            <a:avLst/>
+          </a:prstGeom>
+        </p:spPr>
+      </p:pic>
+      <p:sp>
+        <p:nvSpPr>
+          <p:cNvPr id="7" name="文本框 6"/>
+          <p:cNvSpPr txBox="1"/>
+          <p:nvPr/>
+        </p:nvSpPr>
+        <p:spPr>
+          <a:xfrm>
+            <a:off x="618565" y="4007224"/>
+            <a:ext cx="3442447" cy="1200329"/>
+          </a:xfrm>
+          <a:prstGeom prst="rect">
+            <a:avLst/>
+          </a:prstGeom>
+          <a:noFill/>
+        </p:spPr>
+        <p:txBody>
+          <a:bodyPr wrap="square" rtlCol="0">
+            <a:spAutoFit/>
+          </a:bodyPr>
+          <a:lstStyle/>
+          <a:p>
+            <a:r>
+              <a:rPr lang="zh-CN" altLang="en-US" dirty="0" smtClean="0"/>
+              <a:t>然后就是</a:t>
+            </a:r>
+            <a:r>
+              <a:rPr lang="zh-CN" altLang="en-US" dirty="0"/>
+              <a:t>把</a:t>
+            </a:r>
+            <a:r>
+              <a:rPr lang="en-US" altLang="zh-CN" dirty="0"/>
+              <a:t>.</a:t>
+            </a:r>
+            <a:r>
+              <a:rPr lang="en-US" altLang="zh-CN" dirty="0" err="1"/>
+              <a:t>gitignore</a:t>
+            </a:r>
+            <a:r>
+              <a:rPr lang="zh-CN" altLang="en-US" dirty="0"/>
+              <a:t>也提交到</a:t>
+            </a:r>
+            <a:r>
+              <a:rPr lang="en-US" altLang="zh-CN" dirty="0" err="1"/>
+              <a:t>Git</a:t>
+            </a:r>
+            <a:r>
+              <a:rPr lang="zh-CN" altLang="en-US" dirty="0"/>
+              <a:t>，就完成了</a:t>
+            </a:r>
+            <a:r>
+              <a:rPr lang="zh-CN" altLang="en-US" dirty="0" smtClean="0"/>
+              <a:t>！检验</a:t>
+            </a:r>
+            <a:r>
+              <a:rPr lang="en-US" altLang="zh-CN" dirty="0"/>
+              <a:t>.</a:t>
+            </a:r>
+            <a:r>
+              <a:rPr lang="en-US" altLang="zh-CN" dirty="0" err="1"/>
+              <a:t>gitignore</a:t>
+            </a:r>
+            <a:r>
+              <a:rPr lang="zh-CN" altLang="en-US" dirty="0"/>
+              <a:t>的标准是</a:t>
+            </a:r>
+            <a:r>
+              <a:rPr lang="en-US" altLang="zh-CN" dirty="0" err="1"/>
+              <a:t>git</a:t>
+            </a:r>
+            <a:r>
+              <a:rPr lang="en-US" altLang="zh-CN" dirty="0"/>
+              <a:t> status</a:t>
+            </a:r>
+            <a:r>
+              <a:rPr lang="zh-CN" altLang="en-US" dirty="0"/>
+              <a:t>命令是不是说</a:t>
+            </a:r>
+            <a:r>
+              <a:rPr lang="en-US" altLang="zh-CN" dirty="0"/>
+              <a:t>working directory clean</a:t>
+            </a:r>
+            <a:r>
+              <a:rPr lang="zh-CN" altLang="en-US" dirty="0" smtClean="0"/>
+              <a:t>。如图：</a:t>
+            </a:r>
+            <a:endParaRPr lang="zh-CN" altLang="en-US" dirty="0"/>
+          </a:p>
+        </p:txBody>
+      </p:sp>
     </p:spTree>
     <p:extLst>
       <p:ext uri="{BB962C8B-B14F-4D97-AF65-F5344CB8AC3E}">
-        <p14:creationId xmlns:p14="http://schemas.microsoft.com/office/powerpoint/2010/main" val="1253951864"/>
+        <p14:creationId xmlns:p14="http://schemas.microsoft.com/office/powerpoint/2010/main" val="3165198181"/>
       </p:ext>
     </p:extLst>
   </p:cSld>
@@ -3536,65 +7124,278 @@
             <a:spLocks noGrp="1"/>
           </p:cNvSpPr>
           <p:nvPr>
-            <p:ph type="title"/>
-          </p:nvPr>
-        </p:nvSpPr>
-        <p:spPr/>
-        <p:txBody>
-          <a:bodyPr/>
-          <a:lstStyle/>
-          <a:p>
-            <a:endParaRPr lang="zh-CN" altLang="en-US"/>
-          </a:p>
-        </p:txBody>
-      </p:sp>
-      <p:sp>
-        <p:nvSpPr>
-          <p:cNvPr id="3" name="内容占位符 2"/>
-          <p:cNvSpPr>
-            <a:spLocks noGrp="1"/>
-          </p:cNvSpPr>
-          <p:nvPr>
-            <p:ph idx="1"/>
-          </p:nvPr>
-        </p:nvSpPr>
-        <p:spPr/>
-        <p:txBody>
-          <a:bodyPr/>
-          <a:lstStyle/>
-          <a:p>
-            <a:endParaRPr lang="zh-CN" altLang="en-US"/>
-          </a:p>
-        </p:txBody>
-      </p:sp>
-      <p:pic>
-        <p:nvPicPr>
-          <p:cNvPr id="4" name="图片 3"/>
-          <p:cNvPicPr>
-            <a:picLocks noChangeAspect="1"/>
-          </p:cNvPicPr>
-          <p:nvPr/>
-        </p:nvPicPr>
-        <p:blipFill>
-          <a:blip r:embed="rId2"/>
-          <a:stretch>
-            <a:fillRect/>
-          </a:stretch>
-        </p:blipFill>
+            <p:ph type="ctrTitle"/>
+          </p:nvPr>
+        </p:nvSpPr>
         <p:spPr>
           <a:xfrm>
-            <a:off x="163414" y="0"/>
-            <a:ext cx="11865171" cy="6360159"/>
+            <a:off x="373626" y="309716"/>
+            <a:ext cx="7590503" cy="840658"/>
+          </a:xfrm>
+        </p:spPr>
+        <p:txBody>
+          <a:bodyPr>
+            <a:normAutofit/>
+          </a:bodyPr>
+          <a:lstStyle/>
+          <a:p>
+            <a:pPr algn="l"/>
+            <a:r>
+              <a:rPr lang="zh-CN" altLang="en-US" sz="5400" dirty="0"/>
+              <a:t>忽略特殊文件</a:t>
+            </a:r>
+          </a:p>
+        </p:txBody>
+      </p:sp>
+      <p:sp>
+        <p:nvSpPr>
+          <p:cNvPr id="3" name="Rectangle 1"/>
+          <p:cNvSpPr>
+            <a:spLocks noGrp="1" noChangeArrowheads="1"/>
+          </p:cNvSpPr>
+          <p:nvPr>
+            <p:ph type="subTitle" idx="1"/>
+          </p:nvPr>
+        </p:nvSpPr>
+        <p:spPr bwMode="white">
+          <a:xfrm>
+            <a:off x="739589" y="2342959"/>
+            <a:ext cx="10313894" cy="823217"/>
           </a:xfrm>
           <a:prstGeom prst="rect">
             <a:avLst/>
           </a:prstGeom>
+          <a:solidFill>
+            <a:srgbClr val="FAFAFA"/>
+          </a:solidFill>
+          <a:ln>
+            <a:noFill/>
+          </a:ln>
+          <a:effectLst/>
+          <a:extLst>
+            <a:ext uri="{91240B29-F687-4F45-9708-019B960494DF}">
+              <a14:hiddenLine xmlns:a14="http://schemas.microsoft.com/office/drawing/2010/main" w="9525">
+                <a:solidFill>
+                  <a:schemeClr val="tx1"/>
+                </a:solidFill>
+                <a:miter lim="800000"/>
+                <a:headEnd/>
+                <a:tailEnd/>
+              </a14:hiddenLine>
+            </a:ext>
+            <a:ext uri="{AF507438-7753-43E0-B8FC-AC1667EBCBE1}">
+              <a14:hiddenEffects xmlns:a14="http://schemas.microsoft.com/office/drawing/2010/main">
+                <a:effectLst>
+                  <a:outerShdw dist="35921" dir="2700000" algn="ctr" rotWithShape="0">
+                    <a:schemeClr val="bg2"/>
+                  </a:outerShdw>
+                </a:effectLst>
+              </a14:hiddenEffects>
+            </a:ext>
+          </a:extLst>
         </p:spPr>
-      </p:pic>
+        <p:txBody>
+          <a:bodyPr vert="horz" wrap="square" lIns="0" tIns="133308" rIns="0" bIns="133308" numCol="1" anchor="ctr" anchorCtr="0" compatLnSpc="1">
+            <a:prstTxWarp prst="textNoShape">
+              <a:avLst/>
+            </a:prstTxWarp>
+            <a:spAutoFit/>
+          </a:bodyPr>
+          <a:lstStyle>
+            <a:lvl1pPr eaLnBrk="0" fontAlgn="base" hangingPunct="0">
+              <a:spcBef>
+                <a:spcPct val="0"/>
+              </a:spcBef>
+              <a:spcAft>
+                <a:spcPct val="0"/>
+              </a:spcAft>
+              <a:defRPr>
+                <a:solidFill>
+                  <a:schemeClr val="tx1"/>
+                </a:solidFill>
+                <a:latin typeface="Arial" panose="020B0604020202020204" pitchFamily="34" charset="0"/>
+              </a:defRPr>
+            </a:lvl1pPr>
+            <a:lvl2pPr eaLnBrk="0" fontAlgn="base" hangingPunct="0">
+              <a:spcBef>
+                <a:spcPct val="0"/>
+              </a:spcBef>
+              <a:spcAft>
+                <a:spcPct val="0"/>
+              </a:spcAft>
+              <a:defRPr>
+                <a:solidFill>
+                  <a:schemeClr val="tx1"/>
+                </a:solidFill>
+                <a:latin typeface="Arial" panose="020B0604020202020204" pitchFamily="34" charset="0"/>
+              </a:defRPr>
+            </a:lvl2pPr>
+            <a:lvl3pPr eaLnBrk="0" fontAlgn="base" hangingPunct="0">
+              <a:spcBef>
+                <a:spcPct val="0"/>
+              </a:spcBef>
+              <a:spcAft>
+                <a:spcPct val="0"/>
+              </a:spcAft>
+              <a:defRPr>
+                <a:solidFill>
+                  <a:schemeClr val="tx1"/>
+                </a:solidFill>
+                <a:latin typeface="Arial" panose="020B0604020202020204" pitchFamily="34" charset="0"/>
+              </a:defRPr>
+            </a:lvl3pPr>
+            <a:lvl4pPr eaLnBrk="0" fontAlgn="base" hangingPunct="0">
+              <a:spcBef>
+                <a:spcPct val="0"/>
+              </a:spcBef>
+              <a:spcAft>
+                <a:spcPct val="0"/>
+              </a:spcAft>
+              <a:defRPr>
+                <a:solidFill>
+                  <a:schemeClr val="tx1"/>
+                </a:solidFill>
+                <a:latin typeface="Arial" panose="020B0604020202020204" pitchFamily="34" charset="0"/>
+              </a:defRPr>
+            </a:lvl4pPr>
+            <a:lvl5pPr eaLnBrk="0" fontAlgn="base" hangingPunct="0">
+              <a:spcBef>
+                <a:spcPct val="0"/>
+              </a:spcBef>
+              <a:spcAft>
+                <a:spcPct val="0"/>
+              </a:spcAft>
+              <a:defRPr>
+                <a:solidFill>
+                  <a:schemeClr val="tx1"/>
+                </a:solidFill>
+                <a:latin typeface="Arial" panose="020B0604020202020204" pitchFamily="34" charset="0"/>
+              </a:defRPr>
+            </a:lvl5pPr>
+            <a:lvl6pPr eaLnBrk="0" fontAlgn="base" hangingPunct="0">
+              <a:spcBef>
+                <a:spcPct val="0"/>
+              </a:spcBef>
+              <a:spcAft>
+                <a:spcPct val="0"/>
+              </a:spcAft>
+              <a:defRPr>
+                <a:solidFill>
+                  <a:schemeClr val="tx1"/>
+                </a:solidFill>
+                <a:latin typeface="Arial" panose="020B0604020202020204" pitchFamily="34" charset="0"/>
+              </a:defRPr>
+            </a:lvl6pPr>
+            <a:lvl7pPr eaLnBrk="0" fontAlgn="base" hangingPunct="0">
+              <a:spcBef>
+                <a:spcPct val="0"/>
+              </a:spcBef>
+              <a:spcAft>
+                <a:spcPct val="0"/>
+              </a:spcAft>
+              <a:defRPr>
+                <a:solidFill>
+                  <a:schemeClr val="tx1"/>
+                </a:solidFill>
+                <a:latin typeface="Arial" panose="020B0604020202020204" pitchFamily="34" charset="0"/>
+              </a:defRPr>
+            </a:lvl7pPr>
+            <a:lvl8pPr eaLnBrk="0" fontAlgn="base" hangingPunct="0">
+              <a:spcBef>
+                <a:spcPct val="0"/>
+              </a:spcBef>
+              <a:spcAft>
+                <a:spcPct val="0"/>
+              </a:spcAft>
+              <a:defRPr>
+                <a:solidFill>
+                  <a:schemeClr val="tx1"/>
+                </a:solidFill>
+                <a:latin typeface="Arial" panose="020B0604020202020204" pitchFamily="34" charset="0"/>
+              </a:defRPr>
+            </a:lvl8pPr>
+            <a:lvl9pPr eaLnBrk="0" fontAlgn="base" hangingPunct="0">
+              <a:spcBef>
+                <a:spcPct val="0"/>
+              </a:spcBef>
+              <a:spcAft>
+                <a:spcPct val="0"/>
+              </a:spcAft>
+              <a:defRPr>
+                <a:solidFill>
+                  <a:schemeClr val="tx1"/>
+                </a:solidFill>
+                <a:latin typeface="Arial" panose="020B0604020202020204" pitchFamily="34" charset="0"/>
+              </a:defRPr>
+            </a:lvl9pPr>
+          </a:lstStyle>
+          <a:p>
+            <a:pPr lvl="0" algn="l">
+              <a:lnSpc>
+                <a:spcPct val="100000"/>
+              </a:lnSpc>
+            </a:pPr>
+            <a:r>
+              <a:rPr lang="zh-CN" altLang="en-US" sz="1800" dirty="0"/>
+              <a:t>使用</a:t>
+            </a:r>
+            <a:r>
+              <a:rPr lang="en-US" altLang="zh-CN" sz="1800" dirty="0"/>
+              <a:t>Windows</a:t>
+            </a:r>
+            <a:r>
+              <a:rPr lang="zh-CN" altLang="en-US" sz="1800" dirty="0"/>
+              <a:t>的童鞋注意了，如果你在资源管理器里新建一个</a:t>
+            </a:r>
+            <a:r>
+              <a:rPr lang="en-US" altLang="zh-CN" sz="1800" dirty="0"/>
+              <a:t>.</a:t>
+            </a:r>
+            <a:r>
+              <a:rPr lang="en-US" altLang="zh-CN" sz="1800" dirty="0" err="1"/>
+              <a:t>gitignore</a:t>
+            </a:r>
+            <a:r>
+              <a:rPr lang="zh-CN" altLang="en-US" sz="1800" dirty="0"/>
+              <a:t>文件，它</a:t>
+            </a:r>
+            <a:r>
+              <a:rPr lang="zh-CN" altLang="en-US" sz="1800" dirty="0" smtClean="0"/>
+              <a:t>会提示</a:t>
+            </a:r>
+            <a:r>
+              <a:rPr lang="zh-CN" altLang="en-US" sz="1800" dirty="0"/>
+              <a:t>你必须输入文件名，但是在文本编辑器里“保存”或者“另存为”就可以把文件保存为</a:t>
+            </a:r>
+            <a:r>
+              <a:rPr lang="en-US" altLang="zh-CN" sz="1800" dirty="0"/>
+              <a:t>.</a:t>
+            </a:r>
+            <a:r>
+              <a:rPr lang="en-US" altLang="zh-CN" sz="1800" dirty="0" err="1"/>
+              <a:t>gitignore</a:t>
+            </a:r>
+            <a:r>
+              <a:rPr lang="zh-CN" altLang="en-US" sz="1800" dirty="0"/>
+              <a:t>了。</a:t>
+            </a:r>
+            <a:endParaRPr kumimoji="0" lang="zh-CN" altLang="zh-CN" sz="1800" b="0" i="0" u="none" strike="noStrike" cap="none" normalizeH="0" baseline="0" dirty="0" smtClean="0">
+              <a:ln>
+                <a:noFill/>
+              </a:ln>
+              <a:solidFill>
+                <a:schemeClr val="tx1"/>
+              </a:solidFill>
+              <a:effectLst/>
+              <a:latin typeface="Arial" panose="020B0604020202020204" pitchFamily="34" charset="0"/>
+            </a:endParaRPr>
+          </a:p>
+        </p:txBody>
+      </p:sp>
     </p:spTree>
     <p:extLst>
       <p:ext uri="{BB962C8B-B14F-4D97-AF65-F5344CB8AC3E}">
-        <p14:creationId xmlns:p14="http://schemas.microsoft.com/office/powerpoint/2010/main" val="1550522094"/>
+        <p14:creationId xmlns:p14="http://schemas.microsoft.com/office/powerpoint/2010/main" val="865263408"/>
       </p:ext>
     </p:extLst>
   </p:cSld>
@@ -3628,6 +7429,382 @@
           <a:chExt cx="0" cy="0"/>
         </a:xfrm>
       </p:grpSpPr>
+      <p:sp>
+        <p:nvSpPr>
+          <p:cNvPr id="2" name="标题 1"/>
+          <p:cNvSpPr>
+            <a:spLocks noGrp="1"/>
+          </p:cNvSpPr>
+          <p:nvPr>
+            <p:ph type="ctrTitle"/>
+          </p:nvPr>
+        </p:nvSpPr>
+        <p:spPr>
+          <a:xfrm>
+            <a:off x="373626" y="309716"/>
+            <a:ext cx="7590503" cy="840658"/>
+          </a:xfrm>
+        </p:spPr>
+        <p:txBody>
+          <a:bodyPr>
+            <a:normAutofit/>
+          </a:bodyPr>
+          <a:lstStyle/>
+          <a:p>
+            <a:pPr algn="l"/>
+            <a:r>
+              <a:rPr lang="zh-CN" altLang="en-US" sz="5400" dirty="0"/>
+              <a:t>配置别名</a:t>
+            </a:r>
+          </a:p>
+        </p:txBody>
+      </p:sp>
+      <p:sp>
+        <p:nvSpPr>
+          <p:cNvPr id="3" name="Rectangle 1"/>
+          <p:cNvSpPr>
+            <a:spLocks noGrp="1" noChangeArrowheads="1"/>
+          </p:cNvSpPr>
+          <p:nvPr>
+            <p:ph type="subTitle" idx="1"/>
+          </p:nvPr>
+        </p:nvSpPr>
+        <p:spPr bwMode="white">
+          <a:xfrm>
+            <a:off x="632013" y="1610121"/>
+            <a:ext cx="10313894" cy="2208212"/>
+          </a:xfrm>
+          <a:prstGeom prst="rect">
+            <a:avLst/>
+          </a:prstGeom>
+          <a:solidFill>
+            <a:srgbClr val="FAFAFA"/>
+          </a:solidFill>
+          <a:ln>
+            <a:noFill/>
+          </a:ln>
+          <a:effectLst/>
+          <a:extLst>
+            <a:ext uri="{91240B29-F687-4F45-9708-019B960494DF}">
+              <a14:hiddenLine xmlns:a14="http://schemas.microsoft.com/office/drawing/2010/main" w="9525">
+                <a:solidFill>
+                  <a:schemeClr val="tx1"/>
+                </a:solidFill>
+                <a:miter lim="800000"/>
+                <a:headEnd/>
+                <a:tailEnd/>
+              </a14:hiddenLine>
+            </a:ext>
+            <a:ext uri="{AF507438-7753-43E0-B8FC-AC1667EBCBE1}">
+              <a14:hiddenEffects xmlns:a14="http://schemas.microsoft.com/office/drawing/2010/main">
+                <a:effectLst>
+                  <a:outerShdw dist="35921" dir="2700000" algn="ctr" rotWithShape="0">
+                    <a:schemeClr val="bg2"/>
+                  </a:outerShdw>
+                </a:effectLst>
+              </a14:hiddenEffects>
+            </a:ext>
+          </a:extLst>
+        </p:spPr>
+        <p:txBody>
+          <a:bodyPr vert="horz" wrap="square" lIns="0" tIns="133308" rIns="0" bIns="133308" numCol="1" anchor="ctr" anchorCtr="0" compatLnSpc="1">
+            <a:prstTxWarp prst="textNoShape">
+              <a:avLst/>
+            </a:prstTxWarp>
+            <a:spAutoFit/>
+          </a:bodyPr>
+          <a:lstStyle>
+            <a:lvl1pPr eaLnBrk="0" fontAlgn="base" hangingPunct="0">
+              <a:spcBef>
+                <a:spcPct val="0"/>
+              </a:spcBef>
+              <a:spcAft>
+                <a:spcPct val="0"/>
+              </a:spcAft>
+              <a:defRPr>
+                <a:solidFill>
+                  <a:schemeClr val="tx1"/>
+                </a:solidFill>
+                <a:latin typeface="Arial" panose="020B0604020202020204" pitchFamily="34" charset="0"/>
+              </a:defRPr>
+            </a:lvl1pPr>
+            <a:lvl2pPr eaLnBrk="0" fontAlgn="base" hangingPunct="0">
+              <a:spcBef>
+                <a:spcPct val="0"/>
+              </a:spcBef>
+              <a:spcAft>
+                <a:spcPct val="0"/>
+              </a:spcAft>
+              <a:defRPr>
+                <a:solidFill>
+                  <a:schemeClr val="tx1"/>
+                </a:solidFill>
+                <a:latin typeface="Arial" panose="020B0604020202020204" pitchFamily="34" charset="0"/>
+              </a:defRPr>
+            </a:lvl2pPr>
+            <a:lvl3pPr eaLnBrk="0" fontAlgn="base" hangingPunct="0">
+              <a:spcBef>
+                <a:spcPct val="0"/>
+              </a:spcBef>
+              <a:spcAft>
+                <a:spcPct val="0"/>
+              </a:spcAft>
+              <a:defRPr>
+                <a:solidFill>
+                  <a:schemeClr val="tx1"/>
+                </a:solidFill>
+                <a:latin typeface="Arial" panose="020B0604020202020204" pitchFamily="34" charset="0"/>
+              </a:defRPr>
+            </a:lvl3pPr>
+            <a:lvl4pPr eaLnBrk="0" fontAlgn="base" hangingPunct="0">
+              <a:spcBef>
+                <a:spcPct val="0"/>
+              </a:spcBef>
+              <a:spcAft>
+                <a:spcPct val="0"/>
+              </a:spcAft>
+              <a:defRPr>
+                <a:solidFill>
+                  <a:schemeClr val="tx1"/>
+                </a:solidFill>
+                <a:latin typeface="Arial" panose="020B0604020202020204" pitchFamily="34" charset="0"/>
+              </a:defRPr>
+            </a:lvl4pPr>
+            <a:lvl5pPr eaLnBrk="0" fontAlgn="base" hangingPunct="0">
+              <a:spcBef>
+                <a:spcPct val="0"/>
+              </a:spcBef>
+              <a:spcAft>
+                <a:spcPct val="0"/>
+              </a:spcAft>
+              <a:defRPr>
+                <a:solidFill>
+                  <a:schemeClr val="tx1"/>
+                </a:solidFill>
+                <a:latin typeface="Arial" panose="020B0604020202020204" pitchFamily="34" charset="0"/>
+              </a:defRPr>
+            </a:lvl5pPr>
+            <a:lvl6pPr eaLnBrk="0" fontAlgn="base" hangingPunct="0">
+              <a:spcBef>
+                <a:spcPct val="0"/>
+              </a:spcBef>
+              <a:spcAft>
+                <a:spcPct val="0"/>
+              </a:spcAft>
+              <a:defRPr>
+                <a:solidFill>
+                  <a:schemeClr val="tx1"/>
+                </a:solidFill>
+                <a:latin typeface="Arial" panose="020B0604020202020204" pitchFamily="34" charset="0"/>
+              </a:defRPr>
+            </a:lvl6pPr>
+            <a:lvl7pPr eaLnBrk="0" fontAlgn="base" hangingPunct="0">
+              <a:spcBef>
+                <a:spcPct val="0"/>
+              </a:spcBef>
+              <a:spcAft>
+                <a:spcPct val="0"/>
+              </a:spcAft>
+              <a:defRPr>
+                <a:solidFill>
+                  <a:schemeClr val="tx1"/>
+                </a:solidFill>
+                <a:latin typeface="Arial" panose="020B0604020202020204" pitchFamily="34" charset="0"/>
+              </a:defRPr>
+            </a:lvl7pPr>
+            <a:lvl8pPr eaLnBrk="0" fontAlgn="base" hangingPunct="0">
+              <a:spcBef>
+                <a:spcPct val="0"/>
+              </a:spcBef>
+              <a:spcAft>
+                <a:spcPct val="0"/>
+              </a:spcAft>
+              <a:defRPr>
+                <a:solidFill>
+                  <a:schemeClr val="tx1"/>
+                </a:solidFill>
+                <a:latin typeface="Arial" panose="020B0604020202020204" pitchFamily="34" charset="0"/>
+              </a:defRPr>
+            </a:lvl8pPr>
+            <a:lvl9pPr eaLnBrk="0" fontAlgn="base" hangingPunct="0">
+              <a:spcBef>
+                <a:spcPct val="0"/>
+              </a:spcBef>
+              <a:spcAft>
+                <a:spcPct val="0"/>
+              </a:spcAft>
+              <a:defRPr>
+                <a:solidFill>
+                  <a:schemeClr val="tx1"/>
+                </a:solidFill>
+                <a:latin typeface="Arial" panose="020B0604020202020204" pitchFamily="34" charset="0"/>
+              </a:defRPr>
+            </a:lvl9pPr>
+          </a:lstStyle>
+          <a:p>
+            <a:pPr lvl="0" algn="l">
+              <a:lnSpc>
+                <a:spcPct val="100000"/>
+              </a:lnSpc>
+            </a:pPr>
+            <a:r>
+              <a:rPr lang="zh-CN" altLang="en-US" sz="1800" dirty="0"/>
+              <a:t>有没有经常敲错命令？比如</a:t>
+            </a:r>
+            <a:r>
+              <a:rPr lang="en-US" altLang="zh-CN" sz="1800" dirty="0" err="1"/>
+              <a:t>git</a:t>
+            </a:r>
+            <a:r>
+              <a:rPr lang="en-US" altLang="zh-CN" sz="1800" dirty="0"/>
+              <a:t> status</a:t>
+            </a:r>
+            <a:r>
+              <a:rPr lang="zh-CN" altLang="en-US" sz="1800" dirty="0"/>
+              <a:t>？</a:t>
+            </a:r>
+            <a:r>
+              <a:rPr lang="en-US" altLang="zh-CN" sz="1800" dirty="0"/>
+              <a:t>status</a:t>
+            </a:r>
+            <a:r>
+              <a:rPr lang="zh-CN" altLang="en-US" sz="1800" dirty="0"/>
+              <a:t>这个单词真心不好记。</a:t>
+            </a:r>
+          </a:p>
+          <a:p>
+            <a:pPr lvl="0" algn="l">
+              <a:lnSpc>
+                <a:spcPct val="100000"/>
+              </a:lnSpc>
+            </a:pPr>
+            <a:endParaRPr lang="zh-CN" altLang="en-US" sz="1800" dirty="0"/>
+          </a:p>
+          <a:p>
+            <a:pPr lvl="0" algn="l">
+              <a:lnSpc>
+                <a:spcPct val="100000"/>
+              </a:lnSpc>
+            </a:pPr>
+            <a:r>
+              <a:rPr lang="zh-CN" altLang="en-US" sz="1800" dirty="0"/>
+              <a:t>如果敲</a:t>
+            </a:r>
+            <a:r>
+              <a:rPr lang="en-US" altLang="zh-CN" sz="1800" dirty="0" err="1"/>
+              <a:t>git</a:t>
+            </a:r>
+            <a:r>
+              <a:rPr lang="en-US" altLang="zh-CN" sz="1800" dirty="0"/>
+              <a:t> </a:t>
+            </a:r>
+            <a:r>
+              <a:rPr lang="en-US" altLang="zh-CN" sz="1800" dirty="0" err="1"/>
+              <a:t>st</a:t>
+            </a:r>
+            <a:r>
+              <a:rPr lang="zh-CN" altLang="en-US" sz="1800" dirty="0"/>
+              <a:t>就表示</a:t>
+            </a:r>
+            <a:r>
+              <a:rPr lang="en-US" altLang="zh-CN" sz="1800" dirty="0" err="1"/>
+              <a:t>git</a:t>
+            </a:r>
+            <a:r>
+              <a:rPr lang="en-US" altLang="zh-CN" sz="1800" dirty="0"/>
+              <a:t> status</a:t>
+            </a:r>
+            <a:r>
+              <a:rPr lang="zh-CN" altLang="en-US" sz="1800" dirty="0"/>
+              <a:t>那就简单多了，当然这种偷懒的办法我们是极力赞成的。</a:t>
+            </a:r>
+          </a:p>
+          <a:p>
+            <a:pPr lvl="0" algn="l">
+              <a:lnSpc>
+                <a:spcPct val="100000"/>
+              </a:lnSpc>
+            </a:pPr>
+            <a:endParaRPr lang="zh-CN" altLang="en-US" sz="1800" dirty="0"/>
+          </a:p>
+          <a:p>
+            <a:pPr lvl="0" algn="l">
+              <a:lnSpc>
+                <a:spcPct val="100000"/>
+              </a:lnSpc>
+            </a:pPr>
+            <a:r>
+              <a:rPr lang="zh-CN" altLang="en-US" sz="1800" dirty="0"/>
+              <a:t>我们只需要敲一行命令，告诉</a:t>
+            </a:r>
+            <a:r>
+              <a:rPr lang="en-US" altLang="zh-CN" sz="1800" dirty="0" err="1"/>
+              <a:t>Git</a:t>
+            </a:r>
+            <a:r>
+              <a:rPr lang="zh-CN" altLang="en-US" sz="1800" dirty="0"/>
+              <a:t>，以后</a:t>
+            </a:r>
+            <a:r>
+              <a:rPr lang="en-US" altLang="zh-CN" sz="1800" dirty="0" err="1"/>
+              <a:t>st</a:t>
+            </a:r>
+            <a:r>
+              <a:rPr lang="zh-CN" altLang="en-US" sz="1800" dirty="0"/>
+              <a:t>就表示</a:t>
+            </a:r>
+            <a:r>
+              <a:rPr lang="en-US" altLang="zh-CN" sz="1800" dirty="0"/>
+              <a:t>status</a:t>
+            </a:r>
+            <a:r>
+              <a:rPr lang="zh-CN" altLang="en-US" sz="1800" dirty="0" smtClean="0"/>
+              <a:t>：</a:t>
+            </a:r>
+            <a:endParaRPr lang="en-US" altLang="zh-CN" sz="1800" dirty="0" smtClean="0"/>
+          </a:p>
+          <a:p>
+            <a:pPr lvl="0" algn="l">
+              <a:lnSpc>
+                <a:spcPct val="100000"/>
+              </a:lnSpc>
+            </a:pPr>
+            <a:endParaRPr lang="en-US" altLang="zh-CN" sz="1800" dirty="0" smtClean="0"/>
+          </a:p>
+          <a:p>
+            <a:pPr lvl="0" algn="l">
+              <a:lnSpc>
+                <a:spcPct val="100000"/>
+              </a:lnSpc>
+            </a:pPr>
+            <a:r>
+              <a:rPr lang="zh-CN" altLang="en-US" sz="1800" dirty="0"/>
+              <a:t>好了，现在敲</a:t>
+            </a:r>
+            <a:r>
+              <a:rPr lang="en-US" altLang="zh-CN" sz="1800" dirty="0" err="1"/>
+              <a:t>git</a:t>
+            </a:r>
+            <a:r>
+              <a:rPr lang="en-US" altLang="zh-CN" sz="1800" dirty="0"/>
+              <a:t> </a:t>
+            </a:r>
+            <a:r>
+              <a:rPr lang="en-US" altLang="zh-CN" sz="1800" dirty="0" err="1"/>
+              <a:t>st</a:t>
+            </a:r>
+            <a:r>
+              <a:rPr lang="zh-CN" altLang="en-US" sz="1800" dirty="0"/>
+              <a:t>看看效果</a:t>
+            </a:r>
+            <a:r>
+              <a:rPr lang="zh-CN" altLang="en-US" sz="1800" dirty="0" smtClean="0"/>
+              <a:t>。</a:t>
+            </a:r>
+            <a:endParaRPr lang="zh-CN" altLang="en-US" sz="1800" dirty="0"/>
+          </a:p>
+        </p:txBody>
+      </p:sp>
       <p:pic>
         <p:nvPicPr>
           <p:cNvPr id="4" name="图片 3"/>
@@ -3637,15 +7814,15 @@
           <p:nvPr/>
         </p:nvPicPr>
         <p:blipFill>
-          <a:blip r:embed="rId2"/>
+          <a:blip r:embed="rId3"/>
           <a:stretch>
             <a:fillRect/>
           </a:stretch>
         </p:blipFill>
         <p:spPr>
           <a:xfrm>
-            <a:off x="409523" y="2111528"/>
-            <a:ext cx="11372954" cy="1889766"/>
+            <a:off x="1507860" y="4103268"/>
+            <a:ext cx="8180715" cy="1490708"/>
           </a:xfrm>
           <a:prstGeom prst="rect">
             <a:avLst/>
@@ -3655,7 +7832,7 @@
     </p:spTree>
     <p:extLst>
       <p:ext uri="{BB962C8B-B14F-4D97-AF65-F5344CB8AC3E}">
-        <p14:creationId xmlns:p14="http://schemas.microsoft.com/office/powerpoint/2010/main" val="2089719227"/>
+        <p14:creationId xmlns:p14="http://schemas.microsoft.com/office/powerpoint/2010/main" val="3488510967"/>
       </p:ext>
     </p:extLst>
   </p:cSld>
@@ -3721,41 +7898,319 @@
       </p:sp>
       <p:sp>
         <p:nvSpPr>
-          <p:cNvPr id="5" name="副标题 4"/>
-          <p:cNvSpPr>
-            <a:spLocks noGrp="1"/>
+          <p:cNvPr id="3" name="Rectangle 1"/>
+          <p:cNvSpPr>
+            <a:spLocks noGrp="1" noChangeArrowheads="1"/>
           </p:cNvSpPr>
           <p:nvPr>
             <p:ph type="subTitle" idx="1"/>
           </p:nvPr>
         </p:nvSpPr>
-        <p:spPr/>
-        <p:txBody>
-          <a:bodyPr/>
-          <a:lstStyle/>
-          <a:p>
-            <a:endParaRPr lang="zh-CN" altLang="en-US"/>
+        <p:spPr bwMode="white">
+          <a:xfrm>
+            <a:off x="373626" y="1526717"/>
+            <a:ext cx="10313894" cy="546219"/>
+          </a:xfrm>
+          <a:prstGeom prst="rect">
+            <a:avLst/>
+          </a:prstGeom>
+          <a:solidFill>
+            <a:srgbClr val="FAFAFA"/>
+          </a:solidFill>
+          <a:ln>
+            <a:noFill/>
+          </a:ln>
+          <a:effectLst/>
+          <a:extLst>
+            <a:ext uri="{91240B29-F687-4F45-9708-019B960494DF}">
+              <a14:hiddenLine xmlns:a14="http://schemas.microsoft.com/office/drawing/2010/main" w="9525">
+                <a:solidFill>
+                  <a:schemeClr val="tx1"/>
+                </a:solidFill>
+                <a:miter lim="800000"/>
+                <a:headEnd/>
+                <a:tailEnd/>
+              </a14:hiddenLine>
+            </a:ext>
+            <a:ext uri="{AF507438-7753-43E0-B8FC-AC1667EBCBE1}">
+              <a14:hiddenEffects xmlns:a14="http://schemas.microsoft.com/office/drawing/2010/main">
+                <a:effectLst>
+                  <a:outerShdw dist="35921" dir="2700000" algn="ctr" rotWithShape="0">
+                    <a:schemeClr val="bg2"/>
+                  </a:outerShdw>
+                </a:effectLst>
+              </a14:hiddenEffects>
+            </a:ext>
+          </a:extLst>
+        </p:spPr>
+        <p:txBody>
+          <a:bodyPr vert="horz" wrap="square" lIns="0" tIns="133308" rIns="0" bIns="133308" numCol="1" anchor="ctr" anchorCtr="0" compatLnSpc="1">
+            <a:prstTxWarp prst="textNoShape">
+              <a:avLst/>
+            </a:prstTxWarp>
+            <a:spAutoFit/>
+          </a:bodyPr>
+          <a:lstStyle>
+            <a:lvl1pPr eaLnBrk="0" fontAlgn="base" hangingPunct="0">
+              <a:spcBef>
+                <a:spcPct val="0"/>
+              </a:spcBef>
+              <a:spcAft>
+                <a:spcPct val="0"/>
+              </a:spcAft>
+              <a:defRPr>
+                <a:solidFill>
+                  <a:schemeClr val="tx1"/>
+                </a:solidFill>
+                <a:latin typeface="Arial" panose="020B0604020202020204" pitchFamily="34" charset="0"/>
+              </a:defRPr>
+            </a:lvl1pPr>
+            <a:lvl2pPr eaLnBrk="0" fontAlgn="base" hangingPunct="0">
+              <a:spcBef>
+                <a:spcPct val="0"/>
+              </a:spcBef>
+              <a:spcAft>
+                <a:spcPct val="0"/>
+              </a:spcAft>
+              <a:defRPr>
+                <a:solidFill>
+                  <a:schemeClr val="tx1"/>
+                </a:solidFill>
+                <a:latin typeface="Arial" panose="020B0604020202020204" pitchFamily="34" charset="0"/>
+              </a:defRPr>
+            </a:lvl2pPr>
+            <a:lvl3pPr eaLnBrk="0" fontAlgn="base" hangingPunct="0">
+              <a:spcBef>
+                <a:spcPct val="0"/>
+              </a:spcBef>
+              <a:spcAft>
+                <a:spcPct val="0"/>
+              </a:spcAft>
+              <a:defRPr>
+                <a:solidFill>
+                  <a:schemeClr val="tx1"/>
+                </a:solidFill>
+                <a:latin typeface="Arial" panose="020B0604020202020204" pitchFamily="34" charset="0"/>
+              </a:defRPr>
+            </a:lvl3pPr>
+            <a:lvl4pPr eaLnBrk="0" fontAlgn="base" hangingPunct="0">
+              <a:spcBef>
+                <a:spcPct val="0"/>
+              </a:spcBef>
+              <a:spcAft>
+                <a:spcPct val="0"/>
+              </a:spcAft>
+              <a:defRPr>
+                <a:solidFill>
+                  <a:schemeClr val="tx1"/>
+                </a:solidFill>
+                <a:latin typeface="Arial" panose="020B0604020202020204" pitchFamily="34" charset="0"/>
+              </a:defRPr>
+            </a:lvl4pPr>
+            <a:lvl5pPr eaLnBrk="0" fontAlgn="base" hangingPunct="0">
+              <a:spcBef>
+                <a:spcPct val="0"/>
+              </a:spcBef>
+              <a:spcAft>
+                <a:spcPct val="0"/>
+              </a:spcAft>
+              <a:defRPr>
+                <a:solidFill>
+                  <a:schemeClr val="tx1"/>
+                </a:solidFill>
+                <a:latin typeface="Arial" panose="020B0604020202020204" pitchFamily="34" charset="0"/>
+              </a:defRPr>
+            </a:lvl5pPr>
+            <a:lvl6pPr eaLnBrk="0" fontAlgn="base" hangingPunct="0">
+              <a:spcBef>
+                <a:spcPct val="0"/>
+              </a:spcBef>
+              <a:spcAft>
+                <a:spcPct val="0"/>
+              </a:spcAft>
+              <a:defRPr>
+                <a:solidFill>
+                  <a:schemeClr val="tx1"/>
+                </a:solidFill>
+                <a:latin typeface="Arial" panose="020B0604020202020204" pitchFamily="34" charset="0"/>
+              </a:defRPr>
+            </a:lvl6pPr>
+            <a:lvl7pPr eaLnBrk="0" fontAlgn="base" hangingPunct="0">
+              <a:spcBef>
+                <a:spcPct val="0"/>
+              </a:spcBef>
+              <a:spcAft>
+                <a:spcPct val="0"/>
+              </a:spcAft>
+              <a:defRPr>
+                <a:solidFill>
+                  <a:schemeClr val="tx1"/>
+                </a:solidFill>
+                <a:latin typeface="Arial" panose="020B0604020202020204" pitchFamily="34" charset="0"/>
+              </a:defRPr>
+            </a:lvl7pPr>
+            <a:lvl8pPr eaLnBrk="0" fontAlgn="base" hangingPunct="0">
+              <a:spcBef>
+                <a:spcPct val="0"/>
+              </a:spcBef>
+              <a:spcAft>
+                <a:spcPct val="0"/>
+              </a:spcAft>
+              <a:defRPr>
+                <a:solidFill>
+                  <a:schemeClr val="tx1"/>
+                </a:solidFill>
+                <a:latin typeface="Arial" panose="020B0604020202020204" pitchFamily="34" charset="0"/>
+              </a:defRPr>
+            </a:lvl8pPr>
+            <a:lvl9pPr eaLnBrk="0" fontAlgn="base" hangingPunct="0">
+              <a:spcBef>
+                <a:spcPct val="0"/>
+              </a:spcBef>
+              <a:spcAft>
+                <a:spcPct val="0"/>
+              </a:spcAft>
+              <a:defRPr>
+                <a:solidFill>
+                  <a:schemeClr val="tx1"/>
+                </a:solidFill>
+                <a:latin typeface="Arial" panose="020B0604020202020204" pitchFamily="34" charset="0"/>
+              </a:defRPr>
+            </a:lvl9pPr>
+          </a:lstStyle>
+          <a:p>
+            <a:pPr lvl="0" algn="l">
+              <a:lnSpc>
+                <a:spcPct val="100000"/>
+              </a:lnSpc>
+            </a:pPr>
+            <a:r>
+              <a:rPr lang="zh-CN" altLang="en-US" sz="1800" dirty="0"/>
+              <a:t>当然还有别的命令可以简写，很多人都用</a:t>
+            </a:r>
+            <a:r>
+              <a:rPr lang="en-US" altLang="zh-CN" sz="1800" dirty="0"/>
+              <a:t>co</a:t>
+            </a:r>
+            <a:r>
+              <a:rPr lang="zh-CN" altLang="en-US" sz="1800" dirty="0"/>
+              <a:t>表示</a:t>
+            </a:r>
+            <a:r>
+              <a:rPr lang="en-US" altLang="zh-CN" sz="1800" dirty="0"/>
+              <a:t>checkout</a:t>
+            </a:r>
+            <a:r>
+              <a:rPr lang="zh-CN" altLang="en-US" sz="1800" dirty="0"/>
+              <a:t>，</a:t>
+            </a:r>
+            <a:r>
+              <a:rPr lang="en-US" altLang="zh-CN" sz="1800" dirty="0"/>
+              <a:t>ci</a:t>
+            </a:r>
+            <a:r>
+              <a:rPr lang="zh-CN" altLang="en-US" sz="1800" dirty="0"/>
+              <a:t>表示</a:t>
+            </a:r>
+            <a:r>
+              <a:rPr lang="en-US" altLang="zh-CN" sz="1800" dirty="0"/>
+              <a:t>commit</a:t>
+            </a:r>
+            <a:r>
+              <a:rPr lang="zh-CN" altLang="en-US" sz="1800" dirty="0"/>
+              <a:t>，</a:t>
+            </a:r>
+            <a:r>
+              <a:rPr lang="en-US" altLang="zh-CN" sz="1800" dirty="0" err="1"/>
+              <a:t>br</a:t>
+            </a:r>
+            <a:r>
+              <a:rPr lang="zh-CN" altLang="en-US" sz="1800" dirty="0"/>
+              <a:t>表示</a:t>
+            </a:r>
+            <a:r>
+              <a:rPr lang="en-US" altLang="zh-CN" sz="1800" dirty="0"/>
+              <a:t>branch</a:t>
+            </a:r>
+            <a:r>
+              <a:rPr lang="zh-CN" altLang="en-US" sz="1800" dirty="0"/>
+              <a:t>：</a:t>
+            </a:r>
           </a:p>
         </p:txBody>
       </p:sp>
       <p:pic>
         <p:nvPicPr>
-          <p:cNvPr id="3" name="图片 2"/>
+          <p:cNvPr id="5" name="图片 4"/>
           <p:cNvPicPr>
             <a:picLocks noChangeAspect="1"/>
           </p:cNvPicPr>
           <p:nvPr/>
         </p:nvPicPr>
         <p:blipFill>
-          <a:blip r:embed="rId2"/>
+          <a:blip r:embed="rId3"/>
           <a:stretch>
             <a:fillRect/>
           </a:stretch>
         </p:blipFill>
         <p:spPr>
           <a:xfrm>
-            <a:off x="718955" y="1150374"/>
-            <a:ext cx="10754089" cy="5352641"/>
+            <a:off x="654423" y="2569788"/>
+            <a:ext cx="9392051" cy="805423"/>
+          </a:xfrm>
+          <a:prstGeom prst="rect">
+            <a:avLst/>
+          </a:prstGeom>
+        </p:spPr>
+      </p:pic>
+      <p:sp>
+        <p:nvSpPr>
+          <p:cNvPr id="6" name="文本框 5"/>
+          <p:cNvSpPr txBox="1"/>
+          <p:nvPr/>
+        </p:nvSpPr>
+        <p:spPr>
+          <a:xfrm>
+            <a:off x="551329" y="4047565"/>
+            <a:ext cx="2723823" cy="369332"/>
+          </a:xfrm>
+          <a:prstGeom prst="rect">
+            <a:avLst/>
+          </a:prstGeom>
+          <a:noFill/>
+        </p:spPr>
+        <p:txBody>
+          <a:bodyPr wrap="none" rtlCol="0">
+            <a:spAutoFit/>
+          </a:bodyPr>
+          <a:lstStyle/>
+          <a:p>
+            <a:r>
+              <a:rPr lang="zh-CN" altLang="en-US" dirty="0"/>
+              <a:t>以后提交就可以简写成：</a:t>
+            </a:r>
+            <a:endParaRPr lang="zh-CN" altLang="en-US" dirty="0"/>
+          </a:p>
+        </p:txBody>
+      </p:sp>
+      <p:pic>
+        <p:nvPicPr>
+          <p:cNvPr id="7" name="图片 6"/>
+          <p:cNvPicPr>
+            <a:picLocks noChangeAspect="1"/>
+          </p:cNvPicPr>
+          <p:nvPr/>
+        </p:nvPicPr>
+        <p:blipFill>
+          <a:blip r:embed="rId4"/>
+          <a:stretch>
+            <a:fillRect/>
+          </a:stretch>
+        </p:blipFill>
+        <p:spPr>
+          <a:xfrm>
+            <a:off x="853336" y="4618935"/>
+            <a:ext cx="9043585" cy="1875994"/>
           </a:xfrm>
           <a:prstGeom prst="rect">
             <a:avLst/>
@@ -3765,7 +8220,7 @@
     </p:spTree>
     <p:extLst>
       <p:ext uri="{BB962C8B-B14F-4D97-AF65-F5344CB8AC3E}">
-        <p14:creationId xmlns:p14="http://schemas.microsoft.com/office/powerpoint/2010/main" val="3306433344"/>
+        <p14:creationId xmlns:p14="http://schemas.microsoft.com/office/powerpoint/2010/main" val="2196462182"/>
       </p:ext>
     </p:extLst>
   </p:cSld>
@@ -3806,55 +8261,309 @@
             <a:spLocks noGrp="1"/>
           </p:cNvSpPr>
           <p:nvPr>
-            <p:ph type="title"/>
-          </p:nvPr>
-        </p:nvSpPr>
-        <p:spPr/>
-        <p:txBody>
-          <a:bodyPr/>
-          <a:lstStyle/>
-          <a:p>
-            <a:endParaRPr lang="zh-CN" altLang="en-US"/>
-          </a:p>
-        </p:txBody>
-      </p:sp>
-      <p:sp>
-        <p:nvSpPr>
-          <p:cNvPr id="3" name="内容占位符 2"/>
-          <p:cNvSpPr>
-            <a:spLocks noGrp="1"/>
-          </p:cNvSpPr>
-          <p:nvPr>
-            <p:ph idx="1"/>
-          </p:nvPr>
-        </p:nvSpPr>
-        <p:spPr/>
-        <p:txBody>
-          <a:bodyPr/>
-          <a:lstStyle/>
-          <a:p>
-            <a:endParaRPr lang="zh-CN" altLang="en-US"/>
+            <p:ph type="ctrTitle"/>
+          </p:nvPr>
+        </p:nvSpPr>
+        <p:spPr>
+          <a:xfrm>
+            <a:off x="373626" y="309716"/>
+            <a:ext cx="7590503" cy="840658"/>
+          </a:xfrm>
+        </p:spPr>
+        <p:txBody>
+          <a:bodyPr>
+            <a:normAutofit/>
+          </a:bodyPr>
+          <a:lstStyle/>
+          <a:p>
+            <a:pPr algn="l"/>
+            <a:r>
+              <a:rPr lang="zh-CN" altLang="en-US" sz="5400" dirty="0"/>
+              <a:t>配置别名</a:t>
+            </a:r>
+          </a:p>
+        </p:txBody>
+      </p:sp>
+      <p:sp>
+        <p:nvSpPr>
+          <p:cNvPr id="3" name="Rectangle 1"/>
+          <p:cNvSpPr>
+            <a:spLocks noGrp="1" noChangeArrowheads="1"/>
+          </p:cNvSpPr>
+          <p:nvPr>
+            <p:ph type="subTitle" idx="1"/>
+          </p:nvPr>
+        </p:nvSpPr>
+        <p:spPr bwMode="white">
+          <a:xfrm>
+            <a:off x="632013" y="2025619"/>
+            <a:ext cx="10313894" cy="1377215"/>
+          </a:xfrm>
+          <a:prstGeom prst="rect">
+            <a:avLst/>
+          </a:prstGeom>
+          <a:solidFill>
+            <a:srgbClr val="FAFAFA"/>
+          </a:solidFill>
+          <a:ln>
+            <a:noFill/>
+          </a:ln>
+          <a:effectLst/>
+          <a:extLst>
+            <a:ext uri="{91240B29-F687-4F45-9708-019B960494DF}">
+              <a14:hiddenLine xmlns:a14="http://schemas.microsoft.com/office/drawing/2010/main" w="9525">
+                <a:solidFill>
+                  <a:schemeClr val="tx1"/>
+                </a:solidFill>
+                <a:miter lim="800000"/>
+                <a:headEnd/>
+                <a:tailEnd/>
+              </a14:hiddenLine>
+            </a:ext>
+            <a:ext uri="{AF507438-7753-43E0-B8FC-AC1667EBCBE1}">
+              <a14:hiddenEffects xmlns:a14="http://schemas.microsoft.com/office/drawing/2010/main">
+                <a:effectLst>
+                  <a:outerShdw dist="35921" dir="2700000" algn="ctr" rotWithShape="0">
+                    <a:schemeClr val="bg2"/>
+                  </a:outerShdw>
+                </a:effectLst>
+              </a14:hiddenEffects>
+            </a:ext>
+          </a:extLst>
+        </p:spPr>
+        <p:txBody>
+          <a:bodyPr vert="horz" wrap="square" lIns="0" tIns="133308" rIns="0" bIns="133308" numCol="1" anchor="ctr" anchorCtr="0" compatLnSpc="1">
+            <a:prstTxWarp prst="textNoShape">
+              <a:avLst/>
+            </a:prstTxWarp>
+            <a:spAutoFit/>
+          </a:bodyPr>
+          <a:lstStyle>
+            <a:lvl1pPr eaLnBrk="0" fontAlgn="base" hangingPunct="0">
+              <a:spcBef>
+                <a:spcPct val="0"/>
+              </a:spcBef>
+              <a:spcAft>
+                <a:spcPct val="0"/>
+              </a:spcAft>
+              <a:defRPr>
+                <a:solidFill>
+                  <a:schemeClr val="tx1"/>
+                </a:solidFill>
+                <a:latin typeface="Arial" panose="020B0604020202020204" pitchFamily="34" charset="0"/>
+              </a:defRPr>
+            </a:lvl1pPr>
+            <a:lvl2pPr eaLnBrk="0" fontAlgn="base" hangingPunct="0">
+              <a:spcBef>
+                <a:spcPct val="0"/>
+              </a:spcBef>
+              <a:spcAft>
+                <a:spcPct val="0"/>
+              </a:spcAft>
+              <a:defRPr>
+                <a:solidFill>
+                  <a:schemeClr val="tx1"/>
+                </a:solidFill>
+                <a:latin typeface="Arial" panose="020B0604020202020204" pitchFamily="34" charset="0"/>
+              </a:defRPr>
+            </a:lvl2pPr>
+            <a:lvl3pPr eaLnBrk="0" fontAlgn="base" hangingPunct="0">
+              <a:spcBef>
+                <a:spcPct val="0"/>
+              </a:spcBef>
+              <a:spcAft>
+                <a:spcPct val="0"/>
+              </a:spcAft>
+              <a:defRPr>
+                <a:solidFill>
+                  <a:schemeClr val="tx1"/>
+                </a:solidFill>
+                <a:latin typeface="Arial" panose="020B0604020202020204" pitchFamily="34" charset="0"/>
+              </a:defRPr>
+            </a:lvl3pPr>
+            <a:lvl4pPr eaLnBrk="0" fontAlgn="base" hangingPunct="0">
+              <a:spcBef>
+                <a:spcPct val="0"/>
+              </a:spcBef>
+              <a:spcAft>
+                <a:spcPct val="0"/>
+              </a:spcAft>
+              <a:defRPr>
+                <a:solidFill>
+                  <a:schemeClr val="tx1"/>
+                </a:solidFill>
+                <a:latin typeface="Arial" panose="020B0604020202020204" pitchFamily="34" charset="0"/>
+              </a:defRPr>
+            </a:lvl4pPr>
+            <a:lvl5pPr eaLnBrk="0" fontAlgn="base" hangingPunct="0">
+              <a:spcBef>
+                <a:spcPct val="0"/>
+              </a:spcBef>
+              <a:spcAft>
+                <a:spcPct val="0"/>
+              </a:spcAft>
+              <a:defRPr>
+                <a:solidFill>
+                  <a:schemeClr val="tx1"/>
+                </a:solidFill>
+                <a:latin typeface="Arial" panose="020B0604020202020204" pitchFamily="34" charset="0"/>
+              </a:defRPr>
+            </a:lvl5pPr>
+            <a:lvl6pPr eaLnBrk="0" fontAlgn="base" hangingPunct="0">
+              <a:spcBef>
+                <a:spcPct val="0"/>
+              </a:spcBef>
+              <a:spcAft>
+                <a:spcPct val="0"/>
+              </a:spcAft>
+              <a:defRPr>
+                <a:solidFill>
+                  <a:schemeClr val="tx1"/>
+                </a:solidFill>
+                <a:latin typeface="Arial" panose="020B0604020202020204" pitchFamily="34" charset="0"/>
+              </a:defRPr>
+            </a:lvl6pPr>
+            <a:lvl7pPr eaLnBrk="0" fontAlgn="base" hangingPunct="0">
+              <a:spcBef>
+                <a:spcPct val="0"/>
+              </a:spcBef>
+              <a:spcAft>
+                <a:spcPct val="0"/>
+              </a:spcAft>
+              <a:defRPr>
+                <a:solidFill>
+                  <a:schemeClr val="tx1"/>
+                </a:solidFill>
+                <a:latin typeface="Arial" panose="020B0604020202020204" pitchFamily="34" charset="0"/>
+              </a:defRPr>
+            </a:lvl7pPr>
+            <a:lvl8pPr eaLnBrk="0" fontAlgn="base" hangingPunct="0">
+              <a:spcBef>
+                <a:spcPct val="0"/>
+              </a:spcBef>
+              <a:spcAft>
+                <a:spcPct val="0"/>
+              </a:spcAft>
+              <a:defRPr>
+                <a:solidFill>
+                  <a:schemeClr val="tx1"/>
+                </a:solidFill>
+                <a:latin typeface="Arial" panose="020B0604020202020204" pitchFamily="34" charset="0"/>
+              </a:defRPr>
+            </a:lvl8pPr>
+            <a:lvl9pPr eaLnBrk="0" fontAlgn="base" hangingPunct="0">
+              <a:spcBef>
+                <a:spcPct val="0"/>
+              </a:spcBef>
+              <a:spcAft>
+                <a:spcPct val="0"/>
+              </a:spcAft>
+              <a:defRPr>
+                <a:solidFill>
+                  <a:schemeClr val="tx1"/>
+                </a:solidFill>
+                <a:latin typeface="Arial" panose="020B0604020202020204" pitchFamily="34" charset="0"/>
+              </a:defRPr>
+            </a:lvl9pPr>
+          </a:lstStyle>
+          <a:p>
+            <a:pPr lvl="0" algn="l">
+              <a:lnSpc>
+                <a:spcPct val="100000"/>
+              </a:lnSpc>
+            </a:pPr>
+            <a:r>
+              <a:rPr lang="en-US" altLang="zh-CN" sz="1800" dirty="0"/>
+              <a:t>--global</a:t>
+            </a:r>
+            <a:r>
+              <a:rPr lang="zh-CN" altLang="en-US" sz="1800" dirty="0"/>
+              <a:t>参数是全局参数，也就是这些命令在这台电脑的所有</a:t>
+            </a:r>
+            <a:r>
+              <a:rPr lang="en-US" altLang="zh-CN" sz="1800" dirty="0" err="1"/>
+              <a:t>Git</a:t>
+            </a:r>
+            <a:r>
+              <a:rPr lang="zh-CN" altLang="en-US" sz="1800" dirty="0"/>
+              <a:t>仓库下都有用。</a:t>
+            </a:r>
+          </a:p>
+          <a:p>
+            <a:pPr lvl="0" algn="l">
+              <a:lnSpc>
+                <a:spcPct val="100000"/>
+              </a:lnSpc>
+            </a:pPr>
+            <a:endParaRPr lang="zh-CN" altLang="en-US" sz="1800" dirty="0"/>
+          </a:p>
+          <a:p>
+            <a:pPr lvl="0" algn="l">
+              <a:lnSpc>
+                <a:spcPct val="100000"/>
+              </a:lnSpc>
+            </a:pPr>
+            <a:r>
+              <a:rPr lang="zh-CN" altLang="en-US" sz="1800" dirty="0"/>
+              <a:t>在撤销修改一节中，我们知道，命令</a:t>
+            </a:r>
+            <a:r>
+              <a:rPr lang="en-US" altLang="zh-CN" sz="1800" dirty="0" err="1"/>
+              <a:t>git</a:t>
+            </a:r>
+            <a:r>
+              <a:rPr lang="en-US" altLang="zh-CN" sz="1800" dirty="0"/>
+              <a:t> reset HEAD file</a:t>
+            </a:r>
+            <a:r>
+              <a:rPr lang="zh-CN" altLang="en-US" sz="1800" dirty="0"/>
+              <a:t>可以把暂存区的修改撤销掉（</a:t>
+            </a:r>
+            <a:r>
+              <a:rPr lang="en-US" altLang="zh-CN" sz="1800" dirty="0" err="1"/>
+              <a:t>unstage</a:t>
+            </a:r>
+            <a:r>
+              <a:rPr lang="zh-CN" altLang="en-US" sz="1800" dirty="0"/>
+              <a:t>），重新放回工作区。既然是一个</a:t>
+            </a:r>
+            <a:r>
+              <a:rPr lang="en-US" altLang="zh-CN" sz="1800" dirty="0" err="1"/>
+              <a:t>unstage</a:t>
+            </a:r>
+            <a:r>
+              <a:rPr lang="zh-CN" altLang="en-US" sz="1800" dirty="0"/>
+              <a:t>操作，就可以配置一个</a:t>
+            </a:r>
+            <a:r>
+              <a:rPr lang="en-US" altLang="zh-CN" sz="1800" dirty="0" err="1"/>
+              <a:t>unstage</a:t>
+            </a:r>
+            <a:r>
+              <a:rPr lang="zh-CN" altLang="en-US" sz="1800" dirty="0"/>
+              <a:t>别名：</a:t>
+            </a:r>
           </a:p>
         </p:txBody>
       </p:sp>
       <p:pic>
         <p:nvPicPr>
-          <p:cNvPr id="4" name="图片 3"/>
+          <p:cNvPr id="5" name="图片 4"/>
           <p:cNvPicPr>
             <a:picLocks noChangeAspect="1"/>
           </p:cNvPicPr>
           <p:nvPr/>
         </p:nvPicPr>
         <p:blipFill>
-          <a:blip r:embed="rId2"/>
+          <a:blip r:embed="rId3"/>
           <a:stretch>
             <a:fillRect/>
           </a:stretch>
         </p:blipFill>
         <p:spPr>
           <a:xfrm>
-            <a:off x="619760" y="0"/>
-            <a:ext cx="10952479" cy="6867946"/>
+            <a:off x="1062720" y="3734434"/>
+            <a:ext cx="9883187" cy="543645"/>
           </a:xfrm>
           <a:prstGeom prst="rect">
             <a:avLst/>
@@ -3864,7 +8573,7 @@
     </p:spTree>
     <p:extLst>
       <p:ext uri="{BB962C8B-B14F-4D97-AF65-F5344CB8AC3E}">
-        <p14:creationId xmlns:p14="http://schemas.microsoft.com/office/powerpoint/2010/main" val="2135017844"/>
+        <p14:creationId xmlns:p14="http://schemas.microsoft.com/office/powerpoint/2010/main" val="2051747955"/>
       </p:ext>
     </p:extLst>
   </p:cSld>
@@ -3898,6 +8607,231 @@
           <a:chExt cx="0" cy="0"/>
         </a:xfrm>
       </p:grpSpPr>
+      <p:sp>
+        <p:nvSpPr>
+          <p:cNvPr id="2" name="标题 1"/>
+          <p:cNvSpPr>
+            <a:spLocks noGrp="1"/>
+          </p:cNvSpPr>
+          <p:nvPr>
+            <p:ph type="ctrTitle"/>
+          </p:nvPr>
+        </p:nvSpPr>
+        <p:spPr>
+          <a:xfrm>
+            <a:off x="373626" y="309716"/>
+            <a:ext cx="7590503" cy="840658"/>
+          </a:xfrm>
+        </p:spPr>
+        <p:txBody>
+          <a:bodyPr>
+            <a:normAutofit/>
+          </a:bodyPr>
+          <a:lstStyle/>
+          <a:p>
+            <a:pPr algn="l"/>
+            <a:r>
+              <a:rPr lang="zh-CN" altLang="en-US" sz="5400" dirty="0"/>
+              <a:t>配置别名</a:t>
+            </a:r>
+          </a:p>
+        </p:txBody>
+      </p:sp>
+      <p:sp>
+        <p:nvSpPr>
+          <p:cNvPr id="3" name="Rectangle 1"/>
+          <p:cNvSpPr>
+            <a:spLocks noGrp="1" noChangeArrowheads="1"/>
+          </p:cNvSpPr>
+          <p:nvPr>
+            <p:ph type="subTitle" idx="1"/>
+          </p:nvPr>
+        </p:nvSpPr>
+        <p:spPr bwMode="white">
+          <a:xfrm>
+            <a:off x="632013" y="1325011"/>
+            <a:ext cx="10313894" cy="546219"/>
+          </a:xfrm>
+          <a:prstGeom prst="rect">
+            <a:avLst/>
+          </a:prstGeom>
+          <a:solidFill>
+            <a:srgbClr val="FAFAFA"/>
+          </a:solidFill>
+          <a:ln>
+            <a:noFill/>
+          </a:ln>
+          <a:effectLst/>
+          <a:extLst>
+            <a:ext uri="{91240B29-F687-4F45-9708-019B960494DF}">
+              <a14:hiddenLine xmlns:a14="http://schemas.microsoft.com/office/drawing/2010/main" w="9525">
+                <a:solidFill>
+                  <a:schemeClr val="tx1"/>
+                </a:solidFill>
+                <a:miter lim="800000"/>
+                <a:headEnd/>
+                <a:tailEnd/>
+              </a14:hiddenLine>
+            </a:ext>
+            <a:ext uri="{AF507438-7753-43E0-B8FC-AC1667EBCBE1}">
+              <a14:hiddenEffects xmlns:a14="http://schemas.microsoft.com/office/drawing/2010/main">
+                <a:effectLst>
+                  <a:outerShdw dist="35921" dir="2700000" algn="ctr" rotWithShape="0">
+                    <a:schemeClr val="bg2"/>
+                  </a:outerShdw>
+                </a:effectLst>
+              </a14:hiddenEffects>
+            </a:ext>
+          </a:extLst>
+        </p:spPr>
+        <p:txBody>
+          <a:bodyPr vert="horz" wrap="square" lIns="0" tIns="133308" rIns="0" bIns="133308" numCol="1" anchor="ctr" anchorCtr="0" compatLnSpc="1">
+            <a:prstTxWarp prst="textNoShape">
+              <a:avLst/>
+            </a:prstTxWarp>
+            <a:spAutoFit/>
+          </a:bodyPr>
+          <a:lstStyle>
+            <a:lvl1pPr eaLnBrk="0" fontAlgn="base" hangingPunct="0">
+              <a:spcBef>
+                <a:spcPct val="0"/>
+              </a:spcBef>
+              <a:spcAft>
+                <a:spcPct val="0"/>
+              </a:spcAft>
+              <a:defRPr>
+                <a:solidFill>
+                  <a:schemeClr val="tx1"/>
+                </a:solidFill>
+                <a:latin typeface="Arial" panose="020B0604020202020204" pitchFamily="34" charset="0"/>
+              </a:defRPr>
+            </a:lvl1pPr>
+            <a:lvl2pPr eaLnBrk="0" fontAlgn="base" hangingPunct="0">
+              <a:spcBef>
+                <a:spcPct val="0"/>
+              </a:spcBef>
+              <a:spcAft>
+                <a:spcPct val="0"/>
+              </a:spcAft>
+              <a:defRPr>
+                <a:solidFill>
+                  <a:schemeClr val="tx1"/>
+                </a:solidFill>
+                <a:latin typeface="Arial" panose="020B0604020202020204" pitchFamily="34" charset="0"/>
+              </a:defRPr>
+            </a:lvl2pPr>
+            <a:lvl3pPr eaLnBrk="0" fontAlgn="base" hangingPunct="0">
+              <a:spcBef>
+                <a:spcPct val="0"/>
+              </a:spcBef>
+              <a:spcAft>
+                <a:spcPct val="0"/>
+              </a:spcAft>
+              <a:defRPr>
+                <a:solidFill>
+                  <a:schemeClr val="tx1"/>
+                </a:solidFill>
+                <a:latin typeface="Arial" panose="020B0604020202020204" pitchFamily="34" charset="0"/>
+              </a:defRPr>
+            </a:lvl3pPr>
+            <a:lvl4pPr eaLnBrk="0" fontAlgn="base" hangingPunct="0">
+              <a:spcBef>
+                <a:spcPct val="0"/>
+              </a:spcBef>
+              <a:spcAft>
+                <a:spcPct val="0"/>
+              </a:spcAft>
+              <a:defRPr>
+                <a:solidFill>
+                  <a:schemeClr val="tx1"/>
+                </a:solidFill>
+                <a:latin typeface="Arial" panose="020B0604020202020204" pitchFamily="34" charset="0"/>
+              </a:defRPr>
+            </a:lvl4pPr>
+            <a:lvl5pPr eaLnBrk="0" fontAlgn="base" hangingPunct="0">
+              <a:spcBef>
+                <a:spcPct val="0"/>
+              </a:spcBef>
+              <a:spcAft>
+                <a:spcPct val="0"/>
+              </a:spcAft>
+              <a:defRPr>
+                <a:solidFill>
+                  <a:schemeClr val="tx1"/>
+                </a:solidFill>
+                <a:latin typeface="Arial" panose="020B0604020202020204" pitchFamily="34" charset="0"/>
+              </a:defRPr>
+            </a:lvl5pPr>
+            <a:lvl6pPr eaLnBrk="0" fontAlgn="base" hangingPunct="0">
+              <a:spcBef>
+                <a:spcPct val="0"/>
+              </a:spcBef>
+              <a:spcAft>
+                <a:spcPct val="0"/>
+              </a:spcAft>
+              <a:defRPr>
+                <a:solidFill>
+                  <a:schemeClr val="tx1"/>
+                </a:solidFill>
+                <a:latin typeface="Arial" panose="020B0604020202020204" pitchFamily="34" charset="0"/>
+              </a:defRPr>
+            </a:lvl6pPr>
+            <a:lvl7pPr eaLnBrk="0" fontAlgn="base" hangingPunct="0">
+              <a:spcBef>
+                <a:spcPct val="0"/>
+              </a:spcBef>
+              <a:spcAft>
+                <a:spcPct val="0"/>
+              </a:spcAft>
+              <a:defRPr>
+                <a:solidFill>
+                  <a:schemeClr val="tx1"/>
+                </a:solidFill>
+                <a:latin typeface="Arial" panose="020B0604020202020204" pitchFamily="34" charset="0"/>
+              </a:defRPr>
+            </a:lvl7pPr>
+            <a:lvl8pPr eaLnBrk="0" fontAlgn="base" hangingPunct="0">
+              <a:spcBef>
+                <a:spcPct val="0"/>
+              </a:spcBef>
+              <a:spcAft>
+                <a:spcPct val="0"/>
+              </a:spcAft>
+              <a:defRPr>
+                <a:solidFill>
+                  <a:schemeClr val="tx1"/>
+                </a:solidFill>
+                <a:latin typeface="Arial" panose="020B0604020202020204" pitchFamily="34" charset="0"/>
+              </a:defRPr>
+            </a:lvl8pPr>
+            <a:lvl9pPr eaLnBrk="0" fontAlgn="base" hangingPunct="0">
+              <a:spcBef>
+                <a:spcPct val="0"/>
+              </a:spcBef>
+              <a:spcAft>
+                <a:spcPct val="0"/>
+              </a:spcAft>
+              <a:defRPr>
+                <a:solidFill>
+                  <a:schemeClr val="tx1"/>
+                </a:solidFill>
+                <a:latin typeface="Arial" panose="020B0604020202020204" pitchFamily="34" charset="0"/>
+              </a:defRPr>
+            </a:lvl9pPr>
+          </a:lstStyle>
+          <a:p>
+            <a:pPr lvl="0" algn="l">
+              <a:lnSpc>
+                <a:spcPct val="100000"/>
+              </a:lnSpc>
+            </a:pPr>
+            <a:r>
+              <a:rPr lang="zh-CN" altLang="en-US" sz="1800" dirty="0"/>
+              <a:t>当你敲入命令：</a:t>
+            </a:r>
+          </a:p>
+        </p:txBody>
+      </p:sp>
       <p:pic>
         <p:nvPicPr>
           <p:cNvPr id="4" name="图片 3"/>
@@ -3907,15 +8841,77 @@
           <p:nvPr/>
         </p:nvPicPr>
         <p:blipFill>
-          <a:blip r:embed="rId2"/>
+          <a:blip r:embed="rId3"/>
           <a:stretch>
             <a:fillRect/>
           </a:stretch>
         </p:blipFill>
         <p:spPr>
           <a:xfrm>
-            <a:off x="890314" y="1041400"/>
-            <a:ext cx="10208172" cy="4445000"/>
+            <a:off x="1056994" y="1931566"/>
+            <a:ext cx="9916996" cy="435115"/>
+          </a:xfrm>
+          <a:prstGeom prst="rect">
+            <a:avLst/>
+          </a:prstGeom>
+        </p:spPr>
+      </p:pic>
+      <p:sp>
+        <p:nvSpPr>
+          <p:cNvPr id="6" name="文本框 5"/>
+          <p:cNvSpPr txBox="1"/>
+          <p:nvPr/>
+        </p:nvSpPr>
+        <p:spPr>
+          <a:xfrm>
+            <a:off x="632013" y="2877671"/>
+            <a:ext cx="2307042" cy="369332"/>
+          </a:xfrm>
+          <a:prstGeom prst="rect">
+            <a:avLst/>
+          </a:prstGeom>
+          <a:noFill/>
+        </p:spPr>
+        <p:txBody>
+          <a:bodyPr wrap="none" rtlCol="0">
+            <a:spAutoFit/>
+          </a:bodyPr>
+          <a:lstStyle/>
+          <a:p>
+            <a:r>
+              <a:rPr lang="zh-CN" altLang="en-US"/>
+              <a:t>实际上</a:t>
+            </a:r>
+            <a:r>
+              <a:rPr lang="en-US" altLang="zh-CN"/>
+              <a:t>Git</a:t>
+            </a:r>
+            <a:r>
+              <a:rPr lang="zh-CN" altLang="en-US"/>
+              <a:t>执行的是：</a:t>
+            </a:r>
+            <a:endParaRPr lang="zh-CN" altLang="en-US" dirty="0"/>
+          </a:p>
+        </p:txBody>
+      </p:sp>
+      <p:pic>
+        <p:nvPicPr>
+          <p:cNvPr id="7" name="图片 6"/>
+          <p:cNvPicPr>
+            <a:picLocks noChangeAspect="1"/>
+          </p:cNvPicPr>
+          <p:nvPr/>
+        </p:nvPicPr>
+        <p:blipFill>
+          <a:blip r:embed="rId4"/>
+          <a:stretch>
+            <a:fillRect/>
+          </a:stretch>
+        </p:blipFill>
+        <p:spPr>
+          <a:xfrm>
+            <a:off x="1056994" y="3583103"/>
+            <a:ext cx="10695873" cy="349779"/>
           </a:xfrm>
           <a:prstGeom prst="rect">
             <a:avLst/>
@@ -3925,7 +8921,7 @@
     </p:spTree>
     <p:extLst>
       <p:ext uri="{BB962C8B-B14F-4D97-AF65-F5344CB8AC3E}">
-        <p14:creationId xmlns:p14="http://schemas.microsoft.com/office/powerpoint/2010/main" val="2185486993"/>
+        <p14:creationId xmlns:p14="http://schemas.microsoft.com/office/powerpoint/2010/main" val="1388584766"/>
       </p:ext>
     </p:extLst>
   </p:cSld>
@@ -4201,4 +9197,265 @@
     </a:ext>
   </a:extLst>
 </a:theme>
+</file>
+
+<file path=ppt/theme/theme2.xml><?xml version="1.0" encoding="utf-8"?>
+<a:theme xmlns:a="http://schemas.openxmlformats.org/drawingml/2006/main" name="Office 主题">
+  <a:themeElements>
+    <a:clrScheme name="Office">
+      <a:dk1>
+        <a:sysClr val="windowText" lastClr="000000"/>
+      </a:dk1>
+      <a:lt1>
+        <a:sysClr val="window" lastClr="FFFFFF"/>
+      </a:lt1>
+      <a:dk2>
+        <a:srgbClr val="44546A"/>
+      </a:dk2>
+      <a:lt2>
+        <a:srgbClr val="E7E6E6"/>
+      </a:lt2>
+      <a:accent1>
+        <a:srgbClr val="5B9BD5"/>
+      </a:accent1>
+      <a:accent2>
+        <a:srgbClr val="ED7D31"/>
+      </a:accent2>
+      <a:accent3>
+        <a:srgbClr val="A5A5A5"/>
+      </a:accent3>
+      <a:accent4>
+        <a:srgbClr val="FFC000"/>
+      </a:accent4>
+      <a:accent5>
+        <a:srgbClr val="4472C4"/>
+      </a:accent5>
+      <a:accent6>
+        <a:srgbClr val="70AD47"/>
+      </a:accent6>
+      <a:hlink>
+        <a:srgbClr val="0563C1"/>
+      </a:hlink>
+      <a:folHlink>
+        <a:srgbClr val="954F72"/>
+      </a:folHlink>
+    </a:clrScheme>
+    <a:fontScheme name="Office">
+      <a:majorFont>
+        <a:latin typeface="Calibri Light" panose="020F0302020204030204"/>
+        <a:ea typeface=""/>
+        <a:cs typeface=""/>
+        <a:font script="Jpan" typeface="ＭＳ Ｐゴシック"/>
+        <a:font script="Hang" typeface="맑은 고딕"/>
+        <a:font script="Hans" typeface="宋体"/>
+        <a:font script="Hant" typeface="新細明體"/>
+        <a:font script="Arab" typeface="Times New Roman"/>
+        <a:font script="Hebr" typeface="Times New Roman"/>
+        <a:font script="Thai" typeface="Angsana New"/>
+        <a:font script="Ethi" typeface="Nyala"/>
+        <a:font script="Beng" typeface="Vrinda"/>
+        <a:font script="Gujr" typeface="Shruti"/>
+        <a:font script="Khmr" typeface="MoolBoran"/>
+        <a:font script="Knda" typeface="Tunga"/>
+        <a:font script="Guru" typeface="Raavi"/>
+        <a:font script="Cans" typeface="Euphemia"/>
+        <a:font script="Cher" typeface="Plantagenet Cherokee"/>
+        <a:font script="Yiii" typeface="Microsoft Yi Baiti"/>
+        <a:font script="Tibt" typeface="Microsoft Himalaya"/>
+        <a:font script="Thaa" typeface="MV Boli"/>
+        <a:font script="Deva" typeface="Mangal"/>
+        <a:font script="Telu" typeface="Gautami"/>
+        <a:font script="Taml" typeface="Latha"/>
+        <a:font script="Syrc" typeface="Estrangelo Edessa"/>
+        <a:font script="Orya" typeface="Kalinga"/>
+        <a:font script="Mlym" typeface="Kartika"/>
+        <a:font script="Laoo" typeface="DokChampa"/>
+        <a:font script="Sinh" typeface="Iskoola Pota"/>
+        <a:font script="Mong" typeface="Mongolian Baiti"/>
+        <a:font script="Viet" typeface="Times New Roman"/>
+        <a:font script="Uigh" typeface="Microsoft Uighur"/>
+        <a:font script="Geor" typeface="Sylfaen"/>
+      </a:majorFont>
+      <a:minorFont>
+        <a:latin typeface="Calibri" panose="020F0502020204030204"/>
+        <a:ea typeface=""/>
+        <a:cs typeface=""/>
+        <a:font script="Jpan" typeface="ＭＳ Ｐゴシック"/>
+        <a:font script="Hang" typeface="맑은 고딕"/>
+        <a:font script="Hans" typeface="宋体"/>
+        <a:font script="Hant" typeface="新細明體"/>
+        <a:font script="Arab" typeface="Arial"/>
+        <a:font script="Hebr" typeface="Arial"/>
+        <a:font script="Thai" typeface="Cordia New"/>
+        <a:font script="Ethi" typeface="Nyala"/>
+        <a:font script="Beng" typeface="Vrinda"/>
+        <a:font script="Gujr" typeface="Shruti"/>
+        <a:font script="Khmr" typeface="DaunPenh"/>
+        <a:font script="Knda" typeface="Tunga"/>
+        <a:font script="Guru" typeface="Raavi"/>
+        <a:font script="Cans" typeface="Euphemia"/>
+        <a:font script="Cher" typeface="Plantagenet Cherokee"/>
+        <a:font script="Yiii" typeface="Microsoft Yi Baiti"/>
+        <a:font script="Tibt" typeface="Microsoft Himalaya"/>
+        <a:font script="Thaa" typeface="MV Boli"/>
+        <a:font script="Deva" typeface="Mangal"/>
+        <a:font script="Telu" typeface="Gautami"/>
+        <a:font script="Taml" typeface="Latha"/>
+        <a:font script="Syrc" typeface="Estrangelo Edessa"/>
+        <a:font script="Orya" typeface="Kalinga"/>
+        <a:font script="Mlym" typeface="Kartika"/>
+        <a:font script="Laoo" typeface="DokChampa"/>
+        <a:font script="Sinh" typeface="Iskoola Pota"/>
+        <a:font script="Mong" typeface="Mongolian Baiti"/>
+        <a:font script="Viet" typeface="Arial"/>
+        <a:font script="Uigh" typeface="Microsoft Uighur"/>
+        <a:font script="Geor" typeface="Sylfaen"/>
+      </a:minorFont>
+    </a:fontScheme>
+    <a:fmtScheme name="Office">
+      <a:fillStyleLst>
+        <a:solidFill>
+          <a:schemeClr val="phClr"/>
+        </a:solidFill>
+        <a:gradFill rotWithShape="1">
+          <a:gsLst>
+            <a:gs pos="0">
+              <a:schemeClr val="phClr">
+                <a:lumMod val="110000"/>
+                <a:satMod val="105000"/>
+                <a:tint val="67000"/>
+              </a:schemeClr>
+            </a:gs>
+            <a:gs pos="50000">
+              <a:schemeClr val="phClr">
+                <a:lumMod val="105000"/>
+                <a:satMod val="103000"/>
+                <a:tint val="73000"/>
+              </a:schemeClr>
+            </a:gs>
+            <a:gs pos="100000">
+              <a:schemeClr val="phClr">
+                <a:lumMod val="105000"/>
+                <a:satMod val="109000"/>
+                <a:tint val="81000"/>
+              </a:schemeClr>
+            </a:gs>
+          </a:gsLst>
+          <a:lin ang="5400000" scaled="0"/>
+        </a:gradFill>
+        <a:gradFill rotWithShape="1">
+          <a:gsLst>
+            <a:gs pos="0">
+              <a:schemeClr val="phClr">
+                <a:satMod val="103000"/>
+                <a:lumMod val="102000"/>
+                <a:tint val="94000"/>
+              </a:schemeClr>
+            </a:gs>
+            <a:gs pos="50000">
+              <a:schemeClr val="phClr">
+                <a:satMod val="110000"/>
+                <a:lumMod val="100000"/>
+                <a:shade val="100000"/>
+              </a:schemeClr>
+            </a:gs>
+            <a:gs pos="100000">
+              <a:schemeClr val="phClr">
+                <a:lumMod val="99000"/>
+                <a:satMod val="120000"/>
+                <a:shade val="78000"/>
+              </a:schemeClr>
+            </a:gs>
+          </a:gsLst>
+          <a:lin ang="5400000" scaled="0"/>
+        </a:gradFill>
+      </a:fillStyleLst>
+      <a:lnStyleLst>
+        <a:ln w="6350" cap="flat" cmpd="sng" algn="ctr">
+          <a:solidFill>
+            <a:schemeClr val="phClr"/>
+          </a:solidFill>
+          <a:prstDash val="solid"/>
+          <a:miter lim="800000"/>
+        </a:ln>
+        <a:ln w="12700" cap="flat" cmpd="sng" algn="ctr">
+          <a:solidFill>
+            <a:schemeClr val="phClr"/>
+          </a:solidFill>
+          <a:prstDash val="solid"/>
+          <a:miter lim="800000"/>
+        </a:ln>
+        <a:ln w="19050" cap="flat" cmpd="sng" algn="ctr">
+          <a:solidFill>
+            <a:schemeClr val="phClr"/>
+          </a:solidFill>
+          <a:prstDash val="solid"/>
+          <a:miter lim="800000"/>
+        </a:ln>
+      </a:lnStyleLst>
+      <a:effectStyleLst>
+        <a:effectStyle>
+          <a:effectLst/>
+        </a:effectStyle>
+        <a:effectStyle>
+          <a:effectLst/>
+        </a:effectStyle>
+        <a:effectStyle>
+          <a:effectLst>
+            <a:outerShdw blurRad="57150" dist="19050" dir="5400000" algn="ctr" rotWithShape="0">
+              <a:srgbClr val="000000">
+                <a:alpha val="63000"/>
+              </a:srgbClr>
+            </a:outerShdw>
+          </a:effectLst>
+        </a:effectStyle>
+      </a:effectStyleLst>
+      <a:bgFillStyleLst>
+        <a:solidFill>
+          <a:schemeClr val="phClr"/>
+        </a:solidFill>
+        <a:solidFill>
+          <a:schemeClr val="phClr">
+            <a:tint val="95000"/>
+            <a:satMod val="170000"/>
+          </a:schemeClr>
+        </a:solidFill>
+        <a:gradFill rotWithShape="1">
+          <a:gsLst>
+            <a:gs pos="0">
+              <a:schemeClr val="phClr">
+                <a:tint val="93000"/>
+                <a:satMod val="150000"/>
+                <a:shade val="98000"/>
+                <a:lumMod val="102000"/>
+              </a:schemeClr>
+            </a:gs>
+            <a:gs pos="50000">
+              <a:schemeClr val="phClr">
+                <a:tint val="98000"/>
+                <a:satMod val="130000"/>
+                <a:shade val="90000"/>
+                <a:lumMod val="103000"/>
+              </a:schemeClr>
+            </a:gs>
+            <a:gs pos="100000">
+              <a:schemeClr val="phClr">
+                <a:shade val="63000"/>
+                <a:satMod val="120000"/>
+              </a:schemeClr>
+            </a:gs>
+          </a:gsLst>
+          <a:lin ang="5400000" scaled="0"/>
+        </a:gradFill>
+      </a:bgFillStyleLst>
+    </a:fmtScheme>
+  </a:themeElements>
+  <a:objectDefaults/>
+  <a:extraClrSchemeLst/>
+  <a:extLst>
+    <a:ext uri="{05A4C25C-085E-4340-85A3-A5531E510DB2}">
+      <thm15:themeFamily xmlns:thm15="http://schemas.microsoft.com/office/thememl/2012/main" name="Office Theme" id="{62F939B6-93AF-4DB8-9C6B-D6C7DFDC589F}" vid="{4A3C46E8-61CC-4603-A589-7422A47A8E4A}"/>
+    </a:ext>
+  </a:extLst>
+</a:theme>
 </file>